--- a/project_foursquare/PAIR PROJECT TEMPLATE.pptx
+++ b/project_foursquare/PAIR PROJECT TEMPLATE.pptx
@@ -5,18 +5,20 @@
     <p:sldMasterId id="2147483648" r:id="rId2"/>
     <p:sldMasterId id="2147483661" r:id="rId3"/>
     <p:sldMasterId id="2147483674" r:id="rId4"/>
+    <p:sldMasterId id="2147483687" r:id="rId5"/>
+    <p:sldMasterId id="2147483700" r:id="rId6"/>
   </p:sldMasterIdLst>
   <p:sldIdLst>
-    <p:sldId id="256" r:id="rId5"/>
-    <p:sldId id="257" r:id="rId6"/>
-    <p:sldId id="258" r:id="rId7"/>
-    <p:sldId id="259" r:id="rId8"/>
-    <p:sldId id="260" r:id="rId9"/>
-    <p:sldId id="261" r:id="rId10"/>
-    <p:sldId id="262" r:id="rId11"/>
+    <p:sldId id="256" r:id="rId7"/>
+    <p:sldId id="257" r:id="rId8"/>
+    <p:sldId id="258" r:id="rId9"/>
+    <p:sldId id="259" r:id="rId10"/>
+    <p:sldId id="260" r:id="rId11"/>
+    <p:sldId id="261" r:id="rId12"/>
+    <p:sldId id="262" r:id="rId13"/>
   </p:sldIdLst>
   <p:sldSz cx="9144000" cy="5143500"/>
-  <p:notesSz cx="6858000" cy="9144000"/>
+  <p:notesSz cx="7559675" cy="10691812"/>
 </p:presentation>
 </file>
 
@@ -61,7 +63,7 @@
       </p:grpSpPr>
       <p:sp>
         <p:nvSpPr>
-          <p:cNvPr id="26" name="PlaceHolder 1"/>
+          <p:cNvPr id="25" name="PlaceHolder 1"/>
           <p:cNvSpPr>
             <a:spLocks noGrp="1"/>
           </p:cNvSpPr>
@@ -71,8 +73,8 @@
         </p:nvSpPr>
         <p:spPr>
           <a:xfrm>
-            <a:off x="460800" y="2065320"/>
-            <a:ext cx="8221680" cy="1012320"/>
+            <a:off x="457200" y="205200"/>
+            <a:ext cx="8229240" cy="858600"/>
           </a:xfrm>
           <a:prstGeom prst="rect">
             <a:avLst/>
@@ -81,18 +83,16 @@
         <p:txBody>
           <a:bodyPr lIns="0" rIns="0" tIns="0" bIns="0" anchor="ctr"/>
           <a:p>
-            <a:endParaRPr b="0" lang="en-US" sz="1400" spc="-1" strike="noStrike">
-              <a:solidFill>
-                <a:srgbClr val="000000"/>
-              </a:solidFill>
-              <a:latin typeface="Arial"/>
-            </a:endParaRPr>
-          </a:p>
-        </p:txBody>
-      </p:sp>
-      <p:sp>
-        <p:nvSpPr>
-          <p:cNvPr id="27" name="PlaceHolder 2"/>
+            <a:pPr algn="ctr"/>
+            <a:endParaRPr b="0" lang="en-US" sz="4400" spc="-1" strike="noStrike">
+              <a:latin typeface="Arial"/>
+            </a:endParaRPr>
+          </a:p>
+        </p:txBody>
+      </p:sp>
+      <p:sp>
+        <p:nvSpPr>
+          <p:cNvPr id="26" name="PlaceHolder 2"/>
           <p:cNvSpPr>
             <a:spLocks noGrp="1"/>
           </p:cNvSpPr>
@@ -114,18 +114,15 @@
             <a:normAutofit/>
           </a:bodyPr>
           <a:p>
-            <a:endParaRPr b="0" lang="en-US" sz="1400" spc="-1" strike="noStrike">
-              <a:solidFill>
-                <a:srgbClr val="000000"/>
-              </a:solidFill>
-              <a:latin typeface="Arial"/>
-            </a:endParaRPr>
-          </a:p>
-        </p:txBody>
-      </p:sp>
-      <p:sp>
-        <p:nvSpPr>
-          <p:cNvPr id="28" name="PlaceHolder 3"/>
+            <a:endParaRPr b="0" lang="en-US" sz="3200" spc="-1" strike="noStrike">
+              <a:latin typeface="Arial"/>
+            </a:endParaRPr>
+          </a:p>
+        </p:txBody>
+      </p:sp>
+      <p:sp>
+        <p:nvSpPr>
+          <p:cNvPr id="27" name="PlaceHolder 3"/>
           <p:cNvSpPr>
             <a:spLocks noGrp="1"/>
           </p:cNvSpPr>
@@ -147,10 +144,7 @@
             <a:normAutofit/>
           </a:bodyPr>
           <a:p>
-            <a:endParaRPr b="0" lang="en-US" sz="1400" spc="-1" strike="noStrike">
-              <a:solidFill>
-                <a:srgbClr val="000000"/>
-              </a:solidFill>
+            <a:endParaRPr b="0" lang="en-US" sz="3200" spc="-1" strike="noStrike">
               <a:latin typeface="Arial"/>
             </a:endParaRPr>
           </a:p>
@@ -180,7 +174,7 @@
       </p:grpSpPr>
       <p:sp>
         <p:nvSpPr>
-          <p:cNvPr id="29" name="PlaceHolder 1"/>
+          <p:cNvPr id="28" name="PlaceHolder 1"/>
           <p:cNvSpPr>
             <a:spLocks noGrp="1"/>
           </p:cNvSpPr>
@@ -190,8 +184,8 @@
         </p:nvSpPr>
         <p:spPr>
           <a:xfrm>
-            <a:off x="460800" y="2065320"/>
-            <a:ext cx="8221680" cy="1012320"/>
+            <a:off x="457200" y="205200"/>
+            <a:ext cx="8229240" cy="858600"/>
           </a:xfrm>
           <a:prstGeom prst="rect">
             <a:avLst/>
@@ -200,18 +194,16 @@
         <p:txBody>
           <a:bodyPr lIns="0" rIns="0" tIns="0" bIns="0" anchor="ctr"/>
           <a:p>
-            <a:endParaRPr b="0" lang="en-US" sz="1400" spc="-1" strike="noStrike">
-              <a:solidFill>
-                <a:srgbClr val="000000"/>
-              </a:solidFill>
-              <a:latin typeface="Arial"/>
-            </a:endParaRPr>
-          </a:p>
-        </p:txBody>
-      </p:sp>
-      <p:sp>
-        <p:nvSpPr>
-          <p:cNvPr id="30" name="PlaceHolder 2"/>
+            <a:pPr algn="ctr"/>
+            <a:endParaRPr b="0" lang="en-US" sz="4400" spc="-1" strike="noStrike">
+              <a:latin typeface="Arial"/>
+            </a:endParaRPr>
+          </a:p>
+        </p:txBody>
+      </p:sp>
+      <p:sp>
+        <p:nvSpPr>
+          <p:cNvPr id="29" name="PlaceHolder 2"/>
           <p:cNvSpPr>
             <a:spLocks noGrp="1"/>
           </p:cNvSpPr>
@@ -233,18 +225,15 @@
             <a:normAutofit/>
           </a:bodyPr>
           <a:p>
-            <a:endParaRPr b="0" lang="en-US" sz="1400" spc="-1" strike="noStrike">
-              <a:solidFill>
-                <a:srgbClr val="000000"/>
-              </a:solidFill>
-              <a:latin typeface="Arial"/>
-            </a:endParaRPr>
-          </a:p>
-        </p:txBody>
-      </p:sp>
-      <p:sp>
-        <p:nvSpPr>
-          <p:cNvPr id="31" name="PlaceHolder 3"/>
+            <a:endParaRPr b="0" lang="en-US" sz="3200" spc="-1" strike="noStrike">
+              <a:latin typeface="Arial"/>
+            </a:endParaRPr>
+          </a:p>
+        </p:txBody>
+      </p:sp>
+      <p:sp>
+        <p:nvSpPr>
+          <p:cNvPr id="30" name="PlaceHolder 3"/>
           <p:cNvSpPr>
             <a:spLocks noGrp="1"/>
           </p:cNvSpPr>
@@ -266,18 +255,15 @@
             <a:normAutofit/>
           </a:bodyPr>
           <a:p>
-            <a:endParaRPr b="0" lang="en-US" sz="1400" spc="-1" strike="noStrike">
-              <a:solidFill>
-                <a:srgbClr val="000000"/>
-              </a:solidFill>
-              <a:latin typeface="Arial"/>
-            </a:endParaRPr>
-          </a:p>
-        </p:txBody>
-      </p:sp>
-      <p:sp>
-        <p:nvSpPr>
-          <p:cNvPr id="32" name="PlaceHolder 4"/>
+            <a:endParaRPr b="0" lang="en-US" sz="3200" spc="-1" strike="noStrike">
+              <a:latin typeface="Arial"/>
+            </a:endParaRPr>
+          </a:p>
+        </p:txBody>
+      </p:sp>
+      <p:sp>
+        <p:nvSpPr>
+          <p:cNvPr id="31" name="PlaceHolder 4"/>
           <p:cNvSpPr>
             <a:spLocks noGrp="1"/>
           </p:cNvSpPr>
@@ -299,18 +285,15 @@
             <a:normAutofit/>
           </a:bodyPr>
           <a:p>
-            <a:endParaRPr b="0" lang="en-US" sz="1400" spc="-1" strike="noStrike">
-              <a:solidFill>
-                <a:srgbClr val="000000"/>
-              </a:solidFill>
-              <a:latin typeface="Arial"/>
-            </a:endParaRPr>
-          </a:p>
-        </p:txBody>
-      </p:sp>
-      <p:sp>
-        <p:nvSpPr>
-          <p:cNvPr id="33" name="PlaceHolder 5"/>
+            <a:endParaRPr b="0" lang="en-US" sz="3200" spc="-1" strike="noStrike">
+              <a:latin typeface="Arial"/>
+            </a:endParaRPr>
+          </a:p>
+        </p:txBody>
+      </p:sp>
+      <p:sp>
+        <p:nvSpPr>
+          <p:cNvPr id="32" name="PlaceHolder 5"/>
           <p:cNvSpPr>
             <a:spLocks noGrp="1"/>
           </p:cNvSpPr>
@@ -332,10 +315,7 @@
             <a:normAutofit/>
           </a:bodyPr>
           <a:p>
-            <a:endParaRPr b="0" lang="en-US" sz="1400" spc="-1" strike="noStrike">
-              <a:solidFill>
-                <a:srgbClr val="000000"/>
-              </a:solidFill>
+            <a:endParaRPr b="0" lang="en-US" sz="3200" spc="-1" strike="noStrike">
               <a:latin typeface="Arial"/>
             </a:endParaRPr>
           </a:p>
@@ -365,7 +345,7 @@
       </p:grpSpPr>
       <p:sp>
         <p:nvSpPr>
-          <p:cNvPr id="34" name="PlaceHolder 1"/>
+          <p:cNvPr id="33" name="PlaceHolder 1"/>
           <p:cNvSpPr>
             <a:spLocks noGrp="1"/>
           </p:cNvSpPr>
@@ -375,8 +355,8 @@
         </p:nvSpPr>
         <p:spPr>
           <a:xfrm>
-            <a:off x="460800" y="2065320"/>
-            <a:ext cx="8221680" cy="1012320"/>
+            <a:off x="457200" y="205200"/>
+            <a:ext cx="8229240" cy="858600"/>
           </a:xfrm>
           <a:prstGeom prst="rect">
             <a:avLst/>
@@ -385,18 +365,16 @@
         <p:txBody>
           <a:bodyPr lIns="0" rIns="0" tIns="0" bIns="0" anchor="ctr"/>
           <a:p>
-            <a:endParaRPr b="0" lang="en-US" sz="1400" spc="-1" strike="noStrike">
-              <a:solidFill>
-                <a:srgbClr val="000000"/>
-              </a:solidFill>
-              <a:latin typeface="Arial"/>
-            </a:endParaRPr>
-          </a:p>
-        </p:txBody>
-      </p:sp>
-      <p:sp>
-        <p:nvSpPr>
-          <p:cNvPr id="35" name="PlaceHolder 2"/>
+            <a:pPr algn="ctr"/>
+            <a:endParaRPr b="0" lang="en-US" sz="4400" spc="-1" strike="noStrike">
+              <a:latin typeface="Arial"/>
+            </a:endParaRPr>
+          </a:p>
+        </p:txBody>
+      </p:sp>
+      <p:sp>
+        <p:nvSpPr>
+          <p:cNvPr id="34" name="PlaceHolder 2"/>
           <p:cNvSpPr>
             <a:spLocks noGrp="1"/>
           </p:cNvSpPr>
@@ -418,18 +396,15 @@
             <a:normAutofit/>
           </a:bodyPr>
           <a:p>
-            <a:endParaRPr b="0" lang="en-US" sz="1400" spc="-1" strike="noStrike">
-              <a:solidFill>
-                <a:srgbClr val="000000"/>
-              </a:solidFill>
-              <a:latin typeface="Arial"/>
-            </a:endParaRPr>
-          </a:p>
-        </p:txBody>
-      </p:sp>
-      <p:sp>
-        <p:nvSpPr>
-          <p:cNvPr id="36" name="PlaceHolder 3"/>
+            <a:endParaRPr b="0" lang="en-US" sz="3200" spc="-1" strike="noStrike">
+              <a:latin typeface="Arial"/>
+            </a:endParaRPr>
+          </a:p>
+        </p:txBody>
+      </p:sp>
+      <p:sp>
+        <p:nvSpPr>
+          <p:cNvPr id="35" name="PlaceHolder 3"/>
           <p:cNvSpPr>
             <a:spLocks noGrp="1"/>
           </p:cNvSpPr>
@@ -451,18 +426,15 @@
             <a:normAutofit/>
           </a:bodyPr>
           <a:p>
-            <a:endParaRPr b="0" lang="en-US" sz="1400" spc="-1" strike="noStrike">
-              <a:solidFill>
-                <a:srgbClr val="000000"/>
-              </a:solidFill>
-              <a:latin typeface="Arial"/>
-            </a:endParaRPr>
-          </a:p>
-        </p:txBody>
-      </p:sp>
-      <p:sp>
-        <p:nvSpPr>
-          <p:cNvPr id="37" name="PlaceHolder 4"/>
+            <a:endParaRPr b="0" lang="en-US" sz="3200" spc="-1" strike="noStrike">
+              <a:latin typeface="Arial"/>
+            </a:endParaRPr>
+          </a:p>
+        </p:txBody>
+      </p:sp>
+      <p:sp>
+        <p:nvSpPr>
+          <p:cNvPr id="36" name="PlaceHolder 4"/>
           <p:cNvSpPr>
             <a:spLocks noGrp="1"/>
           </p:cNvSpPr>
@@ -484,18 +456,15 @@
             <a:normAutofit/>
           </a:bodyPr>
           <a:p>
-            <a:endParaRPr b="0" lang="en-US" sz="1400" spc="-1" strike="noStrike">
-              <a:solidFill>
-                <a:srgbClr val="000000"/>
-              </a:solidFill>
-              <a:latin typeface="Arial"/>
-            </a:endParaRPr>
-          </a:p>
-        </p:txBody>
-      </p:sp>
-      <p:sp>
-        <p:nvSpPr>
-          <p:cNvPr id="38" name="PlaceHolder 5"/>
+            <a:endParaRPr b="0" lang="en-US" sz="3200" spc="-1" strike="noStrike">
+              <a:latin typeface="Arial"/>
+            </a:endParaRPr>
+          </a:p>
+        </p:txBody>
+      </p:sp>
+      <p:sp>
+        <p:nvSpPr>
+          <p:cNvPr id="37" name="PlaceHolder 5"/>
           <p:cNvSpPr>
             <a:spLocks noGrp="1"/>
           </p:cNvSpPr>
@@ -517,18 +486,15 @@
             <a:normAutofit/>
           </a:bodyPr>
           <a:p>
-            <a:endParaRPr b="0" lang="en-US" sz="1400" spc="-1" strike="noStrike">
-              <a:solidFill>
-                <a:srgbClr val="000000"/>
-              </a:solidFill>
-              <a:latin typeface="Arial"/>
-            </a:endParaRPr>
-          </a:p>
-        </p:txBody>
-      </p:sp>
-      <p:sp>
-        <p:nvSpPr>
-          <p:cNvPr id="39" name="PlaceHolder 6"/>
+            <a:endParaRPr b="0" lang="en-US" sz="3200" spc="-1" strike="noStrike">
+              <a:latin typeface="Arial"/>
+            </a:endParaRPr>
+          </a:p>
+        </p:txBody>
+      </p:sp>
+      <p:sp>
+        <p:nvSpPr>
+          <p:cNvPr id="38" name="PlaceHolder 6"/>
           <p:cNvSpPr>
             <a:spLocks noGrp="1"/>
           </p:cNvSpPr>
@@ -550,18 +516,15 @@
             <a:normAutofit/>
           </a:bodyPr>
           <a:p>
-            <a:endParaRPr b="0" lang="en-US" sz="1400" spc="-1" strike="noStrike">
-              <a:solidFill>
-                <a:srgbClr val="000000"/>
-              </a:solidFill>
-              <a:latin typeface="Arial"/>
-            </a:endParaRPr>
-          </a:p>
-        </p:txBody>
-      </p:sp>
-      <p:sp>
-        <p:nvSpPr>
-          <p:cNvPr id="40" name="PlaceHolder 7"/>
+            <a:endParaRPr b="0" lang="en-US" sz="3200" spc="-1" strike="noStrike">
+              <a:latin typeface="Arial"/>
+            </a:endParaRPr>
+          </a:p>
+        </p:txBody>
+      </p:sp>
+      <p:sp>
+        <p:nvSpPr>
+          <p:cNvPr id="39" name="PlaceHolder 7"/>
           <p:cNvSpPr>
             <a:spLocks noGrp="1"/>
           </p:cNvSpPr>
@@ -583,10 +546,7 @@
             <a:normAutofit/>
           </a:bodyPr>
           <a:p>
-            <a:endParaRPr b="0" lang="en-US" sz="1400" spc="-1" strike="noStrike">
-              <a:solidFill>
-                <a:srgbClr val="000000"/>
-              </a:solidFill>
+            <a:endParaRPr b="0" lang="en-US" sz="3200" spc="-1" strike="noStrike">
               <a:latin typeface="Arial"/>
             </a:endParaRPr>
           </a:p>
@@ -638,7 +598,7 @@
       </p:grpSpPr>
       <p:sp>
         <p:nvSpPr>
-          <p:cNvPr id="46" name="PlaceHolder 1"/>
+          <p:cNvPr id="44" name="PlaceHolder 1"/>
           <p:cNvSpPr>
             <a:spLocks noGrp="1"/>
           </p:cNvSpPr>
@@ -648,8 +608,8 @@
         </p:nvSpPr>
         <p:spPr>
           <a:xfrm>
-            <a:off x="460800" y="2065320"/>
-            <a:ext cx="8221680" cy="1012320"/>
+            <a:off x="457200" y="205200"/>
+            <a:ext cx="8229240" cy="858600"/>
           </a:xfrm>
           <a:prstGeom prst="rect">
             <a:avLst/>
@@ -658,18 +618,16 @@
         <p:txBody>
           <a:bodyPr lIns="0" rIns="0" tIns="0" bIns="0" anchor="ctr"/>
           <a:p>
-            <a:endParaRPr b="0" lang="en-US" sz="1400" spc="-1" strike="noStrike">
-              <a:solidFill>
-                <a:srgbClr val="000000"/>
-              </a:solidFill>
-              <a:latin typeface="Arial"/>
-            </a:endParaRPr>
-          </a:p>
-        </p:txBody>
-      </p:sp>
-      <p:sp>
-        <p:nvSpPr>
-          <p:cNvPr id="47" name="PlaceHolder 2"/>
+            <a:pPr algn="ctr"/>
+            <a:endParaRPr b="0" lang="en-US" sz="4400" spc="-1" strike="noStrike">
+              <a:latin typeface="Arial"/>
+            </a:endParaRPr>
+          </a:p>
+        </p:txBody>
+      </p:sp>
+      <p:sp>
+        <p:nvSpPr>
+          <p:cNvPr id="45" name="PlaceHolder 2"/>
           <p:cNvSpPr>
             <a:spLocks noGrp="1"/>
           </p:cNvSpPr>
@@ -720,7 +678,7 @@
       </p:grpSpPr>
       <p:sp>
         <p:nvSpPr>
-          <p:cNvPr id="48" name="PlaceHolder 1"/>
+          <p:cNvPr id="46" name="PlaceHolder 1"/>
           <p:cNvSpPr>
             <a:spLocks noGrp="1"/>
           </p:cNvSpPr>
@@ -730,8 +688,8 @@
         </p:nvSpPr>
         <p:spPr>
           <a:xfrm>
-            <a:off x="460800" y="2065320"/>
-            <a:ext cx="8221680" cy="1012320"/>
+            <a:off x="457200" y="205200"/>
+            <a:ext cx="8229240" cy="858600"/>
           </a:xfrm>
           <a:prstGeom prst="rect">
             <a:avLst/>
@@ -740,18 +698,16 @@
         <p:txBody>
           <a:bodyPr lIns="0" rIns="0" tIns="0" bIns="0" anchor="ctr"/>
           <a:p>
-            <a:endParaRPr b="0" lang="en-US" sz="1400" spc="-1" strike="noStrike">
-              <a:solidFill>
-                <a:srgbClr val="000000"/>
-              </a:solidFill>
-              <a:latin typeface="Arial"/>
-            </a:endParaRPr>
-          </a:p>
-        </p:txBody>
-      </p:sp>
-      <p:sp>
-        <p:nvSpPr>
-          <p:cNvPr id="49" name="PlaceHolder 2"/>
+            <a:pPr algn="ctr"/>
+            <a:endParaRPr b="0" lang="en-US" sz="4400" spc="-1" strike="noStrike">
+              <a:latin typeface="Arial"/>
+            </a:endParaRPr>
+          </a:p>
+        </p:txBody>
+      </p:sp>
+      <p:sp>
+        <p:nvSpPr>
+          <p:cNvPr id="47" name="PlaceHolder 2"/>
           <p:cNvSpPr>
             <a:spLocks noGrp="1"/>
           </p:cNvSpPr>
@@ -773,10 +729,7 @@
             <a:normAutofit/>
           </a:bodyPr>
           <a:p>
-            <a:endParaRPr b="0" lang="en-US" sz="1400" spc="-1" strike="noStrike">
-              <a:solidFill>
-                <a:srgbClr val="000000"/>
-              </a:solidFill>
+            <a:endParaRPr b="0" lang="en-US" sz="3200" spc="-1" strike="noStrike">
               <a:latin typeface="Arial"/>
             </a:endParaRPr>
           </a:p>
@@ -806,7 +759,7 @@
       </p:grpSpPr>
       <p:sp>
         <p:nvSpPr>
-          <p:cNvPr id="50" name="PlaceHolder 1"/>
+          <p:cNvPr id="48" name="PlaceHolder 1"/>
           <p:cNvSpPr>
             <a:spLocks noGrp="1"/>
           </p:cNvSpPr>
@@ -816,8 +769,8 @@
         </p:nvSpPr>
         <p:spPr>
           <a:xfrm>
-            <a:off x="460800" y="2065320"/>
-            <a:ext cx="8221680" cy="1012320"/>
+            <a:off x="457200" y="205200"/>
+            <a:ext cx="8229240" cy="858600"/>
           </a:xfrm>
           <a:prstGeom prst="rect">
             <a:avLst/>
@@ -826,18 +779,16 @@
         <p:txBody>
           <a:bodyPr lIns="0" rIns="0" tIns="0" bIns="0" anchor="ctr"/>
           <a:p>
-            <a:endParaRPr b="0" lang="en-US" sz="1400" spc="-1" strike="noStrike">
-              <a:solidFill>
-                <a:srgbClr val="000000"/>
-              </a:solidFill>
-              <a:latin typeface="Arial"/>
-            </a:endParaRPr>
-          </a:p>
-        </p:txBody>
-      </p:sp>
-      <p:sp>
-        <p:nvSpPr>
-          <p:cNvPr id="51" name="PlaceHolder 2"/>
+            <a:pPr algn="ctr"/>
+            <a:endParaRPr b="0" lang="en-US" sz="4400" spc="-1" strike="noStrike">
+              <a:latin typeface="Arial"/>
+            </a:endParaRPr>
+          </a:p>
+        </p:txBody>
+      </p:sp>
+      <p:sp>
+        <p:nvSpPr>
+          <p:cNvPr id="49" name="PlaceHolder 2"/>
           <p:cNvSpPr>
             <a:spLocks noGrp="1"/>
           </p:cNvSpPr>
@@ -859,18 +810,15 @@
             <a:normAutofit/>
           </a:bodyPr>
           <a:p>
-            <a:endParaRPr b="0" lang="en-US" sz="1400" spc="-1" strike="noStrike">
-              <a:solidFill>
-                <a:srgbClr val="000000"/>
-              </a:solidFill>
-              <a:latin typeface="Arial"/>
-            </a:endParaRPr>
-          </a:p>
-        </p:txBody>
-      </p:sp>
-      <p:sp>
-        <p:nvSpPr>
-          <p:cNvPr id="52" name="PlaceHolder 3"/>
+            <a:endParaRPr b="0" lang="en-US" sz="3200" spc="-1" strike="noStrike">
+              <a:latin typeface="Arial"/>
+            </a:endParaRPr>
+          </a:p>
+        </p:txBody>
+      </p:sp>
+      <p:sp>
+        <p:nvSpPr>
+          <p:cNvPr id="50" name="PlaceHolder 3"/>
           <p:cNvSpPr>
             <a:spLocks noGrp="1"/>
           </p:cNvSpPr>
@@ -892,10 +840,7 @@
             <a:normAutofit/>
           </a:bodyPr>
           <a:p>
-            <a:endParaRPr b="0" lang="en-US" sz="1400" spc="-1" strike="noStrike">
-              <a:solidFill>
-                <a:srgbClr val="000000"/>
-              </a:solidFill>
+            <a:endParaRPr b="0" lang="en-US" sz="3200" spc="-1" strike="noStrike">
               <a:latin typeface="Arial"/>
             </a:endParaRPr>
           </a:p>
@@ -925,7 +870,7 @@
       </p:grpSpPr>
       <p:sp>
         <p:nvSpPr>
-          <p:cNvPr id="53" name="PlaceHolder 1"/>
+          <p:cNvPr id="51" name="PlaceHolder 1"/>
           <p:cNvSpPr>
             <a:spLocks noGrp="1"/>
           </p:cNvSpPr>
@@ -935,8 +880,8 @@
         </p:nvSpPr>
         <p:spPr>
           <a:xfrm>
-            <a:off x="460800" y="2065320"/>
-            <a:ext cx="8221680" cy="1012320"/>
+            <a:off x="457200" y="205200"/>
+            <a:ext cx="8229240" cy="858600"/>
           </a:xfrm>
           <a:prstGeom prst="rect">
             <a:avLst/>
@@ -945,10 +890,8 @@
         <p:txBody>
           <a:bodyPr lIns="0" rIns="0" tIns="0" bIns="0" anchor="ctr"/>
           <a:p>
-            <a:endParaRPr b="0" lang="en-US" sz="1400" spc="-1" strike="noStrike">
-              <a:solidFill>
-                <a:srgbClr val="000000"/>
-              </a:solidFill>
+            <a:pPr algn="ctr"/>
+            <a:endParaRPr b="0" lang="en-US" sz="4400" spc="-1" strike="noStrike">
               <a:latin typeface="Arial"/>
             </a:endParaRPr>
           </a:p>
@@ -978,7 +921,7 @@
       </p:grpSpPr>
       <p:sp>
         <p:nvSpPr>
-          <p:cNvPr id="54" name="PlaceHolder 1"/>
+          <p:cNvPr id="52" name="PlaceHolder 1"/>
           <p:cNvSpPr>
             <a:spLocks noGrp="1"/>
           </p:cNvSpPr>
@@ -988,8 +931,8 @@
         </p:nvSpPr>
         <p:spPr>
           <a:xfrm>
-            <a:off x="460800" y="2065320"/>
-            <a:ext cx="8221680" cy="4693680"/>
+            <a:off x="457200" y="205200"/>
+            <a:ext cx="8229240" cy="3981240"/>
           </a:xfrm>
           <a:prstGeom prst="rect">
             <a:avLst/>
@@ -1029,7 +972,7 @@
       </p:grpSpPr>
       <p:sp>
         <p:nvSpPr>
-          <p:cNvPr id="55" name="PlaceHolder 1"/>
+          <p:cNvPr id="53" name="PlaceHolder 1"/>
           <p:cNvSpPr>
             <a:spLocks noGrp="1"/>
           </p:cNvSpPr>
@@ -1039,8 +982,8 @@
         </p:nvSpPr>
         <p:spPr>
           <a:xfrm>
-            <a:off x="460800" y="2065320"/>
-            <a:ext cx="8221680" cy="1012320"/>
+            <a:off x="457200" y="205200"/>
+            <a:ext cx="8229240" cy="858600"/>
           </a:xfrm>
           <a:prstGeom prst="rect">
             <a:avLst/>
@@ -1049,18 +992,16 @@
         <p:txBody>
           <a:bodyPr lIns="0" rIns="0" tIns="0" bIns="0" anchor="ctr"/>
           <a:p>
-            <a:endParaRPr b="0" lang="en-US" sz="1400" spc="-1" strike="noStrike">
-              <a:solidFill>
-                <a:srgbClr val="000000"/>
-              </a:solidFill>
-              <a:latin typeface="Arial"/>
-            </a:endParaRPr>
-          </a:p>
-        </p:txBody>
-      </p:sp>
-      <p:sp>
-        <p:nvSpPr>
-          <p:cNvPr id="56" name="PlaceHolder 2"/>
+            <a:pPr algn="ctr"/>
+            <a:endParaRPr b="0" lang="en-US" sz="4400" spc="-1" strike="noStrike">
+              <a:latin typeface="Arial"/>
+            </a:endParaRPr>
+          </a:p>
+        </p:txBody>
+      </p:sp>
+      <p:sp>
+        <p:nvSpPr>
+          <p:cNvPr id="54" name="PlaceHolder 2"/>
           <p:cNvSpPr>
             <a:spLocks noGrp="1"/>
           </p:cNvSpPr>
@@ -1082,18 +1023,15 @@
             <a:normAutofit/>
           </a:bodyPr>
           <a:p>
-            <a:endParaRPr b="0" lang="en-US" sz="1400" spc="-1" strike="noStrike">
-              <a:solidFill>
-                <a:srgbClr val="000000"/>
-              </a:solidFill>
-              <a:latin typeface="Arial"/>
-            </a:endParaRPr>
-          </a:p>
-        </p:txBody>
-      </p:sp>
-      <p:sp>
-        <p:nvSpPr>
-          <p:cNvPr id="57" name="PlaceHolder 3"/>
+            <a:endParaRPr b="0" lang="en-US" sz="3200" spc="-1" strike="noStrike">
+              <a:latin typeface="Arial"/>
+            </a:endParaRPr>
+          </a:p>
+        </p:txBody>
+      </p:sp>
+      <p:sp>
+        <p:nvSpPr>
+          <p:cNvPr id="55" name="PlaceHolder 3"/>
           <p:cNvSpPr>
             <a:spLocks noGrp="1"/>
           </p:cNvSpPr>
@@ -1115,18 +1053,15 @@
             <a:normAutofit/>
           </a:bodyPr>
           <a:p>
-            <a:endParaRPr b="0" lang="en-US" sz="1400" spc="-1" strike="noStrike">
-              <a:solidFill>
-                <a:srgbClr val="000000"/>
-              </a:solidFill>
-              <a:latin typeface="Arial"/>
-            </a:endParaRPr>
-          </a:p>
-        </p:txBody>
-      </p:sp>
-      <p:sp>
-        <p:nvSpPr>
-          <p:cNvPr id="58" name="PlaceHolder 4"/>
+            <a:endParaRPr b="0" lang="en-US" sz="3200" spc="-1" strike="noStrike">
+              <a:latin typeface="Arial"/>
+            </a:endParaRPr>
+          </a:p>
+        </p:txBody>
+      </p:sp>
+      <p:sp>
+        <p:nvSpPr>
+          <p:cNvPr id="56" name="PlaceHolder 4"/>
           <p:cNvSpPr>
             <a:spLocks noGrp="1"/>
           </p:cNvSpPr>
@@ -1148,10 +1083,7 @@
             <a:normAutofit/>
           </a:bodyPr>
           <a:p>
-            <a:endParaRPr b="0" lang="en-US" sz="1400" spc="-1" strike="noStrike">
-              <a:solidFill>
-                <a:srgbClr val="000000"/>
-              </a:solidFill>
+            <a:endParaRPr b="0" lang="en-US" sz="3200" spc="-1" strike="noStrike">
               <a:latin typeface="Arial"/>
             </a:endParaRPr>
           </a:p>
@@ -1181,7 +1113,7 @@
       </p:grpSpPr>
       <p:sp>
         <p:nvSpPr>
-          <p:cNvPr id="5" name="PlaceHolder 1"/>
+          <p:cNvPr id="4" name="PlaceHolder 1"/>
           <p:cNvSpPr>
             <a:spLocks noGrp="1"/>
           </p:cNvSpPr>
@@ -1191,8 +1123,8 @@
         </p:nvSpPr>
         <p:spPr>
           <a:xfrm>
-            <a:off x="460800" y="2065320"/>
-            <a:ext cx="8221680" cy="1012320"/>
+            <a:off x="457200" y="205200"/>
+            <a:ext cx="8229240" cy="858600"/>
           </a:xfrm>
           <a:prstGeom prst="rect">
             <a:avLst/>
@@ -1201,18 +1133,16 @@
         <p:txBody>
           <a:bodyPr lIns="0" rIns="0" tIns="0" bIns="0" anchor="ctr"/>
           <a:p>
-            <a:endParaRPr b="0" lang="en-US" sz="1400" spc="-1" strike="noStrike">
-              <a:solidFill>
-                <a:srgbClr val="000000"/>
-              </a:solidFill>
-              <a:latin typeface="Arial"/>
-            </a:endParaRPr>
-          </a:p>
-        </p:txBody>
-      </p:sp>
-      <p:sp>
-        <p:nvSpPr>
-          <p:cNvPr id="6" name="PlaceHolder 2"/>
+            <a:pPr algn="ctr"/>
+            <a:endParaRPr b="0" lang="en-US" sz="4400" spc="-1" strike="noStrike">
+              <a:latin typeface="Arial"/>
+            </a:endParaRPr>
+          </a:p>
+        </p:txBody>
+      </p:sp>
+      <p:sp>
+        <p:nvSpPr>
+          <p:cNvPr id="5" name="PlaceHolder 2"/>
           <p:cNvSpPr>
             <a:spLocks noGrp="1"/>
           </p:cNvSpPr>
@@ -1263,7 +1193,7 @@
       </p:grpSpPr>
       <p:sp>
         <p:nvSpPr>
-          <p:cNvPr id="59" name="PlaceHolder 1"/>
+          <p:cNvPr id="57" name="PlaceHolder 1"/>
           <p:cNvSpPr>
             <a:spLocks noGrp="1"/>
           </p:cNvSpPr>
@@ -1273,8 +1203,8 @@
         </p:nvSpPr>
         <p:spPr>
           <a:xfrm>
-            <a:off x="460800" y="2065320"/>
-            <a:ext cx="8221680" cy="1012320"/>
+            <a:off x="457200" y="205200"/>
+            <a:ext cx="8229240" cy="858600"/>
           </a:xfrm>
           <a:prstGeom prst="rect">
             <a:avLst/>
@@ -1283,18 +1213,16 @@
         <p:txBody>
           <a:bodyPr lIns="0" rIns="0" tIns="0" bIns="0" anchor="ctr"/>
           <a:p>
-            <a:endParaRPr b="0" lang="en-US" sz="1400" spc="-1" strike="noStrike">
-              <a:solidFill>
-                <a:srgbClr val="000000"/>
-              </a:solidFill>
-              <a:latin typeface="Arial"/>
-            </a:endParaRPr>
-          </a:p>
-        </p:txBody>
-      </p:sp>
-      <p:sp>
-        <p:nvSpPr>
-          <p:cNvPr id="60" name="PlaceHolder 2"/>
+            <a:pPr algn="ctr"/>
+            <a:endParaRPr b="0" lang="en-US" sz="4400" spc="-1" strike="noStrike">
+              <a:latin typeface="Arial"/>
+            </a:endParaRPr>
+          </a:p>
+        </p:txBody>
+      </p:sp>
+      <p:sp>
+        <p:nvSpPr>
+          <p:cNvPr id="58" name="PlaceHolder 2"/>
           <p:cNvSpPr>
             <a:spLocks noGrp="1"/>
           </p:cNvSpPr>
@@ -1316,18 +1244,15 @@
             <a:normAutofit/>
           </a:bodyPr>
           <a:p>
-            <a:endParaRPr b="0" lang="en-US" sz="1400" spc="-1" strike="noStrike">
-              <a:solidFill>
-                <a:srgbClr val="000000"/>
-              </a:solidFill>
-              <a:latin typeface="Arial"/>
-            </a:endParaRPr>
-          </a:p>
-        </p:txBody>
-      </p:sp>
-      <p:sp>
-        <p:nvSpPr>
-          <p:cNvPr id="61" name="PlaceHolder 3"/>
+            <a:endParaRPr b="0" lang="en-US" sz="3200" spc="-1" strike="noStrike">
+              <a:latin typeface="Arial"/>
+            </a:endParaRPr>
+          </a:p>
+        </p:txBody>
+      </p:sp>
+      <p:sp>
+        <p:nvSpPr>
+          <p:cNvPr id="59" name="PlaceHolder 3"/>
           <p:cNvSpPr>
             <a:spLocks noGrp="1"/>
           </p:cNvSpPr>
@@ -1349,18 +1274,15 @@
             <a:normAutofit/>
           </a:bodyPr>
           <a:p>
-            <a:endParaRPr b="0" lang="en-US" sz="1400" spc="-1" strike="noStrike">
-              <a:solidFill>
-                <a:srgbClr val="000000"/>
-              </a:solidFill>
-              <a:latin typeface="Arial"/>
-            </a:endParaRPr>
-          </a:p>
-        </p:txBody>
-      </p:sp>
-      <p:sp>
-        <p:nvSpPr>
-          <p:cNvPr id="62" name="PlaceHolder 4"/>
+            <a:endParaRPr b="0" lang="en-US" sz="3200" spc="-1" strike="noStrike">
+              <a:latin typeface="Arial"/>
+            </a:endParaRPr>
+          </a:p>
+        </p:txBody>
+      </p:sp>
+      <p:sp>
+        <p:nvSpPr>
+          <p:cNvPr id="60" name="PlaceHolder 4"/>
           <p:cNvSpPr>
             <a:spLocks noGrp="1"/>
           </p:cNvSpPr>
@@ -1382,10 +1304,7 @@
             <a:normAutofit/>
           </a:bodyPr>
           <a:p>
-            <a:endParaRPr b="0" lang="en-US" sz="1400" spc="-1" strike="noStrike">
-              <a:solidFill>
-                <a:srgbClr val="000000"/>
-              </a:solidFill>
+            <a:endParaRPr b="0" lang="en-US" sz="3200" spc="-1" strike="noStrike">
               <a:latin typeface="Arial"/>
             </a:endParaRPr>
           </a:p>
@@ -1415,7 +1334,7 @@
       </p:grpSpPr>
       <p:sp>
         <p:nvSpPr>
-          <p:cNvPr id="63" name="PlaceHolder 1"/>
+          <p:cNvPr id="61" name="PlaceHolder 1"/>
           <p:cNvSpPr>
             <a:spLocks noGrp="1"/>
           </p:cNvSpPr>
@@ -1425,8 +1344,8 @@
         </p:nvSpPr>
         <p:spPr>
           <a:xfrm>
-            <a:off x="460800" y="2065320"/>
-            <a:ext cx="8221680" cy="1012320"/>
+            <a:off x="457200" y="205200"/>
+            <a:ext cx="8229240" cy="858600"/>
           </a:xfrm>
           <a:prstGeom prst="rect">
             <a:avLst/>
@@ -1435,18 +1354,16 @@
         <p:txBody>
           <a:bodyPr lIns="0" rIns="0" tIns="0" bIns="0" anchor="ctr"/>
           <a:p>
-            <a:endParaRPr b="0" lang="en-US" sz="1400" spc="-1" strike="noStrike">
-              <a:solidFill>
-                <a:srgbClr val="000000"/>
-              </a:solidFill>
-              <a:latin typeface="Arial"/>
-            </a:endParaRPr>
-          </a:p>
-        </p:txBody>
-      </p:sp>
-      <p:sp>
-        <p:nvSpPr>
-          <p:cNvPr id="64" name="PlaceHolder 2"/>
+            <a:pPr algn="ctr"/>
+            <a:endParaRPr b="0" lang="en-US" sz="4400" spc="-1" strike="noStrike">
+              <a:latin typeface="Arial"/>
+            </a:endParaRPr>
+          </a:p>
+        </p:txBody>
+      </p:sp>
+      <p:sp>
+        <p:nvSpPr>
+          <p:cNvPr id="62" name="PlaceHolder 2"/>
           <p:cNvSpPr>
             <a:spLocks noGrp="1"/>
           </p:cNvSpPr>
@@ -1468,18 +1385,15 @@
             <a:normAutofit/>
           </a:bodyPr>
           <a:p>
-            <a:endParaRPr b="0" lang="en-US" sz="1400" spc="-1" strike="noStrike">
-              <a:solidFill>
-                <a:srgbClr val="000000"/>
-              </a:solidFill>
-              <a:latin typeface="Arial"/>
-            </a:endParaRPr>
-          </a:p>
-        </p:txBody>
-      </p:sp>
-      <p:sp>
-        <p:nvSpPr>
-          <p:cNvPr id="65" name="PlaceHolder 3"/>
+            <a:endParaRPr b="0" lang="en-US" sz="3200" spc="-1" strike="noStrike">
+              <a:latin typeface="Arial"/>
+            </a:endParaRPr>
+          </a:p>
+        </p:txBody>
+      </p:sp>
+      <p:sp>
+        <p:nvSpPr>
+          <p:cNvPr id="63" name="PlaceHolder 3"/>
           <p:cNvSpPr>
             <a:spLocks noGrp="1"/>
           </p:cNvSpPr>
@@ -1501,18 +1415,15 @@
             <a:normAutofit/>
           </a:bodyPr>
           <a:p>
-            <a:endParaRPr b="0" lang="en-US" sz="1400" spc="-1" strike="noStrike">
-              <a:solidFill>
-                <a:srgbClr val="000000"/>
-              </a:solidFill>
-              <a:latin typeface="Arial"/>
-            </a:endParaRPr>
-          </a:p>
-        </p:txBody>
-      </p:sp>
-      <p:sp>
-        <p:nvSpPr>
-          <p:cNvPr id="66" name="PlaceHolder 4"/>
+            <a:endParaRPr b="0" lang="en-US" sz="3200" spc="-1" strike="noStrike">
+              <a:latin typeface="Arial"/>
+            </a:endParaRPr>
+          </a:p>
+        </p:txBody>
+      </p:sp>
+      <p:sp>
+        <p:nvSpPr>
+          <p:cNvPr id="64" name="PlaceHolder 4"/>
           <p:cNvSpPr>
             <a:spLocks noGrp="1"/>
           </p:cNvSpPr>
@@ -1534,10 +1445,7 @@
             <a:normAutofit/>
           </a:bodyPr>
           <a:p>
-            <a:endParaRPr b="0" lang="en-US" sz="1400" spc="-1" strike="noStrike">
-              <a:solidFill>
-                <a:srgbClr val="000000"/>
-              </a:solidFill>
+            <a:endParaRPr b="0" lang="en-US" sz="3200" spc="-1" strike="noStrike">
               <a:latin typeface="Arial"/>
             </a:endParaRPr>
           </a:p>
@@ -1567,7 +1475,7 @@
       </p:grpSpPr>
       <p:sp>
         <p:nvSpPr>
-          <p:cNvPr id="67" name="PlaceHolder 1"/>
+          <p:cNvPr id="65" name="PlaceHolder 1"/>
           <p:cNvSpPr>
             <a:spLocks noGrp="1"/>
           </p:cNvSpPr>
@@ -1577,8 +1485,8 @@
         </p:nvSpPr>
         <p:spPr>
           <a:xfrm>
-            <a:off x="460800" y="2065320"/>
-            <a:ext cx="8221680" cy="1012320"/>
+            <a:off x="457200" y="205200"/>
+            <a:ext cx="8229240" cy="858600"/>
           </a:xfrm>
           <a:prstGeom prst="rect">
             <a:avLst/>
@@ -1587,18 +1495,16 @@
         <p:txBody>
           <a:bodyPr lIns="0" rIns="0" tIns="0" bIns="0" anchor="ctr"/>
           <a:p>
-            <a:endParaRPr b="0" lang="en-US" sz="1400" spc="-1" strike="noStrike">
-              <a:solidFill>
-                <a:srgbClr val="000000"/>
-              </a:solidFill>
-              <a:latin typeface="Arial"/>
-            </a:endParaRPr>
-          </a:p>
-        </p:txBody>
-      </p:sp>
-      <p:sp>
-        <p:nvSpPr>
-          <p:cNvPr id="68" name="PlaceHolder 2"/>
+            <a:pPr algn="ctr"/>
+            <a:endParaRPr b="0" lang="en-US" sz="4400" spc="-1" strike="noStrike">
+              <a:latin typeface="Arial"/>
+            </a:endParaRPr>
+          </a:p>
+        </p:txBody>
+      </p:sp>
+      <p:sp>
+        <p:nvSpPr>
+          <p:cNvPr id="66" name="PlaceHolder 2"/>
           <p:cNvSpPr>
             <a:spLocks noGrp="1"/>
           </p:cNvSpPr>
@@ -1620,18 +1526,15 @@
             <a:normAutofit/>
           </a:bodyPr>
           <a:p>
-            <a:endParaRPr b="0" lang="en-US" sz="1400" spc="-1" strike="noStrike">
-              <a:solidFill>
-                <a:srgbClr val="000000"/>
-              </a:solidFill>
-              <a:latin typeface="Arial"/>
-            </a:endParaRPr>
-          </a:p>
-        </p:txBody>
-      </p:sp>
-      <p:sp>
-        <p:nvSpPr>
-          <p:cNvPr id="69" name="PlaceHolder 3"/>
+            <a:endParaRPr b="0" lang="en-US" sz="3200" spc="-1" strike="noStrike">
+              <a:latin typeface="Arial"/>
+            </a:endParaRPr>
+          </a:p>
+        </p:txBody>
+      </p:sp>
+      <p:sp>
+        <p:nvSpPr>
+          <p:cNvPr id="67" name="PlaceHolder 3"/>
           <p:cNvSpPr>
             <a:spLocks noGrp="1"/>
           </p:cNvSpPr>
@@ -1653,10 +1556,7 @@
             <a:normAutofit/>
           </a:bodyPr>
           <a:p>
-            <a:endParaRPr b="0" lang="en-US" sz="1400" spc="-1" strike="noStrike">
-              <a:solidFill>
-                <a:srgbClr val="000000"/>
-              </a:solidFill>
+            <a:endParaRPr b="0" lang="en-US" sz="3200" spc="-1" strike="noStrike">
               <a:latin typeface="Arial"/>
             </a:endParaRPr>
           </a:p>
@@ -1686,7 +1586,7 @@
       </p:grpSpPr>
       <p:sp>
         <p:nvSpPr>
-          <p:cNvPr id="70" name="PlaceHolder 1"/>
+          <p:cNvPr id="68" name="PlaceHolder 1"/>
           <p:cNvSpPr>
             <a:spLocks noGrp="1"/>
           </p:cNvSpPr>
@@ -1696,8 +1596,8 @@
         </p:nvSpPr>
         <p:spPr>
           <a:xfrm>
-            <a:off x="460800" y="2065320"/>
-            <a:ext cx="8221680" cy="1012320"/>
+            <a:off x="457200" y="205200"/>
+            <a:ext cx="8229240" cy="858600"/>
           </a:xfrm>
           <a:prstGeom prst="rect">
             <a:avLst/>
@@ -1706,18 +1606,16 @@
         <p:txBody>
           <a:bodyPr lIns="0" rIns="0" tIns="0" bIns="0" anchor="ctr"/>
           <a:p>
-            <a:endParaRPr b="0" lang="en-US" sz="1400" spc="-1" strike="noStrike">
-              <a:solidFill>
-                <a:srgbClr val="000000"/>
-              </a:solidFill>
-              <a:latin typeface="Arial"/>
-            </a:endParaRPr>
-          </a:p>
-        </p:txBody>
-      </p:sp>
-      <p:sp>
-        <p:nvSpPr>
-          <p:cNvPr id="71" name="PlaceHolder 2"/>
+            <a:pPr algn="ctr"/>
+            <a:endParaRPr b="0" lang="en-US" sz="4400" spc="-1" strike="noStrike">
+              <a:latin typeface="Arial"/>
+            </a:endParaRPr>
+          </a:p>
+        </p:txBody>
+      </p:sp>
+      <p:sp>
+        <p:nvSpPr>
+          <p:cNvPr id="69" name="PlaceHolder 2"/>
           <p:cNvSpPr>
             <a:spLocks noGrp="1"/>
           </p:cNvSpPr>
@@ -1739,18 +1637,15 @@
             <a:normAutofit/>
           </a:bodyPr>
           <a:p>
-            <a:endParaRPr b="0" lang="en-US" sz="1400" spc="-1" strike="noStrike">
-              <a:solidFill>
-                <a:srgbClr val="000000"/>
-              </a:solidFill>
-              <a:latin typeface="Arial"/>
-            </a:endParaRPr>
-          </a:p>
-        </p:txBody>
-      </p:sp>
-      <p:sp>
-        <p:nvSpPr>
-          <p:cNvPr id="72" name="PlaceHolder 3"/>
+            <a:endParaRPr b="0" lang="en-US" sz="3200" spc="-1" strike="noStrike">
+              <a:latin typeface="Arial"/>
+            </a:endParaRPr>
+          </a:p>
+        </p:txBody>
+      </p:sp>
+      <p:sp>
+        <p:nvSpPr>
+          <p:cNvPr id="70" name="PlaceHolder 3"/>
           <p:cNvSpPr>
             <a:spLocks noGrp="1"/>
           </p:cNvSpPr>
@@ -1772,18 +1667,15 @@
             <a:normAutofit/>
           </a:bodyPr>
           <a:p>
-            <a:endParaRPr b="0" lang="en-US" sz="1400" spc="-1" strike="noStrike">
-              <a:solidFill>
-                <a:srgbClr val="000000"/>
-              </a:solidFill>
-              <a:latin typeface="Arial"/>
-            </a:endParaRPr>
-          </a:p>
-        </p:txBody>
-      </p:sp>
-      <p:sp>
-        <p:nvSpPr>
-          <p:cNvPr id="73" name="PlaceHolder 4"/>
+            <a:endParaRPr b="0" lang="en-US" sz="3200" spc="-1" strike="noStrike">
+              <a:latin typeface="Arial"/>
+            </a:endParaRPr>
+          </a:p>
+        </p:txBody>
+      </p:sp>
+      <p:sp>
+        <p:nvSpPr>
+          <p:cNvPr id="71" name="PlaceHolder 4"/>
           <p:cNvSpPr>
             <a:spLocks noGrp="1"/>
           </p:cNvSpPr>
@@ -1805,18 +1697,15 @@
             <a:normAutofit/>
           </a:bodyPr>
           <a:p>
-            <a:endParaRPr b="0" lang="en-US" sz="1400" spc="-1" strike="noStrike">
-              <a:solidFill>
-                <a:srgbClr val="000000"/>
-              </a:solidFill>
-              <a:latin typeface="Arial"/>
-            </a:endParaRPr>
-          </a:p>
-        </p:txBody>
-      </p:sp>
-      <p:sp>
-        <p:nvSpPr>
-          <p:cNvPr id="74" name="PlaceHolder 5"/>
+            <a:endParaRPr b="0" lang="en-US" sz="3200" spc="-1" strike="noStrike">
+              <a:latin typeface="Arial"/>
+            </a:endParaRPr>
+          </a:p>
+        </p:txBody>
+      </p:sp>
+      <p:sp>
+        <p:nvSpPr>
+          <p:cNvPr id="72" name="PlaceHolder 5"/>
           <p:cNvSpPr>
             <a:spLocks noGrp="1"/>
           </p:cNvSpPr>
@@ -1838,10 +1727,7 @@
             <a:normAutofit/>
           </a:bodyPr>
           <a:p>
-            <a:endParaRPr b="0" lang="en-US" sz="1400" spc="-1" strike="noStrike">
-              <a:solidFill>
-                <a:srgbClr val="000000"/>
-              </a:solidFill>
+            <a:endParaRPr b="0" lang="en-US" sz="3200" spc="-1" strike="noStrike">
               <a:latin typeface="Arial"/>
             </a:endParaRPr>
           </a:p>
@@ -1871,7 +1757,7 @@
       </p:grpSpPr>
       <p:sp>
         <p:nvSpPr>
-          <p:cNvPr id="75" name="PlaceHolder 1"/>
+          <p:cNvPr id="73" name="PlaceHolder 1"/>
           <p:cNvSpPr>
             <a:spLocks noGrp="1"/>
           </p:cNvSpPr>
@@ -1881,8 +1767,8 @@
         </p:nvSpPr>
         <p:spPr>
           <a:xfrm>
-            <a:off x="460800" y="2065320"/>
-            <a:ext cx="8221680" cy="1012320"/>
+            <a:off x="457200" y="205200"/>
+            <a:ext cx="8229240" cy="858600"/>
           </a:xfrm>
           <a:prstGeom prst="rect">
             <a:avLst/>
@@ -1891,18 +1777,16 @@
         <p:txBody>
           <a:bodyPr lIns="0" rIns="0" tIns="0" bIns="0" anchor="ctr"/>
           <a:p>
-            <a:endParaRPr b="0" lang="en-US" sz="1400" spc="-1" strike="noStrike">
-              <a:solidFill>
-                <a:srgbClr val="000000"/>
-              </a:solidFill>
-              <a:latin typeface="Arial"/>
-            </a:endParaRPr>
-          </a:p>
-        </p:txBody>
-      </p:sp>
-      <p:sp>
-        <p:nvSpPr>
-          <p:cNvPr id="76" name="PlaceHolder 2"/>
+            <a:pPr algn="ctr"/>
+            <a:endParaRPr b="0" lang="en-US" sz="4400" spc="-1" strike="noStrike">
+              <a:latin typeface="Arial"/>
+            </a:endParaRPr>
+          </a:p>
+        </p:txBody>
+      </p:sp>
+      <p:sp>
+        <p:nvSpPr>
+          <p:cNvPr id="74" name="PlaceHolder 2"/>
           <p:cNvSpPr>
             <a:spLocks noGrp="1"/>
           </p:cNvSpPr>
@@ -1924,18 +1808,15 @@
             <a:normAutofit/>
           </a:bodyPr>
           <a:p>
-            <a:endParaRPr b="0" lang="en-US" sz="1400" spc="-1" strike="noStrike">
-              <a:solidFill>
-                <a:srgbClr val="000000"/>
-              </a:solidFill>
-              <a:latin typeface="Arial"/>
-            </a:endParaRPr>
-          </a:p>
-        </p:txBody>
-      </p:sp>
-      <p:sp>
-        <p:nvSpPr>
-          <p:cNvPr id="77" name="PlaceHolder 3"/>
+            <a:endParaRPr b="0" lang="en-US" sz="3200" spc="-1" strike="noStrike">
+              <a:latin typeface="Arial"/>
+            </a:endParaRPr>
+          </a:p>
+        </p:txBody>
+      </p:sp>
+      <p:sp>
+        <p:nvSpPr>
+          <p:cNvPr id="75" name="PlaceHolder 3"/>
           <p:cNvSpPr>
             <a:spLocks noGrp="1"/>
           </p:cNvSpPr>
@@ -1957,18 +1838,15 @@
             <a:normAutofit/>
           </a:bodyPr>
           <a:p>
-            <a:endParaRPr b="0" lang="en-US" sz="1400" spc="-1" strike="noStrike">
-              <a:solidFill>
-                <a:srgbClr val="000000"/>
-              </a:solidFill>
-              <a:latin typeface="Arial"/>
-            </a:endParaRPr>
-          </a:p>
-        </p:txBody>
-      </p:sp>
-      <p:sp>
-        <p:nvSpPr>
-          <p:cNvPr id="78" name="PlaceHolder 4"/>
+            <a:endParaRPr b="0" lang="en-US" sz="3200" spc="-1" strike="noStrike">
+              <a:latin typeface="Arial"/>
+            </a:endParaRPr>
+          </a:p>
+        </p:txBody>
+      </p:sp>
+      <p:sp>
+        <p:nvSpPr>
+          <p:cNvPr id="76" name="PlaceHolder 4"/>
           <p:cNvSpPr>
             <a:spLocks noGrp="1"/>
           </p:cNvSpPr>
@@ -1990,18 +1868,15 @@
             <a:normAutofit/>
           </a:bodyPr>
           <a:p>
-            <a:endParaRPr b="0" lang="en-US" sz="1400" spc="-1" strike="noStrike">
-              <a:solidFill>
-                <a:srgbClr val="000000"/>
-              </a:solidFill>
-              <a:latin typeface="Arial"/>
-            </a:endParaRPr>
-          </a:p>
-        </p:txBody>
-      </p:sp>
-      <p:sp>
-        <p:nvSpPr>
-          <p:cNvPr id="79" name="PlaceHolder 5"/>
+            <a:endParaRPr b="0" lang="en-US" sz="3200" spc="-1" strike="noStrike">
+              <a:latin typeface="Arial"/>
+            </a:endParaRPr>
+          </a:p>
+        </p:txBody>
+      </p:sp>
+      <p:sp>
+        <p:nvSpPr>
+          <p:cNvPr id="77" name="PlaceHolder 5"/>
           <p:cNvSpPr>
             <a:spLocks noGrp="1"/>
           </p:cNvSpPr>
@@ -2023,18 +1898,15 @@
             <a:normAutofit/>
           </a:bodyPr>
           <a:p>
-            <a:endParaRPr b="0" lang="en-US" sz="1400" spc="-1" strike="noStrike">
-              <a:solidFill>
-                <a:srgbClr val="000000"/>
-              </a:solidFill>
-              <a:latin typeface="Arial"/>
-            </a:endParaRPr>
-          </a:p>
-        </p:txBody>
-      </p:sp>
-      <p:sp>
-        <p:nvSpPr>
-          <p:cNvPr id="80" name="PlaceHolder 6"/>
+            <a:endParaRPr b="0" lang="en-US" sz="3200" spc="-1" strike="noStrike">
+              <a:latin typeface="Arial"/>
+            </a:endParaRPr>
+          </a:p>
+        </p:txBody>
+      </p:sp>
+      <p:sp>
+        <p:nvSpPr>
+          <p:cNvPr id="78" name="PlaceHolder 6"/>
           <p:cNvSpPr>
             <a:spLocks noGrp="1"/>
           </p:cNvSpPr>
@@ -2056,18 +1928,15 @@
             <a:normAutofit/>
           </a:bodyPr>
           <a:p>
-            <a:endParaRPr b="0" lang="en-US" sz="1400" spc="-1" strike="noStrike">
-              <a:solidFill>
-                <a:srgbClr val="000000"/>
-              </a:solidFill>
-              <a:latin typeface="Arial"/>
-            </a:endParaRPr>
-          </a:p>
-        </p:txBody>
-      </p:sp>
-      <p:sp>
-        <p:nvSpPr>
-          <p:cNvPr id="81" name="PlaceHolder 7"/>
+            <a:endParaRPr b="0" lang="en-US" sz="3200" spc="-1" strike="noStrike">
+              <a:latin typeface="Arial"/>
+            </a:endParaRPr>
+          </a:p>
+        </p:txBody>
+      </p:sp>
+      <p:sp>
+        <p:nvSpPr>
+          <p:cNvPr id="79" name="PlaceHolder 7"/>
           <p:cNvSpPr>
             <a:spLocks noGrp="1"/>
           </p:cNvSpPr>
@@ -2089,10 +1958,7 @@
             <a:normAutofit/>
           </a:bodyPr>
           <a:p>
-            <a:endParaRPr b="0" lang="en-US" sz="1400" spc="-1" strike="noStrike">
-              <a:solidFill>
-                <a:srgbClr val="000000"/>
-              </a:solidFill>
+            <a:endParaRPr b="0" lang="en-US" sz="3200" spc="-1" strike="noStrike">
               <a:latin typeface="Arial"/>
             </a:endParaRPr>
           </a:p>
@@ -2154,8 +2020,8 @@
         </p:nvSpPr>
         <p:spPr>
           <a:xfrm>
-            <a:off x="460800" y="2065320"/>
-            <a:ext cx="8221680" cy="1012320"/>
+            <a:off x="457200" y="205200"/>
+            <a:ext cx="8229240" cy="858600"/>
           </a:xfrm>
           <a:prstGeom prst="rect">
             <a:avLst/>
@@ -2164,10 +2030,8 @@
         <p:txBody>
           <a:bodyPr lIns="0" rIns="0" tIns="0" bIns="0" anchor="ctr"/>
           <a:p>
-            <a:endParaRPr b="0" lang="en-US" sz="1400" spc="-1" strike="noStrike">
-              <a:solidFill>
-                <a:srgbClr val="000000"/>
-              </a:solidFill>
+            <a:pPr algn="ctr"/>
+            <a:endParaRPr b="0" lang="en-US" sz="4400" spc="-1" strike="noStrike">
               <a:latin typeface="Arial"/>
             </a:endParaRPr>
           </a:p>
@@ -2236,8 +2100,8 @@
         </p:nvSpPr>
         <p:spPr>
           <a:xfrm>
-            <a:off x="460800" y="2065320"/>
-            <a:ext cx="8221680" cy="1012320"/>
+            <a:off x="457200" y="205200"/>
+            <a:ext cx="8229240" cy="858600"/>
           </a:xfrm>
           <a:prstGeom prst="rect">
             <a:avLst/>
@@ -2246,10 +2110,8 @@
         <p:txBody>
           <a:bodyPr lIns="0" rIns="0" tIns="0" bIns="0" anchor="ctr"/>
           <a:p>
-            <a:endParaRPr b="0" lang="en-US" sz="1400" spc="-1" strike="noStrike">
-              <a:solidFill>
-                <a:srgbClr val="000000"/>
-              </a:solidFill>
+            <a:pPr algn="ctr"/>
+            <a:endParaRPr b="0" lang="en-US" sz="4400" spc="-1" strike="noStrike">
               <a:latin typeface="Arial"/>
             </a:endParaRPr>
           </a:p>
@@ -2279,10 +2141,7 @@
             <a:normAutofit/>
           </a:bodyPr>
           <a:p>
-            <a:endParaRPr b="0" lang="en-US" sz="1400" spc="-1" strike="noStrike">
-              <a:solidFill>
-                <a:srgbClr val="000000"/>
-              </a:solidFill>
+            <a:endParaRPr b="0" lang="en-US" sz="3200" spc="-1" strike="noStrike">
               <a:latin typeface="Arial"/>
             </a:endParaRPr>
           </a:p>
@@ -2322,8 +2181,8 @@
         </p:nvSpPr>
         <p:spPr>
           <a:xfrm>
-            <a:off x="460800" y="2065320"/>
-            <a:ext cx="8221680" cy="1012320"/>
+            <a:off x="457200" y="205200"/>
+            <a:ext cx="8229240" cy="858600"/>
           </a:xfrm>
           <a:prstGeom prst="rect">
             <a:avLst/>
@@ -2332,10 +2191,8 @@
         <p:txBody>
           <a:bodyPr lIns="0" rIns="0" tIns="0" bIns="0" anchor="ctr"/>
           <a:p>
-            <a:endParaRPr b="0" lang="en-US" sz="1400" spc="-1" strike="noStrike">
-              <a:solidFill>
-                <a:srgbClr val="000000"/>
-              </a:solidFill>
+            <a:pPr algn="ctr"/>
+            <a:endParaRPr b="0" lang="en-US" sz="4400" spc="-1" strike="noStrike">
               <a:latin typeface="Arial"/>
             </a:endParaRPr>
           </a:p>
@@ -2365,10 +2222,7 @@
             <a:normAutofit/>
           </a:bodyPr>
           <a:p>
-            <a:endParaRPr b="0" lang="en-US" sz="1400" spc="-1" strike="noStrike">
-              <a:solidFill>
-                <a:srgbClr val="000000"/>
-              </a:solidFill>
+            <a:endParaRPr b="0" lang="en-US" sz="3200" spc="-1" strike="noStrike">
               <a:latin typeface="Arial"/>
             </a:endParaRPr>
           </a:p>
@@ -2398,10 +2252,7 @@
             <a:normAutofit/>
           </a:bodyPr>
           <a:p>
-            <a:endParaRPr b="0" lang="en-US" sz="1400" spc="-1" strike="noStrike">
-              <a:solidFill>
-                <a:srgbClr val="000000"/>
-              </a:solidFill>
+            <a:endParaRPr b="0" lang="en-US" sz="3200" spc="-1" strike="noStrike">
               <a:latin typeface="Arial"/>
             </a:endParaRPr>
           </a:p>
@@ -2441,8 +2292,8 @@
         </p:nvSpPr>
         <p:spPr>
           <a:xfrm>
-            <a:off x="460800" y="2065320"/>
-            <a:ext cx="8221680" cy="1012320"/>
+            <a:off x="457200" y="205200"/>
+            <a:ext cx="8229240" cy="858600"/>
           </a:xfrm>
           <a:prstGeom prst="rect">
             <a:avLst/>
@@ -2451,10 +2302,8 @@
         <p:txBody>
           <a:bodyPr lIns="0" rIns="0" tIns="0" bIns="0" anchor="ctr"/>
           <a:p>
-            <a:endParaRPr b="0" lang="en-US" sz="1400" spc="-1" strike="noStrike">
-              <a:solidFill>
-                <a:srgbClr val="000000"/>
-              </a:solidFill>
+            <a:pPr algn="ctr"/>
+            <a:endParaRPr b="0" lang="en-US" sz="4400" spc="-1" strike="noStrike">
               <a:latin typeface="Arial"/>
             </a:endParaRPr>
           </a:p>
@@ -2484,7 +2333,7 @@
       </p:grpSpPr>
       <p:sp>
         <p:nvSpPr>
-          <p:cNvPr id="7" name="PlaceHolder 1"/>
+          <p:cNvPr id="6" name="PlaceHolder 1"/>
           <p:cNvSpPr>
             <a:spLocks noGrp="1"/>
           </p:cNvSpPr>
@@ -2494,8 +2343,8 @@
         </p:nvSpPr>
         <p:spPr>
           <a:xfrm>
-            <a:off x="460800" y="2065320"/>
-            <a:ext cx="8221680" cy="1012320"/>
+            <a:off x="457200" y="205200"/>
+            <a:ext cx="8229240" cy="858600"/>
           </a:xfrm>
           <a:prstGeom prst="rect">
             <a:avLst/>
@@ -2504,18 +2353,16 @@
         <p:txBody>
           <a:bodyPr lIns="0" rIns="0" tIns="0" bIns="0" anchor="ctr"/>
           <a:p>
-            <a:endParaRPr b="0" lang="en-US" sz="1400" spc="-1" strike="noStrike">
-              <a:solidFill>
-                <a:srgbClr val="000000"/>
-              </a:solidFill>
-              <a:latin typeface="Arial"/>
-            </a:endParaRPr>
-          </a:p>
-        </p:txBody>
-      </p:sp>
-      <p:sp>
-        <p:nvSpPr>
-          <p:cNvPr id="8" name="PlaceHolder 2"/>
+            <a:pPr algn="ctr"/>
+            <a:endParaRPr b="0" lang="en-US" sz="4400" spc="-1" strike="noStrike">
+              <a:latin typeface="Arial"/>
+            </a:endParaRPr>
+          </a:p>
+        </p:txBody>
+      </p:sp>
+      <p:sp>
+        <p:nvSpPr>
+          <p:cNvPr id="7" name="PlaceHolder 2"/>
           <p:cNvSpPr>
             <a:spLocks noGrp="1"/>
           </p:cNvSpPr>
@@ -2537,10 +2384,7 @@
             <a:normAutofit/>
           </a:bodyPr>
           <a:p>
-            <a:endParaRPr b="0" lang="en-US" sz="1400" spc="-1" strike="noStrike">
-              <a:solidFill>
-                <a:srgbClr val="000000"/>
-              </a:solidFill>
+            <a:endParaRPr b="0" lang="en-US" sz="3200" spc="-1" strike="noStrike">
               <a:latin typeface="Arial"/>
             </a:endParaRPr>
           </a:p>
@@ -2580,8 +2424,8 @@
         </p:nvSpPr>
         <p:spPr>
           <a:xfrm>
-            <a:off x="460800" y="2065320"/>
-            <a:ext cx="8221680" cy="4693680"/>
+            <a:off x="457200" y="205200"/>
+            <a:ext cx="8229240" cy="3981240"/>
           </a:xfrm>
           <a:prstGeom prst="rect">
             <a:avLst/>
@@ -2631,8 +2475,8 @@
         </p:nvSpPr>
         <p:spPr>
           <a:xfrm>
-            <a:off x="460800" y="2065320"/>
-            <a:ext cx="8221680" cy="1012320"/>
+            <a:off x="457200" y="205200"/>
+            <a:ext cx="8229240" cy="858600"/>
           </a:xfrm>
           <a:prstGeom prst="rect">
             <a:avLst/>
@@ -2641,10 +2485,8 @@
         <p:txBody>
           <a:bodyPr lIns="0" rIns="0" tIns="0" bIns="0" anchor="ctr"/>
           <a:p>
-            <a:endParaRPr b="0" lang="en-US" sz="1400" spc="-1" strike="noStrike">
-              <a:solidFill>
-                <a:srgbClr val="000000"/>
-              </a:solidFill>
+            <a:pPr algn="ctr"/>
+            <a:endParaRPr b="0" lang="en-US" sz="4400" spc="-1" strike="noStrike">
               <a:latin typeface="Arial"/>
             </a:endParaRPr>
           </a:p>
@@ -2674,10 +2516,7 @@
             <a:normAutofit/>
           </a:bodyPr>
           <a:p>
-            <a:endParaRPr b="0" lang="en-US" sz="1400" spc="-1" strike="noStrike">
-              <a:solidFill>
-                <a:srgbClr val="000000"/>
-              </a:solidFill>
+            <a:endParaRPr b="0" lang="en-US" sz="3200" spc="-1" strike="noStrike">
               <a:latin typeface="Arial"/>
             </a:endParaRPr>
           </a:p>
@@ -2707,10 +2546,7 @@
             <a:normAutofit/>
           </a:bodyPr>
           <a:p>
-            <a:endParaRPr b="0" lang="en-US" sz="1400" spc="-1" strike="noStrike">
-              <a:solidFill>
-                <a:srgbClr val="000000"/>
-              </a:solidFill>
+            <a:endParaRPr b="0" lang="en-US" sz="3200" spc="-1" strike="noStrike">
               <a:latin typeface="Arial"/>
             </a:endParaRPr>
           </a:p>
@@ -2740,10 +2576,7 @@
             <a:normAutofit/>
           </a:bodyPr>
           <a:p>
-            <a:endParaRPr b="0" lang="en-US" sz="1400" spc="-1" strike="noStrike">
-              <a:solidFill>
-                <a:srgbClr val="000000"/>
-              </a:solidFill>
+            <a:endParaRPr b="0" lang="en-US" sz="3200" spc="-1" strike="noStrike">
               <a:latin typeface="Arial"/>
             </a:endParaRPr>
           </a:p>
@@ -2783,8 +2616,8 @@
         </p:nvSpPr>
         <p:spPr>
           <a:xfrm>
-            <a:off x="460800" y="2065320"/>
-            <a:ext cx="8221680" cy="1012320"/>
+            <a:off x="457200" y="205200"/>
+            <a:ext cx="8229240" cy="858600"/>
           </a:xfrm>
           <a:prstGeom prst="rect">
             <a:avLst/>
@@ -2793,10 +2626,8 @@
         <p:txBody>
           <a:bodyPr lIns="0" rIns="0" tIns="0" bIns="0" anchor="ctr"/>
           <a:p>
-            <a:endParaRPr b="0" lang="en-US" sz="1400" spc="-1" strike="noStrike">
-              <a:solidFill>
-                <a:srgbClr val="000000"/>
-              </a:solidFill>
+            <a:pPr algn="ctr"/>
+            <a:endParaRPr b="0" lang="en-US" sz="4400" spc="-1" strike="noStrike">
               <a:latin typeface="Arial"/>
             </a:endParaRPr>
           </a:p>
@@ -2826,10 +2657,7 @@
             <a:normAutofit/>
           </a:bodyPr>
           <a:p>
-            <a:endParaRPr b="0" lang="en-US" sz="1400" spc="-1" strike="noStrike">
-              <a:solidFill>
-                <a:srgbClr val="000000"/>
-              </a:solidFill>
+            <a:endParaRPr b="0" lang="en-US" sz="3200" spc="-1" strike="noStrike">
               <a:latin typeface="Arial"/>
             </a:endParaRPr>
           </a:p>
@@ -2859,10 +2687,7 @@
             <a:normAutofit/>
           </a:bodyPr>
           <a:p>
-            <a:endParaRPr b="0" lang="en-US" sz="1400" spc="-1" strike="noStrike">
-              <a:solidFill>
-                <a:srgbClr val="000000"/>
-              </a:solidFill>
+            <a:endParaRPr b="0" lang="en-US" sz="3200" spc="-1" strike="noStrike">
               <a:latin typeface="Arial"/>
             </a:endParaRPr>
           </a:p>
@@ -2892,10 +2717,7 @@
             <a:normAutofit/>
           </a:bodyPr>
           <a:p>
-            <a:endParaRPr b="0" lang="en-US" sz="1400" spc="-1" strike="noStrike">
-              <a:solidFill>
-                <a:srgbClr val="000000"/>
-              </a:solidFill>
+            <a:endParaRPr b="0" lang="en-US" sz="3200" spc="-1" strike="noStrike">
               <a:latin typeface="Arial"/>
             </a:endParaRPr>
           </a:p>
@@ -2935,8 +2757,8 @@
         </p:nvSpPr>
         <p:spPr>
           <a:xfrm>
-            <a:off x="460800" y="2065320"/>
-            <a:ext cx="8221680" cy="1012320"/>
+            <a:off x="457200" y="205200"/>
+            <a:ext cx="8229240" cy="858600"/>
           </a:xfrm>
           <a:prstGeom prst="rect">
             <a:avLst/>
@@ -2945,10 +2767,8 @@
         <p:txBody>
           <a:bodyPr lIns="0" rIns="0" tIns="0" bIns="0" anchor="ctr"/>
           <a:p>
-            <a:endParaRPr b="0" lang="en-US" sz="1400" spc="-1" strike="noStrike">
-              <a:solidFill>
-                <a:srgbClr val="000000"/>
-              </a:solidFill>
+            <a:pPr algn="ctr"/>
+            <a:endParaRPr b="0" lang="en-US" sz="4400" spc="-1" strike="noStrike">
               <a:latin typeface="Arial"/>
             </a:endParaRPr>
           </a:p>
@@ -2978,10 +2798,7 @@
             <a:normAutofit/>
           </a:bodyPr>
           <a:p>
-            <a:endParaRPr b="0" lang="en-US" sz="1400" spc="-1" strike="noStrike">
-              <a:solidFill>
-                <a:srgbClr val="000000"/>
-              </a:solidFill>
+            <a:endParaRPr b="0" lang="en-US" sz="3200" spc="-1" strike="noStrike">
               <a:latin typeface="Arial"/>
             </a:endParaRPr>
           </a:p>
@@ -3011,10 +2828,7 @@
             <a:normAutofit/>
           </a:bodyPr>
           <a:p>
-            <a:endParaRPr b="0" lang="en-US" sz="1400" spc="-1" strike="noStrike">
-              <a:solidFill>
-                <a:srgbClr val="000000"/>
-              </a:solidFill>
+            <a:endParaRPr b="0" lang="en-US" sz="3200" spc="-1" strike="noStrike">
               <a:latin typeface="Arial"/>
             </a:endParaRPr>
           </a:p>
@@ -3044,10 +2858,7 @@
             <a:normAutofit/>
           </a:bodyPr>
           <a:p>
-            <a:endParaRPr b="0" lang="en-US" sz="1400" spc="-1" strike="noStrike">
-              <a:solidFill>
-                <a:srgbClr val="000000"/>
-              </a:solidFill>
+            <a:endParaRPr b="0" lang="en-US" sz="3200" spc="-1" strike="noStrike">
               <a:latin typeface="Arial"/>
             </a:endParaRPr>
           </a:p>
@@ -3087,8 +2898,8 @@
         </p:nvSpPr>
         <p:spPr>
           <a:xfrm>
-            <a:off x="460800" y="2065320"/>
-            <a:ext cx="8221680" cy="1012320"/>
+            <a:off x="457200" y="205200"/>
+            <a:ext cx="8229240" cy="858600"/>
           </a:xfrm>
           <a:prstGeom prst="rect">
             <a:avLst/>
@@ -3097,10 +2908,8 @@
         <p:txBody>
           <a:bodyPr lIns="0" rIns="0" tIns="0" bIns="0" anchor="ctr"/>
           <a:p>
-            <a:endParaRPr b="0" lang="en-US" sz="1400" spc="-1" strike="noStrike">
-              <a:solidFill>
-                <a:srgbClr val="000000"/>
-              </a:solidFill>
+            <a:pPr algn="ctr"/>
+            <a:endParaRPr b="0" lang="en-US" sz="4400" spc="-1" strike="noStrike">
               <a:latin typeface="Arial"/>
             </a:endParaRPr>
           </a:p>
@@ -3130,10 +2939,7 @@
             <a:normAutofit/>
           </a:bodyPr>
           <a:p>
-            <a:endParaRPr b="0" lang="en-US" sz="1400" spc="-1" strike="noStrike">
-              <a:solidFill>
-                <a:srgbClr val="000000"/>
-              </a:solidFill>
+            <a:endParaRPr b="0" lang="en-US" sz="3200" spc="-1" strike="noStrike">
               <a:latin typeface="Arial"/>
             </a:endParaRPr>
           </a:p>
@@ -3163,10 +2969,7 @@
             <a:normAutofit/>
           </a:bodyPr>
           <a:p>
-            <a:endParaRPr b="0" lang="en-US" sz="1400" spc="-1" strike="noStrike">
-              <a:solidFill>
-                <a:srgbClr val="000000"/>
-              </a:solidFill>
+            <a:endParaRPr b="0" lang="en-US" sz="3200" spc="-1" strike="noStrike">
               <a:latin typeface="Arial"/>
             </a:endParaRPr>
           </a:p>
@@ -3206,8 +3009,8 @@
         </p:nvSpPr>
         <p:spPr>
           <a:xfrm>
-            <a:off x="460800" y="2065320"/>
-            <a:ext cx="8221680" cy="1012320"/>
+            <a:off x="457200" y="205200"/>
+            <a:ext cx="8229240" cy="858600"/>
           </a:xfrm>
           <a:prstGeom prst="rect">
             <a:avLst/>
@@ -3216,10 +3019,8 @@
         <p:txBody>
           <a:bodyPr lIns="0" rIns="0" tIns="0" bIns="0" anchor="ctr"/>
           <a:p>
-            <a:endParaRPr b="0" lang="en-US" sz="1400" spc="-1" strike="noStrike">
-              <a:solidFill>
-                <a:srgbClr val="000000"/>
-              </a:solidFill>
+            <a:pPr algn="ctr"/>
+            <a:endParaRPr b="0" lang="en-US" sz="4400" spc="-1" strike="noStrike">
               <a:latin typeface="Arial"/>
             </a:endParaRPr>
           </a:p>
@@ -3249,10 +3050,7 @@
             <a:normAutofit/>
           </a:bodyPr>
           <a:p>
-            <a:endParaRPr b="0" lang="en-US" sz="1400" spc="-1" strike="noStrike">
-              <a:solidFill>
-                <a:srgbClr val="000000"/>
-              </a:solidFill>
+            <a:endParaRPr b="0" lang="en-US" sz="3200" spc="-1" strike="noStrike">
               <a:latin typeface="Arial"/>
             </a:endParaRPr>
           </a:p>
@@ -3282,10 +3080,7 @@
             <a:normAutofit/>
           </a:bodyPr>
           <a:p>
-            <a:endParaRPr b="0" lang="en-US" sz="1400" spc="-1" strike="noStrike">
-              <a:solidFill>
-                <a:srgbClr val="000000"/>
-              </a:solidFill>
+            <a:endParaRPr b="0" lang="en-US" sz="3200" spc="-1" strike="noStrike">
               <a:latin typeface="Arial"/>
             </a:endParaRPr>
           </a:p>
@@ -3315,10 +3110,7 @@
             <a:normAutofit/>
           </a:bodyPr>
           <a:p>
-            <a:endParaRPr b="0" lang="en-US" sz="1400" spc="-1" strike="noStrike">
-              <a:solidFill>
-                <a:srgbClr val="000000"/>
-              </a:solidFill>
+            <a:endParaRPr b="0" lang="en-US" sz="3200" spc="-1" strike="noStrike">
               <a:latin typeface="Arial"/>
             </a:endParaRPr>
           </a:p>
@@ -3348,10 +3140,7 @@
             <a:normAutofit/>
           </a:bodyPr>
           <a:p>
-            <a:endParaRPr b="0" lang="en-US" sz="1400" spc="-1" strike="noStrike">
-              <a:solidFill>
-                <a:srgbClr val="000000"/>
-              </a:solidFill>
+            <a:endParaRPr b="0" lang="en-US" sz="3200" spc="-1" strike="noStrike">
               <a:latin typeface="Arial"/>
             </a:endParaRPr>
           </a:p>
@@ -3391,8 +3180,8 @@
         </p:nvSpPr>
         <p:spPr>
           <a:xfrm>
-            <a:off x="460800" y="2065320"/>
-            <a:ext cx="8221680" cy="1012320"/>
+            <a:off x="457200" y="205200"/>
+            <a:ext cx="8229240" cy="858600"/>
           </a:xfrm>
           <a:prstGeom prst="rect">
             <a:avLst/>
@@ -3401,10 +3190,8 @@
         <p:txBody>
           <a:bodyPr lIns="0" rIns="0" tIns="0" bIns="0" anchor="ctr"/>
           <a:p>
-            <a:endParaRPr b="0" lang="en-US" sz="1400" spc="-1" strike="noStrike">
-              <a:solidFill>
-                <a:srgbClr val="000000"/>
-              </a:solidFill>
+            <a:pPr algn="ctr"/>
+            <a:endParaRPr b="0" lang="en-US" sz="4400" spc="-1" strike="noStrike">
               <a:latin typeface="Arial"/>
             </a:endParaRPr>
           </a:p>
@@ -3434,10 +3221,7 @@
             <a:normAutofit/>
           </a:bodyPr>
           <a:p>
-            <a:endParaRPr b="0" lang="en-US" sz="1400" spc="-1" strike="noStrike">
-              <a:solidFill>
-                <a:srgbClr val="000000"/>
-              </a:solidFill>
+            <a:endParaRPr b="0" lang="en-US" sz="3200" spc="-1" strike="noStrike">
               <a:latin typeface="Arial"/>
             </a:endParaRPr>
           </a:p>
@@ -3467,10 +3251,7 @@
             <a:normAutofit/>
           </a:bodyPr>
           <a:p>
-            <a:endParaRPr b="0" lang="en-US" sz="1400" spc="-1" strike="noStrike">
-              <a:solidFill>
-                <a:srgbClr val="000000"/>
-              </a:solidFill>
+            <a:endParaRPr b="0" lang="en-US" sz="3200" spc="-1" strike="noStrike">
               <a:latin typeface="Arial"/>
             </a:endParaRPr>
           </a:p>
@@ -3500,10 +3281,7 @@
             <a:normAutofit/>
           </a:bodyPr>
           <a:p>
-            <a:endParaRPr b="0" lang="en-US" sz="1400" spc="-1" strike="noStrike">
-              <a:solidFill>
-                <a:srgbClr val="000000"/>
-              </a:solidFill>
+            <a:endParaRPr b="0" lang="en-US" sz="3200" spc="-1" strike="noStrike">
               <a:latin typeface="Arial"/>
             </a:endParaRPr>
           </a:p>
@@ -3533,10 +3311,7 @@
             <a:normAutofit/>
           </a:bodyPr>
           <a:p>
-            <a:endParaRPr b="0" lang="en-US" sz="1400" spc="-1" strike="noStrike">
-              <a:solidFill>
-                <a:srgbClr val="000000"/>
-              </a:solidFill>
+            <a:endParaRPr b="0" lang="en-US" sz="3200" spc="-1" strike="noStrike">
               <a:latin typeface="Arial"/>
             </a:endParaRPr>
           </a:p>
@@ -3566,10 +3341,7 @@
             <a:normAutofit/>
           </a:bodyPr>
           <a:p>
-            <a:endParaRPr b="0" lang="en-US" sz="1400" spc="-1" strike="noStrike">
-              <a:solidFill>
-                <a:srgbClr val="000000"/>
-              </a:solidFill>
+            <a:endParaRPr b="0" lang="en-US" sz="3200" spc="-1" strike="noStrike">
               <a:latin typeface="Arial"/>
             </a:endParaRPr>
           </a:p>
@@ -3599,10 +3371,190 @@
             <a:normAutofit/>
           </a:bodyPr>
           <a:p>
-            <a:endParaRPr b="0" lang="en-US" sz="1400" spc="-1" strike="noStrike">
-              <a:solidFill>
-                <a:srgbClr val="000000"/>
-              </a:solidFill>
+            <a:endParaRPr b="0" lang="en-US" sz="3200" spc="-1" strike="noStrike">
+              <a:latin typeface="Arial"/>
+            </a:endParaRPr>
+          </a:p>
+        </p:txBody>
+      </p:sp>
+    </p:spTree>
+  </p:cSld>
+</p:sldLayout>
+</file>
+
+<file path=ppt/slideLayouts/slideLayout37.xml><?xml version="1.0" encoding="utf-8"?>
+<p:sldLayout xmlns:a="http://schemas.openxmlformats.org/drawingml/2006/main" xmlns:p="http://schemas.openxmlformats.org/presentationml/2006/main" xmlns:r="http://schemas.openxmlformats.org/officeDocument/2006/relationships" xmlns:p14="http://schemas.microsoft.com/office/powerpoint/2010/main" xmlns:p15="http://schemas.microsoft.com/office/powerpoint/2012/main" xmlns:mc="http://schemas.openxmlformats.org/markup-compatibility/2006" type="blank" preserve="1">
+  <p:cSld name="Blank Slide">
+    <p:spTree>
+      <p:nvGrpSpPr>
+        <p:cNvPr id="1" name=""/>
+        <p:cNvGrpSpPr/>
+        <p:nvPr/>
+      </p:nvGrpSpPr>
+      <p:grpSpPr>
+        <a:xfrm>
+          <a:off x="0" y="0"/>
+          <a:ext cx="0" cy="0"/>
+          <a:chOff x="0" y="0"/>
+          <a:chExt cx="0" cy="0"/>
+        </a:xfrm>
+      </p:grpSpPr>
+    </p:spTree>
+  </p:cSld>
+</p:sldLayout>
+</file>
+
+<file path=ppt/slideLayouts/slideLayout38.xml><?xml version="1.0" encoding="utf-8"?>
+<p:sldLayout xmlns:a="http://schemas.openxmlformats.org/drawingml/2006/main" xmlns:p="http://schemas.openxmlformats.org/presentationml/2006/main" xmlns:r="http://schemas.openxmlformats.org/officeDocument/2006/relationships" xmlns:p14="http://schemas.microsoft.com/office/powerpoint/2010/main" xmlns:p15="http://schemas.microsoft.com/office/powerpoint/2012/main" xmlns:mc="http://schemas.openxmlformats.org/markup-compatibility/2006" type="tx" preserve="1">
+  <p:cSld name="Title Slide">
+    <p:spTree>
+      <p:nvGrpSpPr>
+        <p:cNvPr id="1" name=""/>
+        <p:cNvGrpSpPr/>
+        <p:nvPr/>
+      </p:nvGrpSpPr>
+      <p:grpSpPr>
+        <a:xfrm>
+          <a:off x="0" y="0"/>
+          <a:ext cx="0" cy="0"/>
+          <a:chOff x="0" y="0"/>
+          <a:chExt cx="0" cy="0"/>
+        </a:xfrm>
+      </p:grpSpPr>
+      <p:sp>
+        <p:nvSpPr>
+          <p:cNvPr id="125" name="PlaceHolder 1"/>
+          <p:cNvSpPr>
+            <a:spLocks noGrp="1"/>
+          </p:cNvSpPr>
+          <p:nvPr>
+            <p:ph type="title"/>
+          </p:nvPr>
+        </p:nvSpPr>
+        <p:spPr>
+          <a:xfrm>
+            <a:off x="457200" y="205200"/>
+            <a:ext cx="8229240" cy="858600"/>
+          </a:xfrm>
+          <a:prstGeom prst="rect">
+            <a:avLst/>
+          </a:prstGeom>
+        </p:spPr>
+        <p:txBody>
+          <a:bodyPr lIns="0" rIns="0" tIns="0" bIns="0" anchor="ctr"/>
+          <a:p>
+            <a:pPr algn="ctr"/>
+            <a:endParaRPr b="0" lang="en-US" sz="4400" spc="-1" strike="noStrike">
+              <a:latin typeface="Arial"/>
+            </a:endParaRPr>
+          </a:p>
+        </p:txBody>
+      </p:sp>
+      <p:sp>
+        <p:nvSpPr>
+          <p:cNvPr id="126" name="PlaceHolder 2"/>
+          <p:cNvSpPr>
+            <a:spLocks noGrp="1"/>
+          </p:cNvSpPr>
+          <p:nvPr>
+            <p:ph type="subTitle"/>
+          </p:nvPr>
+        </p:nvSpPr>
+        <p:spPr>
+          <a:xfrm>
+            <a:off x="457200" y="1203480"/>
+            <a:ext cx="8229240" cy="2982960"/>
+          </a:xfrm>
+          <a:prstGeom prst="rect">
+            <a:avLst/>
+          </a:prstGeom>
+        </p:spPr>
+        <p:txBody>
+          <a:bodyPr lIns="0" rIns="0" tIns="0" bIns="0" anchor="ctr"/>
+          <a:p>
+            <a:pPr algn="ctr"/>
+            <a:endParaRPr b="0" lang="en-US" sz="3200" spc="-1" strike="noStrike">
+              <a:latin typeface="Arial"/>
+            </a:endParaRPr>
+          </a:p>
+        </p:txBody>
+      </p:sp>
+    </p:spTree>
+  </p:cSld>
+</p:sldLayout>
+</file>
+
+<file path=ppt/slideLayouts/slideLayout39.xml><?xml version="1.0" encoding="utf-8"?>
+<p:sldLayout xmlns:a="http://schemas.openxmlformats.org/drawingml/2006/main" xmlns:p="http://schemas.openxmlformats.org/presentationml/2006/main" xmlns:r="http://schemas.openxmlformats.org/officeDocument/2006/relationships" xmlns:p14="http://schemas.microsoft.com/office/powerpoint/2010/main" xmlns:p15="http://schemas.microsoft.com/office/powerpoint/2012/main" xmlns:mc="http://schemas.openxmlformats.org/markup-compatibility/2006" type="obj" preserve="1">
+  <p:cSld name="Title, Content">
+    <p:spTree>
+      <p:nvGrpSpPr>
+        <p:cNvPr id="1" name=""/>
+        <p:cNvGrpSpPr/>
+        <p:nvPr/>
+      </p:nvGrpSpPr>
+      <p:grpSpPr>
+        <a:xfrm>
+          <a:off x="0" y="0"/>
+          <a:ext cx="0" cy="0"/>
+          <a:chOff x="0" y="0"/>
+          <a:chExt cx="0" cy="0"/>
+        </a:xfrm>
+      </p:grpSpPr>
+      <p:sp>
+        <p:nvSpPr>
+          <p:cNvPr id="127" name="PlaceHolder 1"/>
+          <p:cNvSpPr>
+            <a:spLocks noGrp="1"/>
+          </p:cNvSpPr>
+          <p:nvPr>
+            <p:ph type="title"/>
+          </p:nvPr>
+        </p:nvSpPr>
+        <p:spPr>
+          <a:xfrm>
+            <a:off x="457200" y="205200"/>
+            <a:ext cx="8229240" cy="858600"/>
+          </a:xfrm>
+          <a:prstGeom prst="rect">
+            <a:avLst/>
+          </a:prstGeom>
+        </p:spPr>
+        <p:txBody>
+          <a:bodyPr lIns="0" rIns="0" tIns="0" bIns="0" anchor="ctr"/>
+          <a:p>
+            <a:pPr algn="ctr"/>
+            <a:endParaRPr b="0" lang="en-US" sz="4400" spc="-1" strike="noStrike">
+              <a:latin typeface="Arial"/>
+            </a:endParaRPr>
+          </a:p>
+        </p:txBody>
+      </p:sp>
+      <p:sp>
+        <p:nvSpPr>
+          <p:cNvPr id="128" name="PlaceHolder 2"/>
+          <p:cNvSpPr>
+            <a:spLocks noGrp="1"/>
+          </p:cNvSpPr>
+          <p:nvPr>
+            <p:ph type="body"/>
+          </p:nvPr>
+        </p:nvSpPr>
+        <p:spPr>
+          <a:xfrm>
+            <a:off x="457200" y="1203480"/>
+            <a:ext cx="8229240" cy="2982960"/>
+          </a:xfrm>
+          <a:prstGeom prst="rect">
+            <a:avLst/>
+          </a:prstGeom>
+        </p:spPr>
+        <p:txBody>
+          <a:bodyPr lIns="0" rIns="0" tIns="0" bIns="0">
+            <a:normAutofit/>
+          </a:bodyPr>
+          <a:p>
+            <a:endParaRPr b="0" lang="en-US" sz="3200" spc="-1" strike="noStrike">
               <a:latin typeface="Arial"/>
             </a:endParaRPr>
           </a:p>
@@ -3632,7 +3584,7 @@
       </p:grpSpPr>
       <p:sp>
         <p:nvSpPr>
-          <p:cNvPr id="9" name="PlaceHolder 1"/>
+          <p:cNvPr id="8" name="PlaceHolder 1"/>
           <p:cNvSpPr>
             <a:spLocks noGrp="1"/>
           </p:cNvSpPr>
@@ -3642,8 +3594,8 @@
         </p:nvSpPr>
         <p:spPr>
           <a:xfrm>
-            <a:off x="460800" y="2065320"/>
-            <a:ext cx="8221680" cy="1012320"/>
+            <a:off x="457200" y="205200"/>
+            <a:ext cx="8229240" cy="858600"/>
           </a:xfrm>
           <a:prstGeom prst="rect">
             <a:avLst/>
@@ -3652,18 +3604,16 @@
         <p:txBody>
           <a:bodyPr lIns="0" rIns="0" tIns="0" bIns="0" anchor="ctr"/>
           <a:p>
-            <a:endParaRPr b="0" lang="en-US" sz="1400" spc="-1" strike="noStrike">
-              <a:solidFill>
-                <a:srgbClr val="000000"/>
-              </a:solidFill>
-              <a:latin typeface="Arial"/>
-            </a:endParaRPr>
-          </a:p>
-        </p:txBody>
-      </p:sp>
-      <p:sp>
-        <p:nvSpPr>
-          <p:cNvPr id="10" name="PlaceHolder 2"/>
+            <a:pPr algn="ctr"/>
+            <a:endParaRPr b="0" lang="en-US" sz="4400" spc="-1" strike="noStrike">
+              <a:latin typeface="Arial"/>
+            </a:endParaRPr>
+          </a:p>
+        </p:txBody>
+      </p:sp>
+      <p:sp>
+        <p:nvSpPr>
+          <p:cNvPr id="9" name="PlaceHolder 2"/>
           <p:cNvSpPr>
             <a:spLocks noGrp="1"/>
           </p:cNvSpPr>
@@ -3685,18 +3635,15 @@
             <a:normAutofit/>
           </a:bodyPr>
           <a:p>
-            <a:endParaRPr b="0" lang="en-US" sz="1400" spc="-1" strike="noStrike">
-              <a:solidFill>
-                <a:srgbClr val="000000"/>
-              </a:solidFill>
-              <a:latin typeface="Arial"/>
-            </a:endParaRPr>
-          </a:p>
-        </p:txBody>
-      </p:sp>
-      <p:sp>
-        <p:nvSpPr>
-          <p:cNvPr id="11" name="PlaceHolder 3"/>
+            <a:endParaRPr b="0" lang="en-US" sz="3200" spc="-1" strike="noStrike">
+              <a:latin typeface="Arial"/>
+            </a:endParaRPr>
+          </a:p>
+        </p:txBody>
+      </p:sp>
+      <p:sp>
+        <p:nvSpPr>
+          <p:cNvPr id="10" name="PlaceHolder 3"/>
           <p:cNvSpPr>
             <a:spLocks noGrp="1"/>
           </p:cNvSpPr>
@@ -3718,15 +3665,1183 @@
             <a:normAutofit/>
           </a:bodyPr>
           <a:p>
-            <a:endParaRPr b="0" lang="en-US" sz="1400" spc="-1" strike="noStrike">
-              <a:solidFill>
-                <a:srgbClr val="000000"/>
-              </a:solidFill>
-              <a:latin typeface="Arial"/>
-            </a:endParaRPr>
-          </a:p>
-        </p:txBody>
-      </p:sp>
+            <a:endParaRPr b="0" lang="en-US" sz="3200" spc="-1" strike="noStrike">
+              <a:latin typeface="Arial"/>
+            </a:endParaRPr>
+          </a:p>
+        </p:txBody>
+      </p:sp>
+    </p:spTree>
+  </p:cSld>
+</p:sldLayout>
+</file>
+
+<file path=ppt/slideLayouts/slideLayout40.xml><?xml version="1.0" encoding="utf-8"?>
+<p:sldLayout xmlns:a="http://schemas.openxmlformats.org/drawingml/2006/main" xmlns:p="http://schemas.openxmlformats.org/presentationml/2006/main" xmlns:r="http://schemas.openxmlformats.org/officeDocument/2006/relationships" xmlns:p14="http://schemas.microsoft.com/office/powerpoint/2010/main" xmlns:p15="http://schemas.microsoft.com/office/powerpoint/2012/main" xmlns:mc="http://schemas.openxmlformats.org/markup-compatibility/2006" type="twoObj" preserve="1">
+  <p:cSld name="Title, 2 Content">
+    <p:spTree>
+      <p:nvGrpSpPr>
+        <p:cNvPr id="1" name=""/>
+        <p:cNvGrpSpPr/>
+        <p:nvPr/>
+      </p:nvGrpSpPr>
+      <p:grpSpPr>
+        <a:xfrm>
+          <a:off x="0" y="0"/>
+          <a:ext cx="0" cy="0"/>
+          <a:chOff x="0" y="0"/>
+          <a:chExt cx="0" cy="0"/>
+        </a:xfrm>
+      </p:grpSpPr>
+      <p:sp>
+        <p:nvSpPr>
+          <p:cNvPr id="129" name="PlaceHolder 1"/>
+          <p:cNvSpPr>
+            <a:spLocks noGrp="1"/>
+          </p:cNvSpPr>
+          <p:nvPr>
+            <p:ph type="title"/>
+          </p:nvPr>
+        </p:nvSpPr>
+        <p:spPr>
+          <a:xfrm>
+            <a:off x="457200" y="205200"/>
+            <a:ext cx="8229240" cy="858600"/>
+          </a:xfrm>
+          <a:prstGeom prst="rect">
+            <a:avLst/>
+          </a:prstGeom>
+        </p:spPr>
+        <p:txBody>
+          <a:bodyPr lIns="0" rIns="0" tIns="0" bIns="0" anchor="ctr"/>
+          <a:p>
+            <a:pPr algn="ctr"/>
+            <a:endParaRPr b="0" lang="en-US" sz="4400" spc="-1" strike="noStrike">
+              <a:latin typeface="Arial"/>
+            </a:endParaRPr>
+          </a:p>
+        </p:txBody>
+      </p:sp>
+      <p:sp>
+        <p:nvSpPr>
+          <p:cNvPr id="130" name="PlaceHolder 2"/>
+          <p:cNvSpPr>
+            <a:spLocks noGrp="1"/>
+          </p:cNvSpPr>
+          <p:nvPr>
+            <p:ph type="body"/>
+          </p:nvPr>
+        </p:nvSpPr>
+        <p:spPr>
+          <a:xfrm>
+            <a:off x="457200" y="1203480"/>
+            <a:ext cx="4015800" cy="2982960"/>
+          </a:xfrm>
+          <a:prstGeom prst="rect">
+            <a:avLst/>
+          </a:prstGeom>
+        </p:spPr>
+        <p:txBody>
+          <a:bodyPr lIns="0" rIns="0" tIns="0" bIns="0">
+            <a:normAutofit/>
+          </a:bodyPr>
+          <a:p>
+            <a:endParaRPr b="0" lang="en-US" sz="3200" spc="-1" strike="noStrike">
+              <a:latin typeface="Arial"/>
+            </a:endParaRPr>
+          </a:p>
+        </p:txBody>
+      </p:sp>
+      <p:sp>
+        <p:nvSpPr>
+          <p:cNvPr id="131" name="PlaceHolder 3"/>
+          <p:cNvSpPr>
+            <a:spLocks noGrp="1"/>
+          </p:cNvSpPr>
+          <p:nvPr>
+            <p:ph type="body"/>
+          </p:nvPr>
+        </p:nvSpPr>
+        <p:spPr>
+          <a:xfrm>
+            <a:off x="4674240" y="1203480"/>
+            <a:ext cx="4015800" cy="2982960"/>
+          </a:xfrm>
+          <a:prstGeom prst="rect">
+            <a:avLst/>
+          </a:prstGeom>
+        </p:spPr>
+        <p:txBody>
+          <a:bodyPr lIns="0" rIns="0" tIns="0" bIns="0">
+            <a:normAutofit/>
+          </a:bodyPr>
+          <a:p>
+            <a:endParaRPr b="0" lang="en-US" sz="3200" spc="-1" strike="noStrike">
+              <a:latin typeface="Arial"/>
+            </a:endParaRPr>
+          </a:p>
+        </p:txBody>
+      </p:sp>
+    </p:spTree>
+  </p:cSld>
+</p:sldLayout>
+</file>
+
+<file path=ppt/slideLayouts/slideLayout41.xml><?xml version="1.0" encoding="utf-8"?>
+<p:sldLayout xmlns:a="http://schemas.openxmlformats.org/drawingml/2006/main" xmlns:p="http://schemas.openxmlformats.org/presentationml/2006/main" xmlns:r="http://schemas.openxmlformats.org/officeDocument/2006/relationships" xmlns:p14="http://schemas.microsoft.com/office/powerpoint/2010/main" xmlns:p15="http://schemas.microsoft.com/office/powerpoint/2012/main" xmlns:mc="http://schemas.openxmlformats.org/markup-compatibility/2006" type="titleOnly" preserve="1">
+  <p:cSld name="Title Only">
+    <p:spTree>
+      <p:nvGrpSpPr>
+        <p:cNvPr id="1" name=""/>
+        <p:cNvGrpSpPr/>
+        <p:nvPr/>
+      </p:nvGrpSpPr>
+      <p:grpSpPr>
+        <a:xfrm>
+          <a:off x="0" y="0"/>
+          <a:ext cx="0" cy="0"/>
+          <a:chOff x="0" y="0"/>
+          <a:chExt cx="0" cy="0"/>
+        </a:xfrm>
+      </p:grpSpPr>
+      <p:sp>
+        <p:nvSpPr>
+          <p:cNvPr id="132" name="PlaceHolder 1"/>
+          <p:cNvSpPr>
+            <a:spLocks noGrp="1"/>
+          </p:cNvSpPr>
+          <p:nvPr>
+            <p:ph type="title"/>
+          </p:nvPr>
+        </p:nvSpPr>
+        <p:spPr>
+          <a:xfrm>
+            <a:off x="457200" y="205200"/>
+            <a:ext cx="8229240" cy="858600"/>
+          </a:xfrm>
+          <a:prstGeom prst="rect">
+            <a:avLst/>
+          </a:prstGeom>
+        </p:spPr>
+        <p:txBody>
+          <a:bodyPr lIns="0" rIns="0" tIns="0" bIns="0" anchor="ctr"/>
+          <a:p>
+            <a:pPr algn="ctr"/>
+            <a:endParaRPr b="0" lang="en-US" sz="4400" spc="-1" strike="noStrike">
+              <a:latin typeface="Arial"/>
+            </a:endParaRPr>
+          </a:p>
+        </p:txBody>
+      </p:sp>
+    </p:spTree>
+  </p:cSld>
+</p:sldLayout>
+</file>
+
+<file path=ppt/slideLayouts/slideLayout42.xml><?xml version="1.0" encoding="utf-8"?>
+<p:sldLayout xmlns:a="http://schemas.openxmlformats.org/drawingml/2006/main" xmlns:p="http://schemas.openxmlformats.org/presentationml/2006/main" xmlns:r="http://schemas.openxmlformats.org/officeDocument/2006/relationships" xmlns:p14="http://schemas.microsoft.com/office/powerpoint/2010/main" xmlns:p15="http://schemas.microsoft.com/office/powerpoint/2012/main" xmlns:mc="http://schemas.openxmlformats.org/markup-compatibility/2006" type="objOnly" preserve="1">
+  <p:cSld name="Centered Text">
+    <p:spTree>
+      <p:nvGrpSpPr>
+        <p:cNvPr id="1" name=""/>
+        <p:cNvGrpSpPr/>
+        <p:nvPr/>
+      </p:nvGrpSpPr>
+      <p:grpSpPr>
+        <a:xfrm>
+          <a:off x="0" y="0"/>
+          <a:ext cx="0" cy="0"/>
+          <a:chOff x="0" y="0"/>
+          <a:chExt cx="0" cy="0"/>
+        </a:xfrm>
+      </p:grpSpPr>
+      <p:sp>
+        <p:nvSpPr>
+          <p:cNvPr id="133" name="PlaceHolder 1"/>
+          <p:cNvSpPr>
+            <a:spLocks noGrp="1"/>
+          </p:cNvSpPr>
+          <p:nvPr>
+            <p:ph type="subTitle"/>
+          </p:nvPr>
+        </p:nvSpPr>
+        <p:spPr>
+          <a:xfrm>
+            <a:off x="457200" y="205200"/>
+            <a:ext cx="8229240" cy="3981240"/>
+          </a:xfrm>
+          <a:prstGeom prst="rect">
+            <a:avLst/>
+          </a:prstGeom>
+        </p:spPr>
+        <p:txBody>
+          <a:bodyPr lIns="0" rIns="0" tIns="0" bIns="0" anchor="ctr"/>
+          <a:p>
+            <a:pPr algn="ctr"/>
+            <a:endParaRPr b="0" lang="en-US" sz="3200" spc="-1" strike="noStrike">
+              <a:latin typeface="Arial"/>
+            </a:endParaRPr>
+          </a:p>
+        </p:txBody>
+      </p:sp>
+    </p:spTree>
+  </p:cSld>
+</p:sldLayout>
+</file>
+
+<file path=ppt/slideLayouts/slideLayout43.xml><?xml version="1.0" encoding="utf-8"?>
+<p:sldLayout xmlns:a="http://schemas.openxmlformats.org/drawingml/2006/main" xmlns:p="http://schemas.openxmlformats.org/presentationml/2006/main" xmlns:r="http://schemas.openxmlformats.org/officeDocument/2006/relationships" xmlns:p14="http://schemas.microsoft.com/office/powerpoint/2010/main" xmlns:p15="http://schemas.microsoft.com/office/powerpoint/2012/main" xmlns:mc="http://schemas.openxmlformats.org/markup-compatibility/2006" type="twoObjAndObj" preserve="1">
+  <p:cSld name="Title, 2 Content and Content">
+    <p:spTree>
+      <p:nvGrpSpPr>
+        <p:cNvPr id="1" name=""/>
+        <p:cNvGrpSpPr/>
+        <p:nvPr/>
+      </p:nvGrpSpPr>
+      <p:grpSpPr>
+        <a:xfrm>
+          <a:off x="0" y="0"/>
+          <a:ext cx="0" cy="0"/>
+          <a:chOff x="0" y="0"/>
+          <a:chExt cx="0" cy="0"/>
+        </a:xfrm>
+      </p:grpSpPr>
+      <p:sp>
+        <p:nvSpPr>
+          <p:cNvPr id="134" name="PlaceHolder 1"/>
+          <p:cNvSpPr>
+            <a:spLocks noGrp="1"/>
+          </p:cNvSpPr>
+          <p:nvPr>
+            <p:ph type="title"/>
+          </p:nvPr>
+        </p:nvSpPr>
+        <p:spPr>
+          <a:xfrm>
+            <a:off x="457200" y="205200"/>
+            <a:ext cx="8229240" cy="858600"/>
+          </a:xfrm>
+          <a:prstGeom prst="rect">
+            <a:avLst/>
+          </a:prstGeom>
+        </p:spPr>
+        <p:txBody>
+          <a:bodyPr lIns="0" rIns="0" tIns="0" bIns="0" anchor="ctr"/>
+          <a:p>
+            <a:pPr algn="ctr"/>
+            <a:endParaRPr b="0" lang="en-US" sz="4400" spc="-1" strike="noStrike">
+              <a:latin typeface="Arial"/>
+            </a:endParaRPr>
+          </a:p>
+        </p:txBody>
+      </p:sp>
+      <p:sp>
+        <p:nvSpPr>
+          <p:cNvPr id="135" name="PlaceHolder 2"/>
+          <p:cNvSpPr>
+            <a:spLocks noGrp="1"/>
+          </p:cNvSpPr>
+          <p:nvPr>
+            <p:ph type="body"/>
+          </p:nvPr>
+        </p:nvSpPr>
+        <p:spPr>
+          <a:xfrm>
+            <a:off x="457200" y="1203480"/>
+            <a:ext cx="4015800" cy="1422720"/>
+          </a:xfrm>
+          <a:prstGeom prst="rect">
+            <a:avLst/>
+          </a:prstGeom>
+        </p:spPr>
+        <p:txBody>
+          <a:bodyPr lIns="0" rIns="0" tIns="0" bIns="0">
+            <a:normAutofit/>
+          </a:bodyPr>
+          <a:p>
+            <a:endParaRPr b="0" lang="en-US" sz="3200" spc="-1" strike="noStrike">
+              <a:latin typeface="Arial"/>
+            </a:endParaRPr>
+          </a:p>
+        </p:txBody>
+      </p:sp>
+      <p:sp>
+        <p:nvSpPr>
+          <p:cNvPr id="136" name="PlaceHolder 3"/>
+          <p:cNvSpPr>
+            <a:spLocks noGrp="1"/>
+          </p:cNvSpPr>
+          <p:nvPr>
+            <p:ph type="body"/>
+          </p:nvPr>
+        </p:nvSpPr>
+        <p:spPr>
+          <a:xfrm>
+            <a:off x="4674240" y="1203480"/>
+            <a:ext cx="4015800" cy="2982960"/>
+          </a:xfrm>
+          <a:prstGeom prst="rect">
+            <a:avLst/>
+          </a:prstGeom>
+        </p:spPr>
+        <p:txBody>
+          <a:bodyPr lIns="0" rIns="0" tIns="0" bIns="0">
+            <a:normAutofit/>
+          </a:bodyPr>
+          <a:p>
+            <a:endParaRPr b="0" lang="en-US" sz="3200" spc="-1" strike="noStrike">
+              <a:latin typeface="Arial"/>
+            </a:endParaRPr>
+          </a:p>
+        </p:txBody>
+      </p:sp>
+      <p:sp>
+        <p:nvSpPr>
+          <p:cNvPr id="137" name="PlaceHolder 4"/>
+          <p:cNvSpPr>
+            <a:spLocks noGrp="1"/>
+          </p:cNvSpPr>
+          <p:nvPr>
+            <p:ph type="body"/>
+          </p:nvPr>
+        </p:nvSpPr>
+        <p:spPr>
+          <a:xfrm>
+            <a:off x="457200" y="2761920"/>
+            <a:ext cx="4015800" cy="1422720"/>
+          </a:xfrm>
+          <a:prstGeom prst="rect">
+            <a:avLst/>
+          </a:prstGeom>
+        </p:spPr>
+        <p:txBody>
+          <a:bodyPr lIns="0" rIns="0" tIns="0" bIns="0">
+            <a:normAutofit/>
+          </a:bodyPr>
+          <a:p>
+            <a:endParaRPr b="0" lang="en-US" sz="3200" spc="-1" strike="noStrike">
+              <a:latin typeface="Arial"/>
+            </a:endParaRPr>
+          </a:p>
+        </p:txBody>
+      </p:sp>
+    </p:spTree>
+  </p:cSld>
+</p:sldLayout>
+</file>
+
+<file path=ppt/slideLayouts/slideLayout44.xml><?xml version="1.0" encoding="utf-8"?>
+<p:sldLayout xmlns:a="http://schemas.openxmlformats.org/drawingml/2006/main" xmlns:p="http://schemas.openxmlformats.org/presentationml/2006/main" xmlns:r="http://schemas.openxmlformats.org/officeDocument/2006/relationships" xmlns:p14="http://schemas.microsoft.com/office/powerpoint/2010/main" xmlns:p15="http://schemas.microsoft.com/office/powerpoint/2012/main" xmlns:mc="http://schemas.openxmlformats.org/markup-compatibility/2006" type="objAndTwoObj" preserve="1">
+  <p:cSld name="Title Content and 2 Content">
+    <p:spTree>
+      <p:nvGrpSpPr>
+        <p:cNvPr id="1" name=""/>
+        <p:cNvGrpSpPr/>
+        <p:nvPr/>
+      </p:nvGrpSpPr>
+      <p:grpSpPr>
+        <a:xfrm>
+          <a:off x="0" y="0"/>
+          <a:ext cx="0" cy="0"/>
+          <a:chOff x="0" y="0"/>
+          <a:chExt cx="0" cy="0"/>
+        </a:xfrm>
+      </p:grpSpPr>
+      <p:sp>
+        <p:nvSpPr>
+          <p:cNvPr id="138" name="PlaceHolder 1"/>
+          <p:cNvSpPr>
+            <a:spLocks noGrp="1"/>
+          </p:cNvSpPr>
+          <p:nvPr>
+            <p:ph type="title"/>
+          </p:nvPr>
+        </p:nvSpPr>
+        <p:spPr>
+          <a:xfrm>
+            <a:off x="457200" y="205200"/>
+            <a:ext cx="8229240" cy="858600"/>
+          </a:xfrm>
+          <a:prstGeom prst="rect">
+            <a:avLst/>
+          </a:prstGeom>
+        </p:spPr>
+        <p:txBody>
+          <a:bodyPr lIns="0" rIns="0" tIns="0" bIns="0" anchor="ctr"/>
+          <a:p>
+            <a:pPr algn="ctr"/>
+            <a:endParaRPr b="0" lang="en-US" sz="4400" spc="-1" strike="noStrike">
+              <a:latin typeface="Arial"/>
+            </a:endParaRPr>
+          </a:p>
+        </p:txBody>
+      </p:sp>
+      <p:sp>
+        <p:nvSpPr>
+          <p:cNvPr id="139" name="PlaceHolder 2"/>
+          <p:cNvSpPr>
+            <a:spLocks noGrp="1"/>
+          </p:cNvSpPr>
+          <p:nvPr>
+            <p:ph type="body"/>
+          </p:nvPr>
+        </p:nvSpPr>
+        <p:spPr>
+          <a:xfrm>
+            <a:off x="457200" y="1203480"/>
+            <a:ext cx="4015800" cy="2982960"/>
+          </a:xfrm>
+          <a:prstGeom prst="rect">
+            <a:avLst/>
+          </a:prstGeom>
+        </p:spPr>
+        <p:txBody>
+          <a:bodyPr lIns="0" rIns="0" tIns="0" bIns="0">
+            <a:normAutofit/>
+          </a:bodyPr>
+          <a:p>
+            <a:endParaRPr b="0" lang="en-US" sz="3200" spc="-1" strike="noStrike">
+              <a:latin typeface="Arial"/>
+            </a:endParaRPr>
+          </a:p>
+        </p:txBody>
+      </p:sp>
+      <p:sp>
+        <p:nvSpPr>
+          <p:cNvPr id="140" name="PlaceHolder 3"/>
+          <p:cNvSpPr>
+            <a:spLocks noGrp="1"/>
+          </p:cNvSpPr>
+          <p:nvPr>
+            <p:ph type="body"/>
+          </p:nvPr>
+        </p:nvSpPr>
+        <p:spPr>
+          <a:xfrm>
+            <a:off x="4674240" y="1203480"/>
+            <a:ext cx="4015800" cy="1422720"/>
+          </a:xfrm>
+          <a:prstGeom prst="rect">
+            <a:avLst/>
+          </a:prstGeom>
+        </p:spPr>
+        <p:txBody>
+          <a:bodyPr lIns="0" rIns="0" tIns="0" bIns="0">
+            <a:normAutofit/>
+          </a:bodyPr>
+          <a:p>
+            <a:endParaRPr b="0" lang="en-US" sz="3200" spc="-1" strike="noStrike">
+              <a:latin typeface="Arial"/>
+            </a:endParaRPr>
+          </a:p>
+        </p:txBody>
+      </p:sp>
+      <p:sp>
+        <p:nvSpPr>
+          <p:cNvPr id="141" name="PlaceHolder 4"/>
+          <p:cNvSpPr>
+            <a:spLocks noGrp="1"/>
+          </p:cNvSpPr>
+          <p:nvPr>
+            <p:ph type="body"/>
+          </p:nvPr>
+        </p:nvSpPr>
+        <p:spPr>
+          <a:xfrm>
+            <a:off x="4674240" y="2761920"/>
+            <a:ext cx="4015800" cy="1422720"/>
+          </a:xfrm>
+          <a:prstGeom prst="rect">
+            <a:avLst/>
+          </a:prstGeom>
+        </p:spPr>
+        <p:txBody>
+          <a:bodyPr lIns="0" rIns="0" tIns="0" bIns="0">
+            <a:normAutofit/>
+          </a:bodyPr>
+          <a:p>
+            <a:endParaRPr b="0" lang="en-US" sz="3200" spc="-1" strike="noStrike">
+              <a:latin typeface="Arial"/>
+            </a:endParaRPr>
+          </a:p>
+        </p:txBody>
+      </p:sp>
+    </p:spTree>
+  </p:cSld>
+</p:sldLayout>
+</file>
+
+<file path=ppt/slideLayouts/slideLayout45.xml><?xml version="1.0" encoding="utf-8"?>
+<p:sldLayout xmlns:a="http://schemas.openxmlformats.org/drawingml/2006/main" xmlns:p="http://schemas.openxmlformats.org/presentationml/2006/main" xmlns:r="http://schemas.openxmlformats.org/officeDocument/2006/relationships" xmlns:p14="http://schemas.microsoft.com/office/powerpoint/2010/main" xmlns:p15="http://schemas.microsoft.com/office/powerpoint/2012/main" xmlns:mc="http://schemas.openxmlformats.org/markup-compatibility/2006" type="twoObjOverTx" preserve="1">
+  <p:cSld name="Title, 2 Content over Content">
+    <p:spTree>
+      <p:nvGrpSpPr>
+        <p:cNvPr id="1" name=""/>
+        <p:cNvGrpSpPr/>
+        <p:nvPr/>
+      </p:nvGrpSpPr>
+      <p:grpSpPr>
+        <a:xfrm>
+          <a:off x="0" y="0"/>
+          <a:ext cx="0" cy="0"/>
+          <a:chOff x="0" y="0"/>
+          <a:chExt cx="0" cy="0"/>
+        </a:xfrm>
+      </p:grpSpPr>
+      <p:sp>
+        <p:nvSpPr>
+          <p:cNvPr id="142" name="PlaceHolder 1"/>
+          <p:cNvSpPr>
+            <a:spLocks noGrp="1"/>
+          </p:cNvSpPr>
+          <p:nvPr>
+            <p:ph type="title"/>
+          </p:nvPr>
+        </p:nvSpPr>
+        <p:spPr>
+          <a:xfrm>
+            <a:off x="457200" y="205200"/>
+            <a:ext cx="8229240" cy="858600"/>
+          </a:xfrm>
+          <a:prstGeom prst="rect">
+            <a:avLst/>
+          </a:prstGeom>
+        </p:spPr>
+        <p:txBody>
+          <a:bodyPr lIns="0" rIns="0" tIns="0" bIns="0" anchor="ctr"/>
+          <a:p>
+            <a:pPr algn="ctr"/>
+            <a:endParaRPr b="0" lang="en-US" sz="4400" spc="-1" strike="noStrike">
+              <a:latin typeface="Arial"/>
+            </a:endParaRPr>
+          </a:p>
+        </p:txBody>
+      </p:sp>
+      <p:sp>
+        <p:nvSpPr>
+          <p:cNvPr id="143" name="PlaceHolder 2"/>
+          <p:cNvSpPr>
+            <a:spLocks noGrp="1"/>
+          </p:cNvSpPr>
+          <p:nvPr>
+            <p:ph type="body"/>
+          </p:nvPr>
+        </p:nvSpPr>
+        <p:spPr>
+          <a:xfrm>
+            <a:off x="457200" y="1203480"/>
+            <a:ext cx="4015800" cy="1422720"/>
+          </a:xfrm>
+          <a:prstGeom prst="rect">
+            <a:avLst/>
+          </a:prstGeom>
+        </p:spPr>
+        <p:txBody>
+          <a:bodyPr lIns="0" rIns="0" tIns="0" bIns="0">
+            <a:normAutofit/>
+          </a:bodyPr>
+          <a:p>
+            <a:endParaRPr b="0" lang="en-US" sz="3200" spc="-1" strike="noStrike">
+              <a:latin typeface="Arial"/>
+            </a:endParaRPr>
+          </a:p>
+        </p:txBody>
+      </p:sp>
+      <p:sp>
+        <p:nvSpPr>
+          <p:cNvPr id="144" name="PlaceHolder 3"/>
+          <p:cNvSpPr>
+            <a:spLocks noGrp="1"/>
+          </p:cNvSpPr>
+          <p:nvPr>
+            <p:ph type="body"/>
+          </p:nvPr>
+        </p:nvSpPr>
+        <p:spPr>
+          <a:xfrm>
+            <a:off x="4674240" y="1203480"/>
+            <a:ext cx="4015800" cy="1422720"/>
+          </a:xfrm>
+          <a:prstGeom prst="rect">
+            <a:avLst/>
+          </a:prstGeom>
+        </p:spPr>
+        <p:txBody>
+          <a:bodyPr lIns="0" rIns="0" tIns="0" bIns="0">
+            <a:normAutofit/>
+          </a:bodyPr>
+          <a:p>
+            <a:endParaRPr b="0" lang="en-US" sz="3200" spc="-1" strike="noStrike">
+              <a:latin typeface="Arial"/>
+            </a:endParaRPr>
+          </a:p>
+        </p:txBody>
+      </p:sp>
+      <p:sp>
+        <p:nvSpPr>
+          <p:cNvPr id="145" name="PlaceHolder 4"/>
+          <p:cNvSpPr>
+            <a:spLocks noGrp="1"/>
+          </p:cNvSpPr>
+          <p:nvPr>
+            <p:ph type="body"/>
+          </p:nvPr>
+        </p:nvSpPr>
+        <p:spPr>
+          <a:xfrm>
+            <a:off x="457200" y="2761920"/>
+            <a:ext cx="8229240" cy="1422720"/>
+          </a:xfrm>
+          <a:prstGeom prst="rect">
+            <a:avLst/>
+          </a:prstGeom>
+        </p:spPr>
+        <p:txBody>
+          <a:bodyPr lIns="0" rIns="0" tIns="0" bIns="0">
+            <a:normAutofit/>
+          </a:bodyPr>
+          <a:p>
+            <a:endParaRPr b="0" lang="en-US" sz="3200" spc="-1" strike="noStrike">
+              <a:latin typeface="Arial"/>
+            </a:endParaRPr>
+          </a:p>
+        </p:txBody>
+      </p:sp>
+    </p:spTree>
+  </p:cSld>
+</p:sldLayout>
+</file>
+
+<file path=ppt/slideLayouts/slideLayout46.xml><?xml version="1.0" encoding="utf-8"?>
+<p:sldLayout xmlns:a="http://schemas.openxmlformats.org/drawingml/2006/main" xmlns:p="http://schemas.openxmlformats.org/presentationml/2006/main" xmlns:r="http://schemas.openxmlformats.org/officeDocument/2006/relationships" xmlns:p14="http://schemas.microsoft.com/office/powerpoint/2010/main" xmlns:p15="http://schemas.microsoft.com/office/powerpoint/2012/main" xmlns:mc="http://schemas.openxmlformats.org/markup-compatibility/2006" type="objOverTx" preserve="1">
+  <p:cSld name="Title, Content over Content">
+    <p:spTree>
+      <p:nvGrpSpPr>
+        <p:cNvPr id="1" name=""/>
+        <p:cNvGrpSpPr/>
+        <p:nvPr/>
+      </p:nvGrpSpPr>
+      <p:grpSpPr>
+        <a:xfrm>
+          <a:off x="0" y="0"/>
+          <a:ext cx="0" cy="0"/>
+          <a:chOff x="0" y="0"/>
+          <a:chExt cx="0" cy="0"/>
+        </a:xfrm>
+      </p:grpSpPr>
+      <p:sp>
+        <p:nvSpPr>
+          <p:cNvPr id="146" name="PlaceHolder 1"/>
+          <p:cNvSpPr>
+            <a:spLocks noGrp="1"/>
+          </p:cNvSpPr>
+          <p:nvPr>
+            <p:ph type="title"/>
+          </p:nvPr>
+        </p:nvSpPr>
+        <p:spPr>
+          <a:xfrm>
+            <a:off x="457200" y="205200"/>
+            <a:ext cx="8229240" cy="858600"/>
+          </a:xfrm>
+          <a:prstGeom prst="rect">
+            <a:avLst/>
+          </a:prstGeom>
+        </p:spPr>
+        <p:txBody>
+          <a:bodyPr lIns="0" rIns="0" tIns="0" bIns="0" anchor="ctr"/>
+          <a:p>
+            <a:pPr algn="ctr"/>
+            <a:endParaRPr b="0" lang="en-US" sz="4400" spc="-1" strike="noStrike">
+              <a:latin typeface="Arial"/>
+            </a:endParaRPr>
+          </a:p>
+        </p:txBody>
+      </p:sp>
+      <p:sp>
+        <p:nvSpPr>
+          <p:cNvPr id="147" name="PlaceHolder 2"/>
+          <p:cNvSpPr>
+            <a:spLocks noGrp="1"/>
+          </p:cNvSpPr>
+          <p:nvPr>
+            <p:ph type="body"/>
+          </p:nvPr>
+        </p:nvSpPr>
+        <p:spPr>
+          <a:xfrm>
+            <a:off x="457200" y="1203480"/>
+            <a:ext cx="8229240" cy="1422720"/>
+          </a:xfrm>
+          <a:prstGeom prst="rect">
+            <a:avLst/>
+          </a:prstGeom>
+        </p:spPr>
+        <p:txBody>
+          <a:bodyPr lIns="0" rIns="0" tIns="0" bIns="0">
+            <a:normAutofit/>
+          </a:bodyPr>
+          <a:p>
+            <a:endParaRPr b="0" lang="en-US" sz="3200" spc="-1" strike="noStrike">
+              <a:latin typeface="Arial"/>
+            </a:endParaRPr>
+          </a:p>
+        </p:txBody>
+      </p:sp>
+      <p:sp>
+        <p:nvSpPr>
+          <p:cNvPr id="148" name="PlaceHolder 3"/>
+          <p:cNvSpPr>
+            <a:spLocks noGrp="1"/>
+          </p:cNvSpPr>
+          <p:nvPr>
+            <p:ph type="body"/>
+          </p:nvPr>
+        </p:nvSpPr>
+        <p:spPr>
+          <a:xfrm>
+            <a:off x="457200" y="2761920"/>
+            <a:ext cx="8229240" cy="1422720"/>
+          </a:xfrm>
+          <a:prstGeom prst="rect">
+            <a:avLst/>
+          </a:prstGeom>
+        </p:spPr>
+        <p:txBody>
+          <a:bodyPr lIns="0" rIns="0" tIns="0" bIns="0">
+            <a:normAutofit/>
+          </a:bodyPr>
+          <a:p>
+            <a:endParaRPr b="0" lang="en-US" sz="3200" spc="-1" strike="noStrike">
+              <a:latin typeface="Arial"/>
+            </a:endParaRPr>
+          </a:p>
+        </p:txBody>
+      </p:sp>
+    </p:spTree>
+  </p:cSld>
+</p:sldLayout>
+</file>
+
+<file path=ppt/slideLayouts/slideLayout47.xml><?xml version="1.0" encoding="utf-8"?>
+<p:sldLayout xmlns:a="http://schemas.openxmlformats.org/drawingml/2006/main" xmlns:p="http://schemas.openxmlformats.org/presentationml/2006/main" xmlns:r="http://schemas.openxmlformats.org/officeDocument/2006/relationships" xmlns:p14="http://schemas.microsoft.com/office/powerpoint/2010/main" xmlns:p15="http://schemas.microsoft.com/office/powerpoint/2012/main" xmlns:mc="http://schemas.openxmlformats.org/markup-compatibility/2006" type="fourObj" preserve="1">
+  <p:cSld name="Title, 4 Content">
+    <p:spTree>
+      <p:nvGrpSpPr>
+        <p:cNvPr id="1" name=""/>
+        <p:cNvGrpSpPr/>
+        <p:nvPr/>
+      </p:nvGrpSpPr>
+      <p:grpSpPr>
+        <a:xfrm>
+          <a:off x="0" y="0"/>
+          <a:ext cx="0" cy="0"/>
+          <a:chOff x="0" y="0"/>
+          <a:chExt cx="0" cy="0"/>
+        </a:xfrm>
+      </p:grpSpPr>
+      <p:sp>
+        <p:nvSpPr>
+          <p:cNvPr id="149" name="PlaceHolder 1"/>
+          <p:cNvSpPr>
+            <a:spLocks noGrp="1"/>
+          </p:cNvSpPr>
+          <p:nvPr>
+            <p:ph type="title"/>
+          </p:nvPr>
+        </p:nvSpPr>
+        <p:spPr>
+          <a:xfrm>
+            <a:off x="457200" y="205200"/>
+            <a:ext cx="8229240" cy="858600"/>
+          </a:xfrm>
+          <a:prstGeom prst="rect">
+            <a:avLst/>
+          </a:prstGeom>
+        </p:spPr>
+        <p:txBody>
+          <a:bodyPr lIns="0" rIns="0" tIns="0" bIns="0" anchor="ctr"/>
+          <a:p>
+            <a:pPr algn="ctr"/>
+            <a:endParaRPr b="0" lang="en-US" sz="4400" spc="-1" strike="noStrike">
+              <a:latin typeface="Arial"/>
+            </a:endParaRPr>
+          </a:p>
+        </p:txBody>
+      </p:sp>
+      <p:sp>
+        <p:nvSpPr>
+          <p:cNvPr id="150" name="PlaceHolder 2"/>
+          <p:cNvSpPr>
+            <a:spLocks noGrp="1"/>
+          </p:cNvSpPr>
+          <p:nvPr>
+            <p:ph type="body"/>
+          </p:nvPr>
+        </p:nvSpPr>
+        <p:spPr>
+          <a:xfrm>
+            <a:off x="457200" y="1203480"/>
+            <a:ext cx="4015800" cy="1422720"/>
+          </a:xfrm>
+          <a:prstGeom prst="rect">
+            <a:avLst/>
+          </a:prstGeom>
+        </p:spPr>
+        <p:txBody>
+          <a:bodyPr lIns="0" rIns="0" tIns="0" bIns="0">
+            <a:normAutofit/>
+          </a:bodyPr>
+          <a:p>
+            <a:endParaRPr b="0" lang="en-US" sz="3200" spc="-1" strike="noStrike">
+              <a:latin typeface="Arial"/>
+            </a:endParaRPr>
+          </a:p>
+        </p:txBody>
+      </p:sp>
+      <p:sp>
+        <p:nvSpPr>
+          <p:cNvPr id="151" name="PlaceHolder 3"/>
+          <p:cNvSpPr>
+            <a:spLocks noGrp="1"/>
+          </p:cNvSpPr>
+          <p:nvPr>
+            <p:ph type="body"/>
+          </p:nvPr>
+        </p:nvSpPr>
+        <p:spPr>
+          <a:xfrm>
+            <a:off x="4674240" y="1203480"/>
+            <a:ext cx="4015800" cy="1422720"/>
+          </a:xfrm>
+          <a:prstGeom prst="rect">
+            <a:avLst/>
+          </a:prstGeom>
+        </p:spPr>
+        <p:txBody>
+          <a:bodyPr lIns="0" rIns="0" tIns="0" bIns="0">
+            <a:normAutofit/>
+          </a:bodyPr>
+          <a:p>
+            <a:endParaRPr b="0" lang="en-US" sz="3200" spc="-1" strike="noStrike">
+              <a:latin typeface="Arial"/>
+            </a:endParaRPr>
+          </a:p>
+        </p:txBody>
+      </p:sp>
+      <p:sp>
+        <p:nvSpPr>
+          <p:cNvPr id="152" name="PlaceHolder 4"/>
+          <p:cNvSpPr>
+            <a:spLocks noGrp="1"/>
+          </p:cNvSpPr>
+          <p:nvPr>
+            <p:ph type="body"/>
+          </p:nvPr>
+        </p:nvSpPr>
+        <p:spPr>
+          <a:xfrm>
+            <a:off x="457200" y="2761920"/>
+            <a:ext cx="4015800" cy="1422720"/>
+          </a:xfrm>
+          <a:prstGeom prst="rect">
+            <a:avLst/>
+          </a:prstGeom>
+        </p:spPr>
+        <p:txBody>
+          <a:bodyPr lIns="0" rIns="0" tIns="0" bIns="0">
+            <a:normAutofit/>
+          </a:bodyPr>
+          <a:p>
+            <a:endParaRPr b="0" lang="en-US" sz="3200" spc="-1" strike="noStrike">
+              <a:latin typeface="Arial"/>
+            </a:endParaRPr>
+          </a:p>
+        </p:txBody>
+      </p:sp>
+      <p:sp>
+        <p:nvSpPr>
+          <p:cNvPr id="153" name="PlaceHolder 5"/>
+          <p:cNvSpPr>
+            <a:spLocks noGrp="1"/>
+          </p:cNvSpPr>
+          <p:nvPr>
+            <p:ph type="body"/>
+          </p:nvPr>
+        </p:nvSpPr>
+        <p:spPr>
+          <a:xfrm>
+            <a:off x="4674240" y="2761920"/>
+            <a:ext cx="4015800" cy="1422720"/>
+          </a:xfrm>
+          <a:prstGeom prst="rect">
+            <a:avLst/>
+          </a:prstGeom>
+        </p:spPr>
+        <p:txBody>
+          <a:bodyPr lIns="0" rIns="0" tIns="0" bIns="0">
+            <a:normAutofit/>
+          </a:bodyPr>
+          <a:p>
+            <a:endParaRPr b="0" lang="en-US" sz="3200" spc="-1" strike="noStrike">
+              <a:latin typeface="Arial"/>
+            </a:endParaRPr>
+          </a:p>
+        </p:txBody>
+      </p:sp>
+    </p:spTree>
+  </p:cSld>
+</p:sldLayout>
+</file>
+
+<file path=ppt/slideLayouts/slideLayout48.xml><?xml version="1.0" encoding="utf-8"?>
+<p:sldLayout xmlns:a="http://schemas.openxmlformats.org/drawingml/2006/main" xmlns:p="http://schemas.openxmlformats.org/presentationml/2006/main" xmlns:r="http://schemas.openxmlformats.org/officeDocument/2006/relationships" xmlns:p14="http://schemas.microsoft.com/office/powerpoint/2010/main" xmlns:p15="http://schemas.microsoft.com/office/powerpoint/2012/main" xmlns:mc="http://schemas.openxmlformats.org/markup-compatibility/2006" type="blank" preserve="1">
+  <p:cSld name="Title, 6 Content">
+    <p:spTree>
+      <p:nvGrpSpPr>
+        <p:cNvPr id="1" name=""/>
+        <p:cNvGrpSpPr/>
+        <p:nvPr/>
+      </p:nvGrpSpPr>
+      <p:grpSpPr>
+        <a:xfrm>
+          <a:off x="0" y="0"/>
+          <a:ext cx="0" cy="0"/>
+          <a:chOff x="0" y="0"/>
+          <a:chExt cx="0" cy="0"/>
+        </a:xfrm>
+      </p:grpSpPr>
+      <p:sp>
+        <p:nvSpPr>
+          <p:cNvPr id="154" name="PlaceHolder 1"/>
+          <p:cNvSpPr>
+            <a:spLocks noGrp="1"/>
+          </p:cNvSpPr>
+          <p:nvPr>
+            <p:ph type="title"/>
+          </p:nvPr>
+        </p:nvSpPr>
+        <p:spPr>
+          <a:xfrm>
+            <a:off x="457200" y="205200"/>
+            <a:ext cx="8229240" cy="858600"/>
+          </a:xfrm>
+          <a:prstGeom prst="rect">
+            <a:avLst/>
+          </a:prstGeom>
+        </p:spPr>
+        <p:txBody>
+          <a:bodyPr lIns="0" rIns="0" tIns="0" bIns="0" anchor="ctr"/>
+          <a:p>
+            <a:pPr algn="ctr"/>
+            <a:endParaRPr b="0" lang="en-US" sz="4400" spc="-1" strike="noStrike">
+              <a:latin typeface="Arial"/>
+            </a:endParaRPr>
+          </a:p>
+        </p:txBody>
+      </p:sp>
+      <p:sp>
+        <p:nvSpPr>
+          <p:cNvPr id="155" name="PlaceHolder 2"/>
+          <p:cNvSpPr>
+            <a:spLocks noGrp="1"/>
+          </p:cNvSpPr>
+          <p:nvPr>
+            <p:ph type="body"/>
+          </p:nvPr>
+        </p:nvSpPr>
+        <p:spPr>
+          <a:xfrm>
+            <a:off x="457200" y="1203480"/>
+            <a:ext cx="2649600" cy="1422720"/>
+          </a:xfrm>
+          <a:prstGeom prst="rect">
+            <a:avLst/>
+          </a:prstGeom>
+        </p:spPr>
+        <p:txBody>
+          <a:bodyPr lIns="0" rIns="0" tIns="0" bIns="0">
+            <a:normAutofit/>
+          </a:bodyPr>
+          <a:p>
+            <a:endParaRPr b="0" lang="en-US" sz="3200" spc="-1" strike="noStrike">
+              <a:latin typeface="Arial"/>
+            </a:endParaRPr>
+          </a:p>
+        </p:txBody>
+      </p:sp>
+      <p:sp>
+        <p:nvSpPr>
+          <p:cNvPr id="156" name="PlaceHolder 3"/>
+          <p:cNvSpPr>
+            <a:spLocks noGrp="1"/>
+          </p:cNvSpPr>
+          <p:nvPr>
+            <p:ph type="body"/>
+          </p:nvPr>
+        </p:nvSpPr>
+        <p:spPr>
+          <a:xfrm>
+            <a:off x="3239640" y="1203480"/>
+            <a:ext cx="2649600" cy="1422720"/>
+          </a:xfrm>
+          <a:prstGeom prst="rect">
+            <a:avLst/>
+          </a:prstGeom>
+        </p:spPr>
+        <p:txBody>
+          <a:bodyPr lIns="0" rIns="0" tIns="0" bIns="0">
+            <a:normAutofit/>
+          </a:bodyPr>
+          <a:p>
+            <a:endParaRPr b="0" lang="en-US" sz="3200" spc="-1" strike="noStrike">
+              <a:latin typeface="Arial"/>
+            </a:endParaRPr>
+          </a:p>
+        </p:txBody>
+      </p:sp>
+      <p:sp>
+        <p:nvSpPr>
+          <p:cNvPr id="157" name="PlaceHolder 4"/>
+          <p:cNvSpPr>
+            <a:spLocks noGrp="1"/>
+          </p:cNvSpPr>
+          <p:nvPr>
+            <p:ph type="body"/>
+          </p:nvPr>
+        </p:nvSpPr>
+        <p:spPr>
+          <a:xfrm>
+            <a:off x="6022080" y="1203480"/>
+            <a:ext cx="2649600" cy="1422720"/>
+          </a:xfrm>
+          <a:prstGeom prst="rect">
+            <a:avLst/>
+          </a:prstGeom>
+        </p:spPr>
+        <p:txBody>
+          <a:bodyPr lIns="0" rIns="0" tIns="0" bIns="0">
+            <a:normAutofit/>
+          </a:bodyPr>
+          <a:p>
+            <a:endParaRPr b="0" lang="en-US" sz="3200" spc="-1" strike="noStrike">
+              <a:latin typeface="Arial"/>
+            </a:endParaRPr>
+          </a:p>
+        </p:txBody>
+      </p:sp>
+      <p:sp>
+        <p:nvSpPr>
+          <p:cNvPr id="158" name="PlaceHolder 5"/>
+          <p:cNvSpPr>
+            <a:spLocks noGrp="1"/>
+          </p:cNvSpPr>
+          <p:nvPr>
+            <p:ph type="body"/>
+          </p:nvPr>
+        </p:nvSpPr>
+        <p:spPr>
+          <a:xfrm>
+            <a:off x="457200" y="2761920"/>
+            <a:ext cx="2649600" cy="1422720"/>
+          </a:xfrm>
+          <a:prstGeom prst="rect">
+            <a:avLst/>
+          </a:prstGeom>
+        </p:spPr>
+        <p:txBody>
+          <a:bodyPr lIns="0" rIns="0" tIns="0" bIns="0">
+            <a:normAutofit/>
+          </a:bodyPr>
+          <a:p>
+            <a:endParaRPr b="0" lang="en-US" sz="3200" spc="-1" strike="noStrike">
+              <a:latin typeface="Arial"/>
+            </a:endParaRPr>
+          </a:p>
+        </p:txBody>
+      </p:sp>
+      <p:sp>
+        <p:nvSpPr>
+          <p:cNvPr id="159" name="PlaceHolder 6"/>
+          <p:cNvSpPr>
+            <a:spLocks noGrp="1"/>
+          </p:cNvSpPr>
+          <p:nvPr>
+            <p:ph type="body"/>
+          </p:nvPr>
+        </p:nvSpPr>
+        <p:spPr>
+          <a:xfrm>
+            <a:off x="3239640" y="2761920"/>
+            <a:ext cx="2649600" cy="1422720"/>
+          </a:xfrm>
+          <a:prstGeom prst="rect">
+            <a:avLst/>
+          </a:prstGeom>
+        </p:spPr>
+        <p:txBody>
+          <a:bodyPr lIns="0" rIns="0" tIns="0" bIns="0">
+            <a:normAutofit/>
+          </a:bodyPr>
+          <a:p>
+            <a:endParaRPr b="0" lang="en-US" sz="3200" spc="-1" strike="noStrike">
+              <a:latin typeface="Arial"/>
+            </a:endParaRPr>
+          </a:p>
+        </p:txBody>
+      </p:sp>
+      <p:sp>
+        <p:nvSpPr>
+          <p:cNvPr id="160" name="PlaceHolder 7"/>
+          <p:cNvSpPr>
+            <a:spLocks noGrp="1"/>
+          </p:cNvSpPr>
+          <p:nvPr>
+            <p:ph type="body"/>
+          </p:nvPr>
+        </p:nvSpPr>
+        <p:spPr>
+          <a:xfrm>
+            <a:off x="6022080" y="2761920"/>
+            <a:ext cx="2649600" cy="1422720"/>
+          </a:xfrm>
+          <a:prstGeom prst="rect">
+            <a:avLst/>
+          </a:prstGeom>
+        </p:spPr>
+        <p:txBody>
+          <a:bodyPr lIns="0" rIns="0" tIns="0" bIns="0">
+            <a:normAutofit/>
+          </a:bodyPr>
+          <a:p>
+            <a:endParaRPr b="0" lang="en-US" sz="3200" spc="-1" strike="noStrike">
+              <a:latin typeface="Arial"/>
+            </a:endParaRPr>
+          </a:p>
+        </p:txBody>
+      </p:sp>
+    </p:spTree>
+  </p:cSld>
+</p:sldLayout>
+</file>
+
+<file path=ppt/slideLayouts/slideLayout49.xml><?xml version="1.0" encoding="utf-8"?>
+<p:sldLayout xmlns:a="http://schemas.openxmlformats.org/drawingml/2006/main" xmlns:p="http://schemas.openxmlformats.org/presentationml/2006/main" xmlns:r="http://schemas.openxmlformats.org/officeDocument/2006/relationships" xmlns:p14="http://schemas.microsoft.com/office/powerpoint/2010/main" xmlns:p15="http://schemas.microsoft.com/office/powerpoint/2012/main" xmlns:mc="http://schemas.openxmlformats.org/markup-compatibility/2006" type="blank" preserve="1">
+  <p:cSld name="Blank Slide">
+    <p:spTree>
+      <p:nvGrpSpPr>
+        <p:cNvPr id="1" name=""/>
+        <p:cNvGrpSpPr/>
+        <p:nvPr/>
+      </p:nvGrpSpPr>
+      <p:grpSpPr>
+        <a:xfrm>
+          <a:off x="0" y="0"/>
+          <a:ext cx="0" cy="0"/>
+          <a:chOff x="0" y="0"/>
+          <a:chExt cx="0" cy="0"/>
+        </a:xfrm>
+      </p:grpSpPr>
     </p:spTree>
   </p:cSld>
 </p:sldLayout>
@@ -3751,7 +4866,7 @@
       </p:grpSpPr>
       <p:sp>
         <p:nvSpPr>
-          <p:cNvPr id="12" name="PlaceHolder 1"/>
+          <p:cNvPr id="11" name="PlaceHolder 1"/>
           <p:cNvSpPr>
             <a:spLocks noGrp="1"/>
           </p:cNvSpPr>
@@ -3761,8 +4876,8 @@
         </p:nvSpPr>
         <p:spPr>
           <a:xfrm>
-            <a:off x="460800" y="2065320"/>
-            <a:ext cx="8221680" cy="1012320"/>
+            <a:off x="457200" y="205200"/>
+            <a:ext cx="8229240" cy="858600"/>
           </a:xfrm>
           <a:prstGeom prst="rect">
             <a:avLst/>
@@ -3771,10 +4886,1087 @@
         <p:txBody>
           <a:bodyPr lIns="0" rIns="0" tIns="0" bIns="0" anchor="ctr"/>
           <a:p>
-            <a:endParaRPr b="0" lang="en-US" sz="1400" spc="-1" strike="noStrike">
-              <a:solidFill>
-                <a:srgbClr val="000000"/>
-              </a:solidFill>
+            <a:pPr algn="ctr"/>
+            <a:endParaRPr b="0" lang="en-US" sz="4400" spc="-1" strike="noStrike">
+              <a:latin typeface="Arial"/>
+            </a:endParaRPr>
+          </a:p>
+        </p:txBody>
+      </p:sp>
+    </p:spTree>
+  </p:cSld>
+</p:sldLayout>
+</file>
+
+<file path=ppt/slideLayouts/slideLayout50.xml><?xml version="1.0" encoding="utf-8"?>
+<p:sldLayout xmlns:a="http://schemas.openxmlformats.org/drawingml/2006/main" xmlns:p="http://schemas.openxmlformats.org/presentationml/2006/main" xmlns:r="http://schemas.openxmlformats.org/officeDocument/2006/relationships" xmlns:p14="http://schemas.microsoft.com/office/powerpoint/2010/main" xmlns:p15="http://schemas.microsoft.com/office/powerpoint/2012/main" xmlns:mc="http://schemas.openxmlformats.org/markup-compatibility/2006" type="tx" preserve="1">
+  <p:cSld name="Title Slide">
+    <p:spTree>
+      <p:nvGrpSpPr>
+        <p:cNvPr id="1" name=""/>
+        <p:cNvGrpSpPr/>
+        <p:nvPr/>
+      </p:nvGrpSpPr>
+      <p:grpSpPr>
+        <a:xfrm>
+          <a:off x="0" y="0"/>
+          <a:ext cx="0" cy="0"/>
+          <a:chOff x="0" y="0"/>
+          <a:chExt cx="0" cy="0"/>
+        </a:xfrm>
+      </p:grpSpPr>
+      <p:sp>
+        <p:nvSpPr>
+          <p:cNvPr id="163" name="PlaceHolder 1"/>
+          <p:cNvSpPr>
+            <a:spLocks noGrp="1"/>
+          </p:cNvSpPr>
+          <p:nvPr>
+            <p:ph type="title"/>
+          </p:nvPr>
+        </p:nvSpPr>
+        <p:spPr>
+          <a:xfrm>
+            <a:off x="457200" y="205200"/>
+            <a:ext cx="8229240" cy="858600"/>
+          </a:xfrm>
+          <a:prstGeom prst="rect">
+            <a:avLst/>
+          </a:prstGeom>
+        </p:spPr>
+        <p:txBody>
+          <a:bodyPr lIns="0" rIns="0" tIns="0" bIns="0" anchor="ctr"/>
+          <a:p>
+            <a:pPr algn="ctr"/>
+            <a:endParaRPr b="0" lang="en-US" sz="4400" spc="-1" strike="noStrike">
+              <a:latin typeface="Arial"/>
+            </a:endParaRPr>
+          </a:p>
+        </p:txBody>
+      </p:sp>
+      <p:sp>
+        <p:nvSpPr>
+          <p:cNvPr id="164" name="PlaceHolder 2"/>
+          <p:cNvSpPr>
+            <a:spLocks noGrp="1"/>
+          </p:cNvSpPr>
+          <p:nvPr>
+            <p:ph type="subTitle"/>
+          </p:nvPr>
+        </p:nvSpPr>
+        <p:spPr>
+          <a:xfrm>
+            <a:off x="457200" y="1203480"/>
+            <a:ext cx="8229240" cy="2982960"/>
+          </a:xfrm>
+          <a:prstGeom prst="rect">
+            <a:avLst/>
+          </a:prstGeom>
+        </p:spPr>
+        <p:txBody>
+          <a:bodyPr lIns="0" rIns="0" tIns="0" bIns="0" anchor="ctr"/>
+          <a:p>
+            <a:pPr algn="ctr"/>
+            <a:endParaRPr b="0" lang="en-US" sz="3200" spc="-1" strike="noStrike">
+              <a:latin typeface="Arial"/>
+            </a:endParaRPr>
+          </a:p>
+        </p:txBody>
+      </p:sp>
+    </p:spTree>
+  </p:cSld>
+</p:sldLayout>
+</file>
+
+<file path=ppt/slideLayouts/slideLayout51.xml><?xml version="1.0" encoding="utf-8"?>
+<p:sldLayout xmlns:a="http://schemas.openxmlformats.org/drawingml/2006/main" xmlns:p="http://schemas.openxmlformats.org/presentationml/2006/main" xmlns:r="http://schemas.openxmlformats.org/officeDocument/2006/relationships" xmlns:p14="http://schemas.microsoft.com/office/powerpoint/2010/main" xmlns:p15="http://schemas.microsoft.com/office/powerpoint/2012/main" xmlns:mc="http://schemas.openxmlformats.org/markup-compatibility/2006" type="obj" preserve="1">
+  <p:cSld name="Title, Content">
+    <p:spTree>
+      <p:nvGrpSpPr>
+        <p:cNvPr id="1" name=""/>
+        <p:cNvGrpSpPr/>
+        <p:nvPr/>
+      </p:nvGrpSpPr>
+      <p:grpSpPr>
+        <a:xfrm>
+          <a:off x="0" y="0"/>
+          <a:ext cx="0" cy="0"/>
+          <a:chOff x="0" y="0"/>
+          <a:chExt cx="0" cy="0"/>
+        </a:xfrm>
+      </p:grpSpPr>
+      <p:sp>
+        <p:nvSpPr>
+          <p:cNvPr id="165" name="PlaceHolder 1"/>
+          <p:cNvSpPr>
+            <a:spLocks noGrp="1"/>
+          </p:cNvSpPr>
+          <p:nvPr>
+            <p:ph type="title"/>
+          </p:nvPr>
+        </p:nvSpPr>
+        <p:spPr>
+          <a:xfrm>
+            <a:off x="457200" y="205200"/>
+            <a:ext cx="8229240" cy="858600"/>
+          </a:xfrm>
+          <a:prstGeom prst="rect">
+            <a:avLst/>
+          </a:prstGeom>
+        </p:spPr>
+        <p:txBody>
+          <a:bodyPr lIns="0" rIns="0" tIns="0" bIns="0" anchor="ctr"/>
+          <a:p>
+            <a:pPr algn="ctr"/>
+            <a:endParaRPr b="0" lang="en-US" sz="4400" spc="-1" strike="noStrike">
+              <a:latin typeface="Arial"/>
+            </a:endParaRPr>
+          </a:p>
+        </p:txBody>
+      </p:sp>
+      <p:sp>
+        <p:nvSpPr>
+          <p:cNvPr id="166" name="PlaceHolder 2"/>
+          <p:cNvSpPr>
+            <a:spLocks noGrp="1"/>
+          </p:cNvSpPr>
+          <p:nvPr>
+            <p:ph type="body"/>
+          </p:nvPr>
+        </p:nvSpPr>
+        <p:spPr>
+          <a:xfrm>
+            <a:off x="457200" y="1203480"/>
+            <a:ext cx="8229240" cy="2982960"/>
+          </a:xfrm>
+          <a:prstGeom prst="rect">
+            <a:avLst/>
+          </a:prstGeom>
+        </p:spPr>
+        <p:txBody>
+          <a:bodyPr lIns="0" rIns="0" tIns="0" bIns="0">
+            <a:normAutofit/>
+          </a:bodyPr>
+          <a:p>
+            <a:endParaRPr b="0" lang="en-US" sz="3200" spc="-1" strike="noStrike">
+              <a:latin typeface="Arial"/>
+            </a:endParaRPr>
+          </a:p>
+        </p:txBody>
+      </p:sp>
+    </p:spTree>
+  </p:cSld>
+</p:sldLayout>
+</file>
+
+<file path=ppt/slideLayouts/slideLayout52.xml><?xml version="1.0" encoding="utf-8"?>
+<p:sldLayout xmlns:a="http://schemas.openxmlformats.org/drawingml/2006/main" xmlns:p="http://schemas.openxmlformats.org/presentationml/2006/main" xmlns:r="http://schemas.openxmlformats.org/officeDocument/2006/relationships" xmlns:p14="http://schemas.microsoft.com/office/powerpoint/2010/main" xmlns:p15="http://schemas.microsoft.com/office/powerpoint/2012/main" xmlns:mc="http://schemas.openxmlformats.org/markup-compatibility/2006" type="twoObj" preserve="1">
+  <p:cSld name="Title, 2 Content">
+    <p:spTree>
+      <p:nvGrpSpPr>
+        <p:cNvPr id="1" name=""/>
+        <p:cNvGrpSpPr/>
+        <p:nvPr/>
+      </p:nvGrpSpPr>
+      <p:grpSpPr>
+        <a:xfrm>
+          <a:off x="0" y="0"/>
+          <a:ext cx="0" cy="0"/>
+          <a:chOff x="0" y="0"/>
+          <a:chExt cx="0" cy="0"/>
+        </a:xfrm>
+      </p:grpSpPr>
+      <p:sp>
+        <p:nvSpPr>
+          <p:cNvPr id="167" name="PlaceHolder 1"/>
+          <p:cNvSpPr>
+            <a:spLocks noGrp="1"/>
+          </p:cNvSpPr>
+          <p:nvPr>
+            <p:ph type="title"/>
+          </p:nvPr>
+        </p:nvSpPr>
+        <p:spPr>
+          <a:xfrm>
+            <a:off x="457200" y="205200"/>
+            <a:ext cx="8229240" cy="858600"/>
+          </a:xfrm>
+          <a:prstGeom prst="rect">
+            <a:avLst/>
+          </a:prstGeom>
+        </p:spPr>
+        <p:txBody>
+          <a:bodyPr lIns="0" rIns="0" tIns="0" bIns="0" anchor="ctr"/>
+          <a:p>
+            <a:pPr algn="ctr"/>
+            <a:endParaRPr b="0" lang="en-US" sz="4400" spc="-1" strike="noStrike">
+              <a:latin typeface="Arial"/>
+            </a:endParaRPr>
+          </a:p>
+        </p:txBody>
+      </p:sp>
+      <p:sp>
+        <p:nvSpPr>
+          <p:cNvPr id="168" name="PlaceHolder 2"/>
+          <p:cNvSpPr>
+            <a:spLocks noGrp="1"/>
+          </p:cNvSpPr>
+          <p:nvPr>
+            <p:ph type="body"/>
+          </p:nvPr>
+        </p:nvSpPr>
+        <p:spPr>
+          <a:xfrm>
+            <a:off x="457200" y="1203480"/>
+            <a:ext cx="4015800" cy="2982960"/>
+          </a:xfrm>
+          <a:prstGeom prst="rect">
+            <a:avLst/>
+          </a:prstGeom>
+        </p:spPr>
+        <p:txBody>
+          <a:bodyPr lIns="0" rIns="0" tIns="0" bIns="0">
+            <a:normAutofit/>
+          </a:bodyPr>
+          <a:p>
+            <a:endParaRPr b="0" lang="en-US" sz="3200" spc="-1" strike="noStrike">
+              <a:latin typeface="Arial"/>
+            </a:endParaRPr>
+          </a:p>
+        </p:txBody>
+      </p:sp>
+      <p:sp>
+        <p:nvSpPr>
+          <p:cNvPr id="169" name="PlaceHolder 3"/>
+          <p:cNvSpPr>
+            <a:spLocks noGrp="1"/>
+          </p:cNvSpPr>
+          <p:nvPr>
+            <p:ph type="body"/>
+          </p:nvPr>
+        </p:nvSpPr>
+        <p:spPr>
+          <a:xfrm>
+            <a:off x="4674240" y="1203480"/>
+            <a:ext cx="4015800" cy="2982960"/>
+          </a:xfrm>
+          <a:prstGeom prst="rect">
+            <a:avLst/>
+          </a:prstGeom>
+        </p:spPr>
+        <p:txBody>
+          <a:bodyPr lIns="0" rIns="0" tIns="0" bIns="0">
+            <a:normAutofit/>
+          </a:bodyPr>
+          <a:p>
+            <a:endParaRPr b="0" lang="en-US" sz="3200" spc="-1" strike="noStrike">
+              <a:latin typeface="Arial"/>
+            </a:endParaRPr>
+          </a:p>
+        </p:txBody>
+      </p:sp>
+    </p:spTree>
+  </p:cSld>
+</p:sldLayout>
+</file>
+
+<file path=ppt/slideLayouts/slideLayout53.xml><?xml version="1.0" encoding="utf-8"?>
+<p:sldLayout xmlns:a="http://schemas.openxmlformats.org/drawingml/2006/main" xmlns:p="http://schemas.openxmlformats.org/presentationml/2006/main" xmlns:r="http://schemas.openxmlformats.org/officeDocument/2006/relationships" xmlns:p14="http://schemas.microsoft.com/office/powerpoint/2010/main" xmlns:p15="http://schemas.microsoft.com/office/powerpoint/2012/main" xmlns:mc="http://schemas.openxmlformats.org/markup-compatibility/2006" type="titleOnly" preserve="1">
+  <p:cSld name="Title Only">
+    <p:spTree>
+      <p:nvGrpSpPr>
+        <p:cNvPr id="1" name=""/>
+        <p:cNvGrpSpPr/>
+        <p:nvPr/>
+      </p:nvGrpSpPr>
+      <p:grpSpPr>
+        <a:xfrm>
+          <a:off x="0" y="0"/>
+          <a:ext cx="0" cy="0"/>
+          <a:chOff x="0" y="0"/>
+          <a:chExt cx="0" cy="0"/>
+        </a:xfrm>
+      </p:grpSpPr>
+      <p:sp>
+        <p:nvSpPr>
+          <p:cNvPr id="170" name="PlaceHolder 1"/>
+          <p:cNvSpPr>
+            <a:spLocks noGrp="1"/>
+          </p:cNvSpPr>
+          <p:nvPr>
+            <p:ph type="title"/>
+          </p:nvPr>
+        </p:nvSpPr>
+        <p:spPr>
+          <a:xfrm>
+            <a:off x="457200" y="205200"/>
+            <a:ext cx="8229240" cy="858600"/>
+          </a:xfrm>
+          <a:prstGeom prst="rect">
+            <a:avLst/>
+          </a:prstGeom>
+        </p:spPr>
+        <p:txBody>
+          <a:bodyPr lIns="0" rIns="0" tIns="0" bIns="0" anchor="ctr"/>
+          <a:p>
+            <a:pPr algn="ctr"/>
+            <a:endParaRPr b="0" lang="en-US" sz="4400" spc="-1" strike="noStrike">
+              <a:latin typeface="Arial"/>
+            </a:endParaRPr>
+          </a:p>
+        </p:txBody>
+      </p:sp>
+    </p:spTree>
+  </p:cSld>
+</p:sldLayout>
+</file>
+
+<file path=ppt/slideLayouts/slideLayout54.xml><?xml version="1.0" encoding="utf-8"?>
+<p:sldLayout xmlns:a="http://schemas.openxmlformats.org/drawingml/2006/main" xmlns:p="http://schemas.openxmlformats.org/presentationml/2006/main" xmlns:r="http://schemas.openxmlformats.org/officeDocument/2006/relationships" xmlns:p14="http://schemas.microsoft.com/office/powerpoint/2010/main" xmlns:p15="http://schemas.microsoft.com/office/powerpoint/2012/main" xmlns:mc="http://schemas.openxmlformats.org/markup-compatibility/2006" type="objOnly" preserve="1">
+  <p:cSld name="Centered Text">
+    <p:spTree>
+      <p:nvGrpSpPr>
+        <p:cNvPr id="1" name=""/>
+        <p:cNvGrpSpPr/>
+        <p:nvPr/>
+      </p:nvGrpSpPr>
+      <p:grpSpPr>
+        <a:xfrm>
+          <a:off x="0" y="0"/>
+          <a:ext cx="0" cy="0"/>
+          <a:chOff x="0" y="0"/>
+          <a:chExt cx="0" cy="0"/>
+        </a:xfrm>
+      </p:grpSpPr>
+      <p:sp>
+        <p:nvSpPr>
+          <p:cNvPr id="171" name="PlaceHolder 1"/>
+          <p:cNvSpPr>
+            <a:spLocks noGrp="1"/>
+          </p:cNvSpPr>
+          <p:nvPr>
+            <p:ph type="subTitle"/>
+          </p:nvPr>
+        </p:nvSpPr>
+        <p:spPr>
+          <a:xfrm>
+            <a:off x="457200" y="205200"/>
+            <a:ext cx="8229240" cy="3981240"/>
+          </a:xfrm>
+          <a:prstGeom prst="rect">
+            <a:avLst/>
+          </a:prstGeom>
+        </p:spPr>
+        <p:txBody>
+          <a:bodyPr lIns="0" rIns="0" tIns="0" bIns="0" anchor="ctr"/>
+          <a:p>
+            <a:pPr algn="ctr"/>
+            <a:endParaRPr b="0" lang="en-US" sz="3200" spc="-1" strike="noStrike">
+              <a:latin typeface="Arial"/>
+            </a:endParaRPr>
+          </a:p>
+        </p:txBody>
+      </p:sp>
+    </p:spTree>
+  </p:cSld>
+</p:sldLayout>
+</file>
+
+<file path=ppt/slideLayouts/slideLayout55.xml><?xml version="1.0" encoding="utf-8"?>
+<p:sldLayout xmlns:a="http://schemas.openxmlformats.org/drawingml/2006/main" xmlns:p="http://schemas.openxmlformats.org/presentationml/2006/main" xmlns:r="http://schemas.openxmlformats.org/officeDocument/2006/relationships" xmlns:p14="http://schemas.microsoft.com/office/powerpoint/2010/main" xmlns:p15="http://schemas.microsoft.com/office/powerpoint/2012/main" xmlns:mc="http://schemas.openxmlformats.org/markup-compatibility/2006" type="twoObjAndObj" preserve="1">
+  <p:cSld name="Title, 2 Content and Content">
+    <p:spTree>
+      <p:nvGrpSpPr>
+        <p:cNvPr id="1" name=""/>
+        <p:cNvGrpSpPr/>
+        <p:nvPr/>
+      </p:nvGrpSpPr>
+      <p:grpSpPr>
+        <a:xfrm>
+          <a:off x="0" y="0"/>
+          <a:ext cx="0" cy="0"/>
+          <a:chOff x="0" y="0"/>
+          <a:chExt cx="0" cy="0"/>
+        </a:xfrm>
+      </p:grpSpPr>
+      <p:sp>
+        <p:nvSpPr>
+          <p:cNvPr id="172" name="PlaceHolder 1"/>
+          <p:cNvSpPr>
+            <a:spLocks noGrp="1"/>
+          </p:cNvSpPr>
+          <p:nvPr>
+            <p:ph type="title"/>
+          </p:nvPr>
+        </p:nvSpPr>
+        <p:spPr>
+          <a:xfrm>
+            <a:off x="457200" y="205200"/>
+            <a:ext cx="8229240" cy="858600"/>
+          </a:xfrm>
+          <a:prstGeom prst="rect">
+            <a:avLst/>
+          </a:prstGeom>
+        </p:spPr>
+        <p:txBody>
+          <a:bodyPr lIns="0" rIns="0" tIns="0" bIns="0" anchor="ctr"/>
+          <a:p>
+            <a:pPr algn="ctr"/>
+            <a:endParaRPr b="0" lang="en-US" sz="4400" spc="-1" strike="noStrike">
+              <a:latin typeface="Arial"/>
+            </a:endParaRPr>
+          </a:p>
+        </p:txBody>
+      </p:sp>
+      <p:sp>
+        <p:nvSpPr>
+          <p:cNvPr id="173" name="PlaceHolder 2"/>
+          <p:cNvSpPr>
+            <a:spLocks noGrp="1"/>
+          </p:cNvSpPr>
+          <p:nvPr>
+            <p:ph type="body"/>
+          </p:nvPr>
+        </p:nvSpPr>
+        <p:spPr>
+          <a:xfrm>
+            <a:off x="457200" y="1203480"/>
+            <a:ext cx="4015800" cy="1422720"/>
+          </a:xfrm>
+          <a:prstGeom prst="rect">
+            <a:avLst/>
+          </a:prstGeom>
+        </p:spPr>
+        <p:txBody>
+          <a:bodyPr lIns="0" rIns="0" tIns="0" bIns="0">
+            <a:normAutofit/>
+          </a:bodyPr>
+          <a:p>
+            <a:endParaRPr b="0" lang="en-US" sz="3200" spc="-1" strike="noStrike">
+              <a:latin typeface="Arial"/>
+            </a:endParaRPr>
+          </a:p>
+        </p:txBody>
+      </p:sp>
+      <p:sp>
+        <p:nvSpPr>
+          <p:cNvPr id="174" name="PlaceHolder 3"/>
+          <p:cNvSpPr>
+            <a:spLocks noGrp="1"/>
+          </p:cNvSpPr>
+          <p:nvPr>
+            <p:ph type="body"/>
+          </p:nvPr>
+        </p:nvSpPr>
+        <p:spPr>
+          <a:xfrm>
+            <a:off x="4674240" y="1203480"/>
+            <a:ext cx="4015800" cy="2982960"/>
+          </a:xfrm>
+          <a:prstGeom prst="rect">
+            <a:avLst/>
+          </a:prstGeom>
+        </p:spPr>
+        <p:txBody>
+          <a:bodyPr lIns="0" rIns="0" tIns="0" bIns="0">
+            <a:normAutofit/>
+          </a:bodyPr>
+          <a:p>
+            <a:endParaRPr b="0" lang="en-US" sz="3200" spc="-1" strike="noStrike">
+              <a:latin typeface="Arial"/>
+            </a:endParaRPr>
+          </a:p>
+        </p:txBody>
+      </p:sp>
+      <p:sp>
+        <p:nvSpPr>
+          <p:cNvPr id="175" name="PlaceHolder 4"/>
+          <p:cNvSpPr>
+            <a:spLocks noGrp="1"/>
+          </p:cNvSpPr>
+          <p:nvPr>
+            <p:ph type="body"/>
+          </p:nvPr>
+        </p:nvSpPr>
+        <p:spPr>
+          <a:xfrm>
+            <a:off x="457200" y="2761920"/>
+            <a:ext cx="4015800" cy="1422720"/>
+          </a:xfrm>
+          <a:prstGeom prst="rect">
+            <a:avLst/>
+          </a:prstGeom>
+        </p:spPr>
+        <p:txBody>
+          <a:bodyPr lIns="0" rIns="0" tIns="0" bIns="0">
+            <a:normAutofit/>
+          </a:bodyPr>
+          <a:p>
+            <a:endParaRPr b="0" lang="en-US" sz="3200" spc="-1" strike="noStrike">
+              <a:latin typeface="Arial"/>
+            </a:endParaRPr>
+          </a:p>
+        </p:txBody>
+      </p:sp>
+    </p:spTree>
+  </p:cSld>
+</p:sldLayout>
+</file>
+
+<file path=ppt/slideLayouts/slideLayout56.xml><?xml version="1.0" encoding="utf-8"?>
+<p:sldLayout xmlns:a="http://schemas.openxmlformats.org/drawingml/2006/main" xmlns:p="http://schemas.openxmlformats.org/presentationml/2006/main" xmlns:r="http://schemas.openxmlformats.org/officeDocument/2006/relationships" xmlns:p14="http://schemas.microsoft.com/office/powerpoint/2010/main" xmlns:p15="http://schemas.microsoft.com/office/powerpoint/2012/main" xmlns:mc="http://schemas.openxmlformats.org/markup-compatibility/2006" type="objAndTwoObj" preserve="1">
+  <p:cSld name="Title Content and 2 Content">
+    <p:spTree>
+      <p:nvGrpSpPr>
+        <p:cNvPr id="1" name=""/>
+        <p:cNvGrpSpPr/>
+        <p:nvPr/>
+      </p:nvGrpSpPr>
+      <p:grpSpPr>
+        <a:xfrm>
+          <a:off x="0" y="0"/>
+          <a:ext cx="0" cy="0"/>
+          <a:chOff x="0" y="0"/>
+          <a:chExt cx="0" cy="0"/>
+        </a:xfrm>
+      </p:grpSpPr>
+      <p:sp>
+        <p:nvSpPr>
+          <p:cNvPr id="176" name="PlaceHolder 1"/>
+          <p:cNvSpPr>
+            <a:spLocks noGrp="1"/>
+          </p:cNvSpPr>
+          <p:nvPr>
+            <p:ph type="title"/>
+          </p:nvPr>
+        </p:nvSpPr>
+        <p:spPr>
+          <a:xfrm>
+            <a:off x="457200" y="205200"/>
+            <a:ext cx="8229240" cy="858600"/>
+          </a:xfrm>
+          <a:prstGeom prst="rect">
+            <a:avLst/>
+          </a:prstGeom>
+        </p:spPr>
+        <p:txBody>
+          <a:bodyPr lIns="0" rIns="0" tIns="0" bIns="0" anchor="ctr"/>
+          <a:p>
+            <a:pPr algn="ctr"/>
+            <a:endParaRPr b="0" lang="en-US" sz="4400" spc="-1" strike="noStrike">
+              <a:latin typeface="Arial"/>
+            </a:endParaRPr>
+          </a:p>
+        </p:txBody>
+      </p:sp>
+      <p:sp>
+        <p:nvSpPr>
+          <p:cNvPr id="177" name="PlaceHolder 2"/>
+          <p:cNvSpPr>
+            <a:spLocks noGrp="1"/>
+          </p:cNvSpPr>
+          <p:nvPr>
+            <p:ph type="body"/>
+          </p:nvPr>
+        </p:nvSpPr>
+        <p:spPr>
+          <a:xfrm>
+            <a:off x="457200" y="1203480"/>
+            <a:ext cx="4015800" cy="2982960"/>
+          </a:xfrm>
+          <a:prstGeom prst="rect">
+            <a:avLst/>
+          </a:prstGeom>
+        </p:spPr>
+        <p:txBody>
+          <a:bodyPr lIns="0" rIns="0" tIns="0" bIns="0">
+            <a:normAutofit/>
+          </a:bodyPr>
+          <a:p>
+            <a:endParaRPr b="0" lang="en-US" sz="3200" spc="-1" strike="noStrike">
+              <a:latin typeface="Arial"/>
+            </a:endParaRPr>
+          </a:p>
+        </p:txBody>
+      </p:sp>
+      <p:sp>
+        <p:nvSpPr>
+          <p:cNvPr id="178" name="PlaceHolder 3"/>
+          <p:cNvSpPr>
+            <a:spLocks noGrp="1"/>
+          </p:cNvSpPr>
+          <p:nvPr>
+            <p:ph type="body"/>
+          </p:nvPr>
+        </p:nvSpPr>
+        <p:spPr>
+          <a:xfrm>
+            <a:off x="4674240" y="1203480"/>
+            <a:ext cx="4015800" cy="1422720"/>
+          </a:xfrm>
+          <a:prstGeom prst="rect">
+            <a:avLst/>
+          </a:prstGeom>
+        </p:spPr>
+        <p:txBody>
+          <a:bodyPr lIns="0" rIns="0" tIns="0" bIns="0">
+            <a:normAutofit/>
+          </a:bodyPr>
+          <a:p>
+            <a:endParaRPr b="0" lang="en-US" sz="3200" spc="-1" strike="noStrike">
+              <a:latin typeface="Arial"/>
+            </a:endParaRPr>
+          </a:p>
+        </p:txBody>
+      </p:sp>
+      <p:sp>
+        <p:nvSpPr>
+          <p:cNvPr id="179" name="PlaceHolder 4"/>
+          <p:cNvSpPr>
+            <a:spLocks noGrp="1"/>
+          </p:cNvSpPr>
+          <p:nvPr>
+            <p:ph type="body"/>
+          </p:nvPr>
+        </p:nvSpPr>
+        <p:spPr>
+          <a:xfrm>
+            <a:off x="4674240" y="2761920"/>
+            <a:ext cx="4015800" cy="1422720"/>
+          </a:xfrm>
+          <a:prstGeom prst="rect">
+            <a:avLst/>
+          </a:prstGeom>
+        </p:spPr>
+        <p:txBody>
+          <a:bodyPr lIns="0" rIns="0" tIns="0" bIns="0">
+            <a:normAutofit/>
+          </a:bodyPr>
+          <a:p>
+            <a:endParaRPr b="0" lang="en-US" sz="3200" spc="-1" strike="noStrike">
+              <a:latin typeface="Arial"/>
+            </a:endParaRPr>
+          </a:p>
+        </p:txBody>
+      </p:sp>
+    </p:spTree>
+  </p:cSld>
+</p:sldLayout>
+</file>
+
+<file path=ppt/slideLayouts/slideLayout57.xml><?xml version="1.0" encoding="utf-8"?>
+<p:sldLayout xmlns:a="http://schemas.openxmlformats.org/drawingml/2006/main" xmlns:p="http://schemas.openxmlformats.org/presentationml/2006/main" xmlns:r="http://schemas.openxmlformats.org/officeDocument/2006/relationships" xmlns:p14="http://schemas.microsoft.com/office/powerpoint/2010/main" xmlns:p15="http://schemas.microsoft.com/office/powerpoint/2012/main" xmlns:mc="http://schemas.openxmlformats.org/markup-compatibility/2006" type="twoObjOverTx" preserve="1">
+  <p:cSld name="Title, 2 Content over Content">
+    <p:spTree>
+      <p:nvGrpSpPr>
+        <p:cNvPr id="1" name=""/>
+        <p:cNvGrpSpPr/>
+        <p:nvPr/>
+      </p:nvGrpSpPr>
+      <p:grpSpPr>
+        <a:xfrm>
+          <a:off x="0" y="0"/>
+          <a:ext cx="0" cy="0"/>
+          <a:chOff x="0" y="0"/>
+          <a:chExt cx="0" cy="0"/>
+        </a:xfrm>
+      </p:grpSpPr>
+      <p:sp>
+        <p:nvSpPr>
+          <p:cNvPr id="180" name="PlaceHolder 1"/>
+          <p:cNvSpPr>
+            <a:spLocks noGrp="1"/>
+          </p:cNvSpPr>
+          <p:nvPr>
+            <p:ph type="title"/>
+          </p:nvPr>
+        </p:nvSpPr>
+        <p:spPr>
+          <a:xfrm>
+            <a:off x="457200" y="205200"/>
+            <a:ext cx="8229240" cy="858600"/>
+          </a:xfrm>
+          <a:prstGeom prst="rect">
+            <a:avLst/>
+          </a:prstGeom>
+        </p:spPr>
+        <p:txBody>
+          <a:bodyPr lIns="0" rIns="0" tIns="0" bIns="0" anchor="ctr"/>
+          <a:p>
+            <a:pPr algn="ctr"/>
+            <a:endParaRPr b="0" lang="en-US" sz="4400" spc="-1" strike="noStrike">
+              <a:latin typeface="Arial"/>
+            </a:endParaRPr>
+          </a:p>
+        </p:txBody>
+      </p:sp>
+      <p:sp>
+        <p:nvSpPr>
+          <p:cNvPr id="181" name="PlaceHolder 2"/>
+          <p:cNvSpPr>
+            <a:spLocks noGrp="1"/>
+          </p:cNvSpPr>
+          <p:nvPr>
+            <p:ph type="body"/>
+          </p:nvPr>
+        </p:nvSpPr>
+        <p:spPr>
+          <a:xfrm>
+            <a:off x="457200" y="1203480"/>
+            <a:ext cx="4015800" cy="1422720"/>
+          </a:xfrm>
+          <a:prstGeom prst="rect">
+            <a:avLst/>
+          </a:prstGeom>
+        </p:spPr>
+        <p:txBody>
+          <a:bodyPr lIns="0" rIns="0" tIns="0" bIns="0">
+            <a:normAutofit/>
+          </a:bodyPr>
+          <a:p>
+            <a:endParaRPr b="0" lang="en-US" sz="3200" spc="-1" strike="noStrike">
+              <a:latin typeface="Arial"/>
+            </a:endParaRPr>
+          </a:p>
+        </p:txBody>
+      </p:sp>
+      <p:sp>
+        <p:nvSpPr>
+          <p:cNvPr id="182" name="PlaceHolder 3"/>
+          <p:cNvSpPr>
+            <a:spLocks noGrp="1"/>
+          </p:cNvSpPr>
+          <p:nvPr>
+            <p:ph type="body"/>
+          </p:nvPr>
+        </p:nvSpPr>
+        <p:spPr>
+          <a:xfrm>
+            <a:off x="4674240" y="1203480"/>
+            <a:ext cx="4015800" cy="1422720"/>
+          </a:xfrm>
+          <a:prstGeom prst="rect">
+            <a:avLst/>
+          </a:prstGeom>
+        </p:spPr>
+        <p:txBody>
+          <a:bodyPr lIns="0" rIns="0" tIns="0" bIns="0">
+            <a:normAutofit/>
+          </a:bodyPr>
+          <a:p>
+            <a:endParaRPr b="0" lang="en-US" sz="3200" spc="-1" strike="noStrike">
+              <a:latin typeface="Arial"/>
+            </a:endParaRPr>
+          </a:p>
+        </p:txBody>
+      </p:sp>
+      <p:sp>
+        <p:nvSpPr>
+          <p:cNvPr id="183" name="PlaceHolder 4"/>
+          <p:cNvSpPr>
+            <a:spLocks noGrp="1"/>
+          </p:cNvSpPr>
+          <p:nvPr>
+            <p:ph type="body"/>
+          </p:nvPr>
+        </p:nvSpPr>
+        <p:spPr>
+          <a:xfrm>
+            <a:off x="457200" y="2761920"/>
+            <a:ext cx="8229240" cy="1422720"/>
+          </a:xfrm>
+          <a:prstGeom prst="rect">
+            <a:avLst/>
+          </a:prstGeom>
+        </p:spPr>
+        <p:txBody>
+          <a:bodyPr lIns="0" rIns="0" tIns="0" bIns="0">
+            <a:normAutofit/>
+          </a:bodyPr>
+          <a:p>
+            <a:endParaRPr b="0" lang="en-US" sz="3200" spc="-1" strike="noStrike">
+              <a:latin typeface="Arial"/>
+            </a:endParaRPr>
+          </a:p>
+        </p:txBody>
+      </p:sp>
+    </p:spTree>
+  </p:cSld>
+</p:sldLayout>
+</file>
+
+<file path=ppt/slideLayouts/slideLayout58.xml><?xml version="1.0" encoding="utf-8"?>
+<p:sldLayout xmlns:a="http://schemas.openxmlformats.org/drawingml/2006/main" xmlns:p="http://schemas.openxmlformats.org/presentationml/2006/main" xmlns:r="http://schemas.openxmlformats.org/officeDocument/2006/relationships" xmlns:p14="http://schemas.microsoft.com/office/powerpoint/2010/main" xmlns:p15="http://schemas.microsoft.com/office/powerpoint/2012/main" xmlns:mc="http://schemas.openxmlformats.org/markup-compatibility/2006" type="objOverTx" preserve="1">
+  <p:cSld name="Title, Content over Content">
+    <p:spTree>
+      <p:nvGrpSpPr>
+        <p:cNvPr id="1" name=""/>
+        <p:cNvGrpSpPr/>
+        <p:nvPr/>
+      </p:nvGrpSpPr>
+      <p:grpSpPr>
+        <a:xfrm>
+          <a:off x="0" y="0"/>
+          <a:ext cx="0" cy="0"/>
+          <a:chOff x="0" y="0"/>
+          <a:chExt cx="0" cy="0"/>
+        </a:xfrm>
+      </p:grpSpPr>
+      <p:sp>
+        <p:nvSpPr>
+          <p:cNvPr id="184" name="PlaceHolder 1"/>
+          <p:cNvSpPr>
+            <a:spLocks noGrp="1"/>
+          </p:cNvSpPr>
+          <p:nvPr>
+            <p:ph type="title"/>
+          </p:nvPr>
+        </p:nvSpPr>
+        <p:spPr>
+          <a:xfrm>
+            <a:off x="457200" y="205200"/>
+            <a:ext cx="8229240" cy="858600"/>
+          </a:xfrm>
+          <a:prstGeom prst="rect">
+            <a:avLst/>
+          </a:prstGeom>
+        </p:spPr>
+        <p:txBody>
+          <a:bodyPr lIns="0" rIns="0" tIns="0" bIns="0" anchor="ctr"/>
+          <a:p>
+            <a:pPr algn="ctr"/>
+            <a:endParaRPr b="0" lang="en-US" sz="4400" spc="-1" strike="noStrike">
+              <a:latin typeface="Arial"/>
+            </a:endParaRPr>
+          </a:p>
+        </p:txBody>
+      </p:sp>
+      <p:sp>
+        <p:nvSpPr>
+          <p:cNvPr id="185" name="PlaceHolder 2"/>
+          <p:cNvSpPr>
+            <a:spLocks noGrp="1"/>
+          </p:cNvSpPr>
+          <p:nvPr>
+            <p:ph type="body"/>
+          </p:nvPr>
+        </p:nvSpPr>
+        <p:spPr>
+          <a:xfrm>
+            <a:off x="457200" y="1203480"/>
+            <a:ext cx="8229240" cy="1422720"/>
+          </a:xfrm>
+          <a:prstGeom prst="rect">
+            <a:avLst/>
+          </a:prstGeom>
+        </p:spPr>
+        <p:txBody>
+          <a:bodyPr lIns="0" rIns="0" tIns="0" bIns="0">
+            <a:normAutofit/>
+          </a:bodyPr>
+          <a:p>
+            <a:endParaRPr b="0" lang="en-US" sz="3200" spc="-1" strike="noStrike">
+              <a:latin typeface="Arial"/>
+            </a:endParaRPr>
+          </a:p>
+        </p:txBody>
+      </p:sp>
+      <p:sp>
+        <p:nvSpPr>
+          <p:cNvPr id="186" name="PlaceHolder 3"/>
+          <p:cNvSpPr>
+            <a:spLocks noGrp="1"/>
+          </p:cNvSpPr>
+          <p:nvPr>
+            <p:ph type="body"/>
+          </p:nvPr>
+        </p:nvSpPr>
+        <p:spPr>
+          <a:xfrm>
+            <a:off x="457200" y="2761920"/>
+            <a:ext cx="8229240" cy="1422720"/>
+          </a:xfrm>
+          <a:prstGeom prst="rect">
+            <a:avLst/>
+          </a:prstGeom>
+        </p:spPr>
+        <p:txBody>
+          <a:bodyPr lIns="0" rIns="0" tIns="0" bIns="0">
+            <a:normAutofit/>
+          </a:bodyPr>
+          <a:p>
+            <a:endParaRPr b="0" lang="en-US" sz="3200" spc="-1" strike="noStrike">
+              <a:latin typeface="Arial"/>
+            </a:endParaRPr>
+          </a:p>
+        </p:txBody>
+      </p:sp>
+    </p:spTree>
+  </p:cSld>
+</p:sldLayout>
+</file>
+
+<file path=ppt/slideLayouts/slideLayout59.xml><?xml version="1.0" encoding="utf-8"?>
+<p:sldLayout xmlns:a="http://schemas.openxmlformats.org/drawingml/2006/main" xmlns:p="http://schemas.openxmlformats.org/presentationml/2006/main" xmlns:r="http://schemas.openxmlformats.org/officeDocument/2006/relationships" xmlns:p14="http://schemas.microsoft.com/office/powerpoint/2010/main" xmlns:p15="http://schemas.microsoft.com/office/powerpoint/2012/main" xmlns:mc="http://schemas.openxmlformats.org/markup-compatibility/2006" type="fourObj" preserve="1">
+  <p:cSld name="Title, 4 Content">
+    <p:spTree>
+      <p:nvGrpSpPr>
+        <p:cNvPr id="1" name=""/>
+        <p:cNvGrpSpPr/>
+        <p:nvPr/>
+      </p:nvGrpSpPr>
+      <p:grpSpPr>
+        <a:xfrm>
+          <a:off x="0" y="0"/>
+          <a:ext cx="0" cy="0"/>
+          <a:chOff x="0" y="0"/>
+          <a:chExt cx="0" cy="0"/>
+        </a:xfrm>
+      </p:grpSpPr>
+      <p:sp>
+        <p:nvSpPr>
+          <p:cNvPr id="187" name="PlaceHolder 1"/>
+          <p:cNvSpPr>
+            <a:spLocks noGrp="1"/>
+          </p:cNvSpPr>
+          <p:nvPr>
+            <p:ph type="title"/>
+          </p:nvPr>
+        </p:nvSpPr>
+        <p:spPr>
+          <a:xfrm>
+            <a:off x="457200" y="205200"/>
+            <a:ext cx="8229240" cy="858600"/>
+          </a:xfrm>
+          <a:prstGeom prst="rect">
+            <a:avLst/>
+          </a:prstGeom>
+        </p:spPr>
+        <p:txBody>
+          <a:bodyPr lIns="0" rIns="0" tIns="0" bIns="0" anchor="ctr"/>
+          <a:p>
+            <a:pPr algn="ctr"/>
+            <a:endParaRPr b="0" lang="en-US" sz="4400" spc="-1" strike="noStrike">
+              <a:latin typeface="Arial"/>
+            </a:endParaRPr>
+          </a:p>
+        </p:txBody>
+      </p:sp>
+      <p:sp>
+        <p:nvSpPr>
+          <p:cNvPr id="188" name="PlaceHolder 2"/>
+          <p:cNvSpPr>
+            <a:spLocks noGrp="1"/>
+          </p:cNvSpPr>
+          <p:nvPr>
+            <p:ph type="body"/>
+          </p:nvPr>
+        </p:nvSpPr>
+        <p:spPr>
+          <a:xfrm>
+            <a:off x="457200" y="1203480"/>
+            <a:ext cx="4015800" cy="1422720"/>
+          </a:xfrm>
+          <a:prstGeom prst="rect">
+            <a:avLst/>
+          </a:prstGeom>
+        </p:spPr>
+        <p:txBody>
+          <a:bodyPr lIns="0" rIns="0" tIns="0" bIns="0">
+            <a:normAutofit/>
+          </a:bodyPr>
+          <a:p>
+            <a:endParaRPr b="0" lang="en-US" sz="3200" spc="-1" strike="noStrike">
+              <a:latin typeface="Arial"/>
+            </a:endParaRPr>
+          </a:p>
+        </p:txBody>
+      </p:sp>
+      <p:sp>
+        <p:nvSpPr>
+          <p:cNvPr id="189" name="PlaceHolder 3"/>
+          <p:cNvSpPr>
+            <a:spLocks noGrp="1"/>
+          </p:cNvSpPr>
+          <p:nvPr>
+            <p:ph type="body"/>
+          </p:nvPr>
+        </p:nvSpPr>
+        <p:spPr>
+          <a:xfrm>
+            <a:off x="4674240" y="1203480"/>
+            <a:ext cx="4015800" cy="1422720"/>
+          </a:xfrm>
+          <a:prstGeom prst="rect">
+            <a:avLst/>
+          </a:prstGeom>
+        </p:spPr>
+        <p:txBody>
+          <a:bodyPr lIns="0" rIns="0" tIns="0" bIns="0">
+            <a:normAutofit/>
+          </a:bodyPr>
+          <a:p>
+            <a:endParaRPr b="0" lang="en-US" sz="3200" spc="-1" strike="noStrike">
+              <a:latin typeface="Arial"/>
+            </a:endParaRPr>
+          </a:p>
+        </p:txBody>
+      </p:sp>
+      <p:sp>
+        <p:nvSpPr>
+          <p:cNvPr id="190" name="PlaceHolder 4"/>
+          <p:cNvSpPr>
+            <a:spLocks noGrp="1"/>
+          </p:cNvSpPr>
+          <p:nvPr>
+            <p:ph type="body"/>
+          </p:nvPr>
+        </p:nvSpPr>
+        <p:spPr>
+          <a:xfrm>
+            <a:off x="457200" y="2761920"/>
+            <a:ext cx="4015800" cy="1422720"/>
+          </a:xfrm>
+          <a:prstGeom prst="rect">
+            <a:avLst/>
+          </a:prstGeom>
+        </p:spPr>
+        <p:txBody>
+          <a:bodyPr lIns="0" rIns="0" tIns="0" bIns="0">
+            <a:normAutofit/>
+          </a:bodyPr>
+          <a:p>
+            <a:endParaRPr b="0" lang="en-US" sz="3200" spc="-1" strike="noStrike">
+              <a:latin typeface="Arial"/>
+            </a:endParaRPr>
+          </a:p>
+        </p:txBody>
+      </p:sp>
+      <p:sp>
+        <p:nvSpPr>
+          <p:cNvPr id="191" name="PlaceHolder 5"/>
+          <p:cNvSpPr>
+            <a:spLocks noGrp="1"/>
+          </p:cNvSpPr>
+          <p:nvPr>
+            <p:ph type="body"/>
+          </p:nvPr>
+        </p:nvSpPr>
+        <p:spPr>
+          <a:xfrm>
+            <a:off x="4674240" y="2761920"/>
+            <a:ext cx="4015800" cy="1422720"/>
+          </a:xfrm>
+          <a:prstGeom prst="rect">
+            <a:avLst/>
+          </a:prstGeom>
+        </p:spPr>
+        <p:txBody>
+          <a:bodyPr lIns="0" rIns="0" tIns="0" bIns="0">
+            <a:normAutofit/>
+          </a:bodyPr>
+          <a:p>
+            <a:endParaRPr b="0" lang="en-US" sz="3200" spc="-1" strike="noStrike">
               <a:latin typeface="Arial"/>
             </a:endParaRPr>
           </a:p>
@@ -3804,7 +5996,7 @@
       </p:grpSpPr>
       <p:sp>
         <p:nvSpPr>
-          <p:cNvPr id="13" name="PlaceHolder 1"/>
+          <p:cNvPr id="12" name="PlaceHolder 1"/>
           <p:cNvSpPr>
             <a:spLocks noGrp="1"/>
           </p:cNvSpPr>
@@ -3814,8 +6006,8 @@
         </p:nvSpPr>
         <p:spPr>
           <a:xfrm>
-            <a:off x="460800" y="2065320"/>
-            <a:ext cx="8221680" cy="4693680"/>
+            <a:off x="457200" y="205200"/>
+            <a:ext cx="8229240" cy="3981240"/>
           </a:xfrm>
           <a:prstGeom prst="rect">
             <a:avLst/>
@@ -3825,6 +6017,237 @@
           <a:bodyPr lIns="0" rIns="0" tIns="0" bIns="0" anchor="ctr"/>
           <a:p>
             <a:pPr algn="ctr"/>
+            <a:endParaRPr b="0" lang="en-US" sz="3200" spc="-1" strike="noStrike">
+              <a:latin typeface="Arial"/>
+            </a:endParaRPr>
+          </a:p>
+        </p:txBody>
+      </p:sp>
+    </p:spTree>
+  </p:cSld>
+</p:sldLayout>
+</file>
+
+<file path=ppt/slideLayouts/slideLayout60.xml><?xml version="1.0" encoding="utf-8"?>
+<p:sldLayout xmlns:a="http://schemas.openxmlformats.org/drawingml/2006/main" xmlns:p="http://schemas.openxmlformats.org/presentationml/2006/main" xmlns:r="http://schemas.openxmlformats.org/officeDocument/2006/relationships" xmlns:p14="http://schemas.microsoft.com/office/powerpoint/2010/main" xmlns:p15="http://schemas.microsoft.com/office/powerpoint/2012/main" xmlns:mc="http://schemas.openxmlformats.org/markup-compatibility/2006" type="blank" preserve="1">
+  <p:cSld name="Title, 6 Content">
+    <p:spTree>
+      <p:nvGrpSpPr>
+        <p:cNvPr id="1" name=""/>
+        <p:cNvGrpSpPr/>
+        <p:nvPr/>
+      </p:nvGrpSpPr>
+      <p:grpSpPr>
+        <a:xfrm>
+          <a:off x="0" y="0"/>
+          <a:ext cx="0" cy="0"/>
+          <a:chOff x="0" y="0"/>
+          <a:chExt cx="0" cy="0"/>
+        </a:xfrm>
+      </p:grpSpPr>
+      <p:sp>
+        <p:nvSpPr>
+          <p:cNvPr id="192" name="PlaceHolder 1"/>
+          <p:cNvSpPr>
+            <a:spLocks noGrp="1"/>
+          </p:cNvSpPr>
+          <p:nvPr>
+            <p:ph type="title"/>
+          </p:nvPr>
+        </p:nvSpPr>
+        <p:spPr>
+          <a:xfrm>
+            <a:off x="457200" y="205200"/>
+            <a:ext cx="8229240" cy="858600"/>
+          </a:xfrm>
+          <a:prstGeom prst="rect">
+            <a:avLst/>
+          </a:prstGeom>
+        </p:spPr>
+        <p:txBody>
+          <a:bodyPr lIns="0" rIns="0" tIns="0" bIns="0" anchor="ctr"/>
+          <a:p>
+            <a:pPr algn="ctr"/>
+            <a:endParaRPr b="0" lang="en-US" sz="4400" spc="-1" strike="noStrike">
+              <a:latin typeface="Arial"/>
+            </a:endParaRPr>
+          </a:p>
+        </p:txBody>
+      </p:sp>
+      <p:sp>
+        <p:nvSpPr>
+          <p:cNvPr id="193" name="PlaceHolder 2"/>
+          <p:cNvSpPr>
+            <a:spLocks noGrp="1"/>
+          </p:cNvSpPr>
+          <p:nvPr>
+            <p:ph type="body"/>
+          </p:nvPr>
+        </p:nvSpPr>
+        <p:spPr>
+          <a:xfrm>
+            <a:off x="457200" y="1203480"/>
+            <a:ext cx="2649600" cy="1422720"/>
+          </a:xfrm>
+          <a:prstGeom prst="rect">
+            <a:avLst/>
+          </a:prstGeom>
+        </p:spPr>
+        <p:txBody>
+          <a:bodyPr lIns="0" rIns="0" tIns="0" bIns="0">
+            <a:normAutofit/>
+          </a:bodyPr>
+          <a:p>
+            <a:endParaRPr b="0" lang="en-US" sz="3200" spc="-1" strike="noStrike">
+              <a:latin typeface="Arial"/>
+            </a:endParaRPr>
+          </a:p>
+        </p:txBody>
+      </p:sp>
+      <p:sp>
+        <p:nvSpPr>
+          <p:cNvPr id="194" name="PlaceHolder 3"/>
+          <p:cNvSpPr>
+            <a:spLocks noGrp="1"/>
+          </p:cNvSpPr>
+          <p:nvPr>
+            <p:ph type="body"/>
+          </p:nvPr>
+        </p:nvSpPr>
+        <p:spPr>
+          <a:xfrm>
+            <a:off x="3239640" y="1203480"/>
+            <a:ext cx="2649600" cy="1422720"/>
+          </a:xfrm>
+          <a:prstGeom prst="rect">
+            <a:avLst/>
+          </a:prstGeom>
+        </p:spPr>
+        <p:txBody>
+          <a:bodyPr lIns="0" rIns="0" tIns="0" bIns="0">
+            <a:normAutofit/>
+          </a:bodyPr>
+          <a:p>
+            <a:endParaRPr b="0" lang="en-US" sz="3200" spc="-1" strike="noStrike">
+              <a:latin typeface="Arial"/>
+            </a:endParaRPr>
+          </a:p>
+        </p:txBody>
+      </p:sp>
+      <p:sp>
+        <p:nvSpPr>
+          <p:cNvPr id="195" name="PlaceHolder 4"/>
+          <p:cNvSpPr>
+            <a:spLocks noGrp="1"/>
+          </p:cNvSpPr>
+          <p:nvPr>
+            <p:ph type="body"/>
+          </p:nvPr>
+        </p:nvSpPr>
+        <p:spPr>
+          <a:xfrm>
+            <a:off x="6022080" y="1203480"/>
+            <a:ext cx="2649600" cy="1422720"/>
+          </a:xfrm>
+          <a:prstGeom prst="rect">
+            <a:avLst/>
+          </a:prstGeom>
+        </p:spPr>
+        <p:txBody>
+          <a:bodyPr lIns="0" rIns="0" tIns="0" bIns="0">
+            <a:normAutofit/>
+          </a:bodyPr>
+          <a:p>
+            <a:endParaRPr b="0" lang="en-US" sz="3200" spc="-1" strike="noStrike">
+              <a:latin typeface="Arial"/>
+            </a:endParaRPr>
+          </a:p>
+        </p:txBody>
+      </p:sp>
+      <p:sp>
+        <p:nvSpPr>
+          <p:cNvPr id="196" name="PlaceHolder 5"/>
+          <p:cNvSpPr>
+            <a:spLocks noGrp="1"/>
+          </p:cNvSpPr>
+          <p:nvPr>
+            <p:ph type="body"/>
+          </p:nvPr>
+        </p:nvSpPr>
+        <p:spPr>
+          <a:xfrm>
+            <a:off x="457200" y="2761920"/>
+            <a:ext cx="2649600" cy="1422720"/>
+          </a:xfrm>
+          <a:prstGeom prst="rect">
+            <a:avLst/>
+          </a:prstGeom>
+        </p:spPr>
+        <p:txBody>
+          <a:bodyPr lIns="0" rIns="0" tIns="0" bIns="0">
+            <a:normAutofit/>
+          </a:bodyPr>
+          <a:p>
+            <a:endParaRPr b="0" lang="en-US" sz="3200" spc="-1" strike="noStrike">
+              <a:latin typeface="Arial"/>
+            </a:endParaRPr>
+          </a:p>
+        </p:txBody>
+      </p:sp>
+      <p:sp>
+        <p:nvSpPr>
+          <p:cNvPr id="197" name="PlaceHolder 6"/>
+          <p:cNvSpPr>
+            <a:spLocks noGrp="1"/>
+          </p:cNvSpPr>
+          <p:nvPr>
+            <p:ph type="body"/>
+          </p:nvPr>
+        </p:nvSpPr>
+        <p:spPr>
+          <a:xfrm>
+            <a:off x="3239640" y="2761920"/>
+            <a:ext cx="2649600" cy="1422720"/>
+          </a:xfrm>
+          <a:prstGeom prst="rect">
+            <a:avLst/>
+          </a:prstGeom>
+        </p:spPr>
+        <p:txBody>
+          <a:bodyPr lIns="0" rIns="0" tIns="0" bIns="0">
+            <a:normAutofit/>
+          </a:bodyPr>
+          <a:p>
+            <a:endParaRPr b="0" lang="en-US" sz="3200" spc="-1" strike="noStrike">
+              <a:latin typeface="Arial"/>
+            </a:endParaRPr>
+          </a:p>
+        </p:txBody>
+      </p:sp>
+      <p:sp>
+        <p:nvSpPr>
+          <p:cNvPr id="198" name="PlaceHolder 7"/>
+          <p:cNvSpPr>
+            <a:spLocks noGrp="1"/>
+          </p:cNvSpPr>
+          <p:nvPr>
+            <p:ph type="body"/>
+          </p:nvPr>
+        </p:nvSpPr>
+        <p:spPr>
+          <a:xfrm>
+            <a:off x="6022080" y="2761920"/>
+            <a:ext cx="2649600" cy="1422720"/>
+          </a:xfrm>
+          <a:prstGeom prst="rect">
+            <a:avLst/>
+          </a:prstGeom>
+        </p:spPr>
+        <p:txBody>
+          <a:bodyPr lIns="0" rIns="0" tIns="0" bIns="0">
+            <a:normAutofit/>
+          </a:bodyPr>
+          <a:p>
             <a:endParaRPr b="0" lang="en-US" sz="3200" spc="-1" strike="noStrike">
               <a:latin typeface="Arial"/>
             </a:endParaRPr>
@@ -3855,7 +6278,7 @@
       </p:grpSpPr>
       <p:sp>
         <p:nvSpPr>
-          <p:cNvPr id="14" name="PlaceHolder 1"/>
+          <p:cNvPr id="13" name="PlaceHolder 1"/>
           <p:cNvSpPr>
             <a:spLocks noGrp="1"/>
           </p:cNvSpPr>
@@ -3865,8 +6288,8 @@
         </p:nvSpPr>
         <p:spPr>
           <a:xfrm>
-            <a:off x="460800" y="2065320"/>
-            <a:ext cx="8221680" cy="1012320"/>
+            <a:off x="457200" y="205200"/>
+            <a:ext cx="8229240" cy="858600"/>
           </a:xfrm>
           <a:prstGeom prst="rect">
             <a:avLst/>
@@ -3875,18 +6298,16 @@
         <p:txBody>
           <a:bodyPr lIns="0" rIns="0" tIns="0" bIns="0" anchor="ctr"/>
           <a:p>
-            <a:endParaRPr b="0" lang="en-US" sz="1400" spc="-1" strike="noStrike">
-              <a:solidFill>
-                <a:srgbClr val="000000"/>
-              </a:solidFill>
-              <a:latin typeface="Arial"/>
-            </a:endParaRPr>
-          </a:p>
-        </p:txBody>
-      </p:sp>
-      <p:sp>
-        <p:nvSpPr>
-          <p:cNvPr id="15" name="PlaceHolder 2"/>
+            <a:pPr algn="ctr"/>
+            <a:endParaRPr b="0" lang="en-US" sz="4400" spc="-1" strike="noStrike">
+              <a:latin typeface="Arial"/>
+            </a:endParaRPr>
+          </a:p>
+        </p:txBody>
+      </p:sp>
+      <p:sp>
+        <p:nvSpPr>
+          <p:cNvPr id="14" name="PlaceHolder 2"/>
           <p:cNvSpPr>
             <a:spLocks noGrp="1"/>
           </p:cNvSpPr>
@@ -3908,18 +6329,15 @@
             <a:normAutofit/>
           </a:bodyPr>
           <a:p>
-            <a:endParaRPr b="0" lang="en-US" sz="1400" spc="-1" strike="noStrike">
-              <a:solidFill>
-                <a:srgbClr val="000000"/>
-              </a:solidFill>
-              <a:latin typeface="Arial"/>
-            </a:endParaRPr>
-          </a:p>
-        </p:txBody>
-      </p:sp>
-      <p:sp>
-        <p:nvSpPr>
-          <p:cNvPr id="16" name="PlaceHolder 3"/>
+            <a:endParaRPr b="0" lang="en-US" sz="3200" spc="-1" strike="noStrike">
+              <a:latin typeface="Arial"/>
+            </a:endParaRPr>
+          </a:p>
+        </p:txBody>
+      </p:sp>
+      <p:sp>
+        <p:nvSpPr>
+          <p:cNvPr id="15" name="PlaceHolder 3"/>
           <p:cNvSpPr>
             <a:spLocks noGrp="1"/>
           </p:cNvSpPr>
@@ -3941,18 +6359,15 @@
             <a:normAutofit/>
           </a:bodyPr>
           <a:p>
-            <a:endParaRPr b="0" lang="en-US" sz="1400" spc="-1" strike="noStrike">
-              <a:solidFill>
-                <a:srgbClr val="000000"/>
-              </a:solidFill>
-              <a:latin typeface="Arial"/>
-            </a:endParaRPr>
-          </a:p>
-        </p:txBody>
-      </p:sp>
-      <p:sp>
-        <p:nvSpPr>
-          <p:cNvPr id="17" name="PlaceHolder 4"/>
+            <a:endParaRPr b="0" lang="en-US" sz="3200" spc="-1" strike="noStrike">
+              <a:latin typeface="Arial"/>
+            </a:endParaRPr>
+          </a:p>
+        </p:txBody>
+      </p:sp>
+      <p:sp>
+        <p:nvSpPr>
+          <p:cNvPr id="16" name="PlaceHolder 4"/>
           <p:cNvSpPr>
             <a:spLocks noGrp="1"/>
           </p:cNvSpPr>
@@ -3974,10 +6389,7 @@
             <a:normAutofit/>
           </a:bodyPr>
           <a:p>
-            <a:endParaRPr b="0" lang="en-US" sz="1400" spc="-1" strike="noStrike">
-              <a:solidFill>
-                <a:srgbClr val="000000"/>
-              </a:solidFill>
+            <a:endParaRPr b="0" lang="en-US" sz="3200" spc="-1" strike="noStrike">
               <a:latin typeface="Arial"/>
             </a:endParaRPr>
           </a:p>
@@ -4007,7 +6419,7 @@
       </p:grpSpPr>
       <p:sp>
         <p:nvSpPr>
-          <p:cNvPr id="18" name="PlaceHolder 1"/>
+          <p:cNvPr id="17" name="PlaceHolder 1"/>
           <p:cNvSpPr>
             <a:spLocks noGrp="1"/>
           </p:cNvSpPr>
@@ -4017,8 +6429,8 @@
         </p:nvSpPr>
         <p:spPr>
           <a:xfrm>
-            <a:off x="460800" y="2065320"/>
-            <a:ext cx="8221680" cy="1012320"/>
+            <a:off x="457200" y="205200"/>
+            <a:ext cx="8229240" cy="858600"/>
           </a:xfrm>
           <a:prstGeom prst="rect">
             <a:avLst/>
@@ -4027,18 +6439,16 @@
         <p:txBody>
           <a:bodyPr lIns="0" rIns="0" tIns="0" bIns="0" anchor="ctr"/>
           <a:p>
-            <a:endParaRPr b="0" lang="en-US" sz="1400" spc="-1" strike="noStrike">
-              <a:solidFill>
-                <a:srgbClr val="000000"/>
-              </a:solidFill>
-              <a:latin typeface="Arial"/>
-            </a:endParaRPr>
-          </a:p>
-        </p:txBody>
-      </p:sp>
-      <p:sp>
-        <p:nvSpPr>
-          <p:cNvPr id="19" name="PlaceHolder 2"/>
+            <a:pPr algn="ctr"/>
+            <a:endParaRPr b="0" lang="en-US" sz="4400" spc="-1" strike="noStrike">
+              <a:latin typeface="Arial"/>
+            </a:endParaRPr>
+          </a:p>
+        </p:txBody>
+      </p:sp>
+      <p:sp>
+        <p:nvSpPr>
+          <p:cNvPr id="18" name="PlaceHolder 2"/>
           <p:cNvSpPr>
             <a:spLocks noGrp="1"/>
           </p:cNvSpPr>
@@ -4060,18 +6470,15 @@
             <a:normAutofit/>
           </a:bodyPr>
           <a:p>
-            <a:endParaRPr b="0" lang="en-US" sz="1400" spc="-1" strike="noStrike">
-              <a:solidFill>
-                <a:srgbClr val="000000"/>
-              </a:solidFill>
-              <a:latin typeface="Arial"/>
-            </a:endParaRPr>
-          </a:p>
-        </p:txBody>
-      </p:sp>
-      <p:sp>
-        <p:nvSpPr>
-          <p:cNvPr id="20" name="PlaceHolder 3"/>
+            <a:endParaRPr b="0" lang="en-US" sz="3200" spc="-1" strike="noStrike">
+              <a:latin typeface="Arial"/>
+            </a:endParaRPr>
+          </a:p>
+        </p:txBody>
+      </p:sp>
+      <p:sp>
+        <p:nvSpPr>
+          <p:cNvPr id="19" name="PlaceHolder 3"/>
           <p:cNvSpPr>
             <a:spLocks noGrp="1"/>
           </p:cNvSpPr>
@@ -4093,18 +6500,15 @@
             <a:normAutofit/>
           </a:bodyPr>
           <a:p>
-            <a:endParaRPr b="0" lang="en-US" sz="1400" spc="-1" strike="noStrike">
-              <a:solidFill>
-                <a:srgbClr val="000000"/>
-              </a:solidFill>
-              <a:latin typeface="Arial"/>
-            </a:endParaRPr>
-          </a:p>
-        </p:txBody>
-      </p:sp>
-      <p:sp>
-        <p:nvSpPr>
-          <p:cNvPr id="21" name="PlaceHolder 4"/>
+            <a:endParaRPr b="0" lang="en-US" sz="3200" spc="-1" strike="noStrike">
+              <a:latin typeface="Arial"/>
+            </a:endParaRPr>
+          </a:p>
+        </p:txBody>
+      </p:sp>
+      <p:sp>
+        <p:nvSpPr>
+          <p:cNvPr id="20" name="PlaceHolder 4"/>
           <p:cNvSpPr>
             <a:spLocks noGrp="1"/>
           </p:cNvSpPr>
@@ -4126,10 +6530,7 @@
             <a:normAutofit/>
           </a:bodyPr>
           <a:p>
-            <a:endParaRPr b="0" lang="en-US" sz="1400" spc="-1" strike="noStrike">
-              <a:solidFill>
-                <a:srgbClr val="000000"/>
-              </a:solidFill>
+            <a:endParaRPr b="0" lang="en-US" sz="3200" spc="-1" strike="noStrike">
               <a:latin typeface="Arial"/>
             </a:endParaRPr>
           </a:p>
@@ -4159,7 +6560,7 @@
       </p:grpSpPr>
       <p:sp>
         <p:nvSpPr>
-          <p:cNvPr id="22" name="PlaceHolder 1"/>
+          <p:cNvPr id="21" name="PlaceHolder 1"/>
           <p:cNvSpPr>
             <a:spLocks noGrp="1"/>
           </p:cNvSpPr>
@@ -4169,8 +6570,8 @@
         </p:nvSpPr>
         <p:spPr>
           <a:xfrm>
-            <a:off x="460800" y="2065320"/>
-            <a:ext cx="8221680" cy="1012320"/>
+            <a:off x="457200" y="205200"/>
+            <a:ext cx="8229240" cy="858600"/>
           </a:xfrm>
           <a:prstGeom prst="rect">
             <a:avLst/>
@@ -4179,18 +6580,16 @@
         <p:txBody>
           <a:bodyPr lIns="0" rIns="0" tIns="0" bIns="0" anchor="ctr"/>
           <a:p>
-            <a:endParaRPr b="0" lang="en-US" sz="1400" spc="-1" strike="noStrike">
-              <a:solidFill>
-                <a:srgbClr val="000000"/>
-              </a:solidFill>
-              <a:latin typeface="Arial"/>
-            </a:endParaRPr>
-          </a:p>
-        </p:txBody>
-      </p:sp>
-      <p:sp>
-        <p:nvSpPr>
-          <p:cNvPr id="23" name="PlaceHolder 2"/>
+            <a:pPr algn="ctr"/>
+            <a:endParaRPr b="0" lang="en-US" sz="4400" spc="-1" strike="noStrike">
+              <a:latin typeface="Arial"/>
+            </a:endParaRPr>
+          </a:p>
+        </p:txBody>
+      </p:sp>
+      <p:sp>
+        <p:nvSpPr>
+          <p:cNvPr id="22" name="PlaceHolder 2"/>
           <p:cNvSpPr>
             <a:spLocks noGrp="1"/>
           </p:cNvSpPr>
@@ -4212,18 +6611,15 @@
             <a:normAutofit/>
           </a:bodyPr>
           <a:p>
-            <a:endParaRPr b="0" lang="en-US" sz="1400" spc="-1" strike="noStrike">
-              <a:solidFill>
-                <a:srgbClr val="000000"/>
-              </a:solidFill>
-              <a:latin typeface="Arial"/>
-            </a:endParaRPr>
-          </a:p>
-        </p:txBody>
-      </p:sp>
-      <p:sp>
-        <p:nvSpPr>
-          <p:cNvPr id="24" name="PlaceHolder 3"/>
+            <a:endParaRPr b="0" lang="en-US" sz="3200" spc="-1" strike="noStrike">
+              <a:latin typeface="Arial"/>
+            </a:endParaRPr>
+          </a:p>
+        </p:txBody>
+      </p:sp>
+      <p:sp>
+        <p:nvSpPr>
+          <p:cNvPr id="23" name="PlaceHolder 3"/>
           <p:cNvSpPr>
             <a:spLocks noGrp="1"/>
           </p:cNvSpPr>
@@ -4245,18 +6641,15 @@
             <a:normAutofit/>
           </a:bodyPr>
           <a:p>
-            <a:endParaRPr b="0" lang="en-US" sz="1400" spc="-1" strike="noStrike">
-              <a:solidFill>
-                <a:srgbClr val="000000"/>
-              </a:solidFill>
-              <a:latin typeface="Arial"/>
-            </a:endParaRPr>
-          </a:p>
-        </p:txBody>
-      </p:sp>
-      <p:sp>
-        <p:nvSpPr>
-          <p:cNvPr id="25" name="PlaceHolder 4"/>
+            <a:endParaRPr b="0" lang="en-US" sz="3200" spc="-1" strike="noStrike">
+              <a:latin typeface="Arial"/>
+            </a:endParaRPr>
+          </a:p>
+        </p:txBody>
+      </p:sp>
+      <p:sp>
+        <p:nvSpPr>
+          <p:cNvPr id="24" name="PlaceHolder 4"/>
           <p:cNvSpPr>
             <a:spLocks noGrp="1"/>
           </p:cNvSpPr>
@@ -4278,10 +6671,7 @@
             <a:normAutofit/>
           </a:bodyPr>
           <a:p>
-            <a:endParaRPr b="0" lang="en-US" sz="1400" spc="-1" strike="noStrike">
-              <a:solidFill>
-                <a:srgbClr val="000000"/>
-              </a:solidFill>
+            <a:endParaRPr b="0" lang="en-US" sz="3200" spc="-1" strike="noStrike">
               <a:latin typeface="Arial"/>
             </a:endParaRPr>
           </a:p>
@@ -4324,8 +6714,8 @@
         </p:nvSpPr>
         <p:spPr>
           <a:xfrm flipH="1">
-            <a:off x="8246520" y="4245840"/>
-            <a:ext cx="897120" cy="897120"/>
+            <a:off x="8245800" y="4245840"/>
+            <a:ext cx="896760" cy="896760"/>
           </a:xfrm>
           <a:prstGeom prst="rtTriangle">
             <a:avLst/>
@@ -4352,8 +6742,8 @@
         </p:nvSpPr>
         <p:spPr>
           <a:xfrm flipH="1">
-            <a:off x="8246520" y="4245840"/>
-            <a:ext cx="897120" cy="897120"/>
+            <a:off x="8245800" y="4245840"/>
+            <a:ext cx="896760" cy="896760"/>
           </a:xfrm>
           <a:prstGeom prst="round1Rect">
             <a:avLst>
@@ -4388,29 +6778,23 @@
         </p:nvSpPr>
         <p:spPr>
           <a:xfrm>
-            <a:off x="390600" y="1819440"/>
-            <a:ext cx="8221680" cy="933120"/>
-          </a:xfrm>
-          <a:prstGeom prst="rect">
-            <a:avLst/>
-          </a:prstGeom>
-        </p:spPr>
-        <p:txBody>
-          <a:bodyPr tIns="91440" bIns="91440" anchor="b"/>
+            <a:off x="460800" y="2065320"/>
+            <a:ext cx="8221320" cy="1011960"/>
+          </a:xfrm>
+          <a:prstGeom prst="rect">
+            <a:avLst/>
+          </a:prstGeom>
+        </p:spPr>
+        <p:txBody>
+          <a:bodyPr lIns="0" rIns="0" tIns="0" bIns="0" anchor="ctr"/>
           <a:p>
             <a:r>
-              <a:rPr b="0" lang="en-US" sz="4800" spc="-1" strike="noStrike">
-                <a:solidFill>
-                  <a:srgbClr val="000000"/>
-                </a:solidFill>
+              <a:rPr b="0" lang="en-US" sz="1800" spc="-1" strike="noStrike">
                 <a:latin typeface="Arial"/>
               </a:rPr>
               <a:t>Click to edit the title text format</a:t>
             </a:r>
-            <a:endParaRPr b="0" lang="en-US" sz="4800" spc="-1" strike="noStrike">
-              <a:solidFill>
-                <a:srgbClr val="000000"/>
-              </a:solidFill>
+            <a:endParaRPr b="0" lang="en-US" sz="1800" spc="-1" strike="noStrike">
               <a:latin typeface="Arial"/>
             </a:endParaRPr>
           </a:p>
@@ -4419,49 +6803,6 @@
       <p:sp>
         <p:nvSpPr>
           <p:cNvPr id="3" name="PlaceHolder 4"/>
-          <p:cNvSpPr>
-            <a:spLocks noGrp="1"/>
-          </p:cNvSpPr>
-          <p:nvPr>
-            <p:ph type="sldNum"/>
-          </p:nvPr>
-        </p:nvSpPr>
-        <p:spPr>
-          <a:xfrm>
-            <a:off x="8523720" y="4695480"/>
-            <a:ext cx="548280" cy="393120"/>
-          </a:xfrm>
-          <a:prstGeom prst="rect">
-            <a:avLst/>
-          </a:prstGeom>
-        </p:spPr>
-        <p:txBody>
-          <a:bodyPr tIns="91440" bIns="91440" anchor="ctr"/>
-          <a:p>
-            <a:pPr algn="r">
-              <a:lnSpc>
-                <a:spcPct val="100000"/>
-              </a:lnSpc>
-            </a:pPr>
-            <a:fld id="{7181DD3F-9300-4D7B-AC0F-D70E1547E5FC}" type="slidenum">
-              <a:rPr b="0" lang="en-US" sz="1000" spc="-1" strike="noStrike">
-                <a:solidFill>
-                  <a:srgbClr val="737373"/>
-                </a:solidFill>
-                <a:latin typeface="Comfortaa"/>
-                <a:ea typeface="Comfortaa"/>
-              </a:rPr>
-              <a:t>&lt;number&gt;</a:t>
-            </a:fld>
-            <a:endParaRPr b="0" lang="en-US" sz="1000" spc="-1" strike="noStrike">
-              <a:latin typeface="Times New Roman"/>
-            </a:endParaRPr>
-          </a:p>
-        </p:txBody>
-      </p:sp>
-      <p:sp>
-        <p:nvSpPr>
-          <p:cNvPr id="4" name="PlaceHolder 5"/>
           <p:cNvSpPr>
             <a:spLocks noGrp="1"/>
           </p:cNvSpPr>
@@ -4495,18 +6836,12 @@
               <a:buChar char=""/>
             </a:pPr>
             <a:r>
-              <a:rPr b="0" lang="en-US" sz="1400" spc="-1" strike="noStrike">
-                <a:solidFill>
-                  <a:srgbClr val="000000"/>
-                </a:solidFill>
+              <a:rPr b="0" lang="en-US" sz="3200" spc="-1" strike="noStrike">
                 <a:latin typeface="Arial"/>
               </a:rPr>
               <a:t>Click to edit the outline text format</a:t>
             </a:r>
-            <a:endParaRPr b="0" lang="en-US" sz="1400" spc="-1" strike="noStrike">
-              <a:solidFill>
-                <a:srgbClr val="000000"/>
-              </a:solidFill>
+            <a:endParaRPr b="0" lang="en-US" sz="3200" spc="-1" strike="noStrike">
               <a:latin typeface="Arial"/>
             </a:endParaRPr>
           </a:p>
@@ -4523,18 +6858,12 @@
               <a:buChar char=""/>
             </a:pPr>
             <a:r>
-              <a:rPr b="0" lang="en-US" sz="1400" spc="-1" strike="noStrike">
-                <a:solidFill>
-                  <a:srgbClr val="000000"/>
-                </a:solidFill>
+              <a:rPr b="0" lang="en-US" sz="2800" spc="-1" strike="noStrike">
                 <a:latin typeface="Arial"/>
               </a:rPr>
               <a:t>Second Outline Level</a:t>
             </a:r>
-            <a:endParaRPr b="0" lang="en-US" sz="1400" spc="-1" strike="noStrike">
-              <a:solidFill>
-                <a:srgbClr val="000000"/>
-              </a:solidFill>
+            <a:endParaRPr b="0" lang="en-US" sz="2800" spc="-1" strike="noStrike">
               <a:latin typeface="Arial"/>
             </a:endParaRPr>
           </a:p>
@@ -4551,18 +6880,12 @@
               <a:buChar char=""/>
             </a:pPr>
             <a:r>
-              <a:rPr b="0" lang="en-US" sz="1400" spc="-1" strike="noStrike">
-                <a:solidFill>
-                  <a:srgbClr val="000000"/>
-                </a:solidFill>
+              <a:rPr b="0" lang="en-US" sz="2400" spc="-1" strike="noStrike">
                 <a:latin typeface="Arial"/>
               </a:rPr>
               <a:t>Third Outline Level</a:t>
             </a:r>
-            <a:endParaRPr b="0" lang="en-US" sz="1400" spc="-1" strike="noStrike">
-              <a:solidFill>
-                <a:srgbClr val="000000"/>
-              </a:solidFill>
+            <a:endParaRPr b="0" lang="en-US" sz="2400" spc="-1" strike="noStrike">
               <a:latin typeface="Arial"/>
             </a:endParaRPr>
           </a:p>
@@ -4579,18 +6902,12 @@
               <a:buChar char=""/>
             </a:pPr>
             <a:r>
-              <a:rPr b="0" lang="en-US" sz="1400" spc="-1" strike="noStrike">
-                <a:solidFill>
-                  <a:srgbClr val="000000"/>
-                </a:solidFill>
+              <a:rPr b="0" lang="en-US" sz="2000" spc="-1" strike="noStrike">
                 <a:latin typeface="Arial"/>
               </a:rPr>
               <a:t>Fourth Outline Level</a:t>
             </a:r>
-            <a:endParaRPr b="0" lang="en-US" sz="1400" spc="-1" strike="noStrike">
-              <a:solidFill>
-                <a:srgbClr val="000000"/>
-              </a:solidFill>
+            <a:endParaRPr b="0" lang="en-US" sz="2000" spc="-1" strike="noStrike">
               <a:latin typeface="Arial"/>
             </a:endParaRPr>
           </a:p>
@@ -4608,26 +6925,11 @@
             </a:pPr>
             <a:r>
               <a:rPr b="0" lang="en-US" sz="2000" spc="-1" strike="noStrike">
-                <a:solidFill>
-                  <a:srgbClr val="000000"/>
-                </a:solidFill>
                 <a:latin typeface="Arial"/>
               </a:rPr>
-              <a:t>Fifth Outline </a:t>
-            </a:r>
-            <a:r>
-              <a:rPr b="0" lang="en-US" sz="2000" spc="-1" strike="noStrike">
-                <a:solidFill>
-                  <a:srgbClr val="000000"/>
-                </a:solidFill>
-                <a:latin typeface="Arial"/>
-              </a:rPr>
-              <a:t>Level</a:t>
+              <a:t>Fifth Outline Level</a:t>
             </a:r>
             <a:endParaRPr b="0" lang="en-US" sz="2000" spc="-1" strike="noStrike">
-              <a:solidFill>
-                <a:srgbClr val="000000"/>
-              </a:solidFill>
               <a:latin typeface="Arial"/>
             </a:endParaRPr>
           </a:p>
@@ -4645,35 +6947,11 @@
             </a:pPr>
             <a:r>
               <a:rPr b="0" lang="en-US" sz="2000" spc="-1" strike="noStrike">
-                <a:solidFill>
-                  <a:srgbClr val="000000"/>
-                </a:solidFill>
                 <a:latin typeface="Arial"/>
               </a:rPr>
-              <a:t>Sixth </a:t>
-            </a:r>
-            <a:r>
-              <a:rPr b="0" lang="en-US" sz="2000" spc="-1" strike="noStrike">
-                <a:solidFill>
-                  <a:srgbClr val="000000"/>
-                </a:solidFill>
-                <a:latin typeface="Arial"/>
-              </a:rPr>
-              <a:t>Outline </a:t>
-            </a:r>
-            <a:r>
-              <a:rPr b="0" lang="en-US" sz="2000" spc="-1" strike="noStrike">
-                <a:solidFill>
-                  <a:srgbClr val="000000"/>
-                </a:solidFill>
-                <a:latin typeface="Arial"/>
-              </a:rPr>
-              <a:t>Level</a:t>
+              <a:t>Sixth Outline Level</a:t>
             </a:r>
             <a:endParaRPr b="0" lang="en-US" sz="2000" spc="-1" strike="noStrike">
-              <a:solidFill>
-                <a:srgbClr val="000000"/>
-              </a:solidFill>
               <a:latin typeface="Arial"/>
             </a:endParaRPr>
           </a:p>
@@ -4691,35 +6969,11 @@
             </a:pPr>
             <a:r>
               <a:rPr b="0" lang="en-US" sz="2000" spc="-1" strike="noStrike">
-                <a:solidFill>
-                  <a:srgbClr val="000000"/>
-                </a:solidFill>
                 <a:latin typeface="Arial"/>
               </a:rPr>
-              <a:t>Seventh </a:t>
-            </a:r>
-            <a:r>
-              <a:rPr b="0" lang="en-US" sz="2000" spc="-1" strike="noStrike">
-                <a:solidFill>
-                  <a:srgbClr val="000000"/>
-                </a:solidFill>
-                <a:latin typeface="Arial"/>
-              </a:rPr>
-              <a:t>Outline </a:t>
-            </a:r>
-            <a:r>
-              <a:rPr b="0" lang="en-US" sz="2000" spc="-1" strike="noStrike">
-                <a:solidFill>
-                  <a:srgbClr val="000000"/>
-                </a:solidFill>
-                <a:latin typeface="Arial"/>
-              </a:rPr>
-              <a:t>Level</a:t>
+              <a:t>Seventh Outline Level</a:t>
             </a:r>
             <a:endParaRPr b="0" lang="en-US" sz="2000" spc="-1" strike="noStrike">
-              <a:solidFill>
-                <a:srgbClr val="000000"/>
-              </a:solidFill>
               <a:latin typeface="Arial"/>
             </a:endParaRPr>
           </a:p>
@@ -4771,14 +7025,14 @@
       </p:grpSpPr>
       <p:sp>
         <p:nvSpPr>
-          <p:cNvPr id="41" name="CustomShape 1"/>
+          <p:cNvPr id="40" name="CustomShape 1"/>
           <p:cNvSpPr/>
           <p:nvPr/>
         </p:nvSpPr>
         <p:spPr>
           <a:xfrm flipH="1" rot="10800000">
-            <a:off x="-360" y="5143680"/>
-            <a:ext cx="9143640" cy="4486680"/>
+            <a:off x="0" y="9630360"/>
+            <a:ext cx="9143280" cy="4486320"/>
           </a:xfrm>
           <a:prstGeom prst="rect">
             <a:avLst/>
@@ -4799,14 +7053,14 @@
       </p:sp>
       <p:sp>
         <p:nvSpPr>
-          <p:cNvPr id="42" name="CustomShape 2"/>
+          <p:cNvPr id="41" name="CustomShape 2"/>
           <p:cNvSpPr/>
           <p:nvPr/>
         </p:nvSpPr>
         <p:spPr>
           <a:xfrm>
             <a:off x="0" y="656280"/>
-            <a:ext cx="9143640" cy="108360"/>
+            <a:ext cx="9143280" cy="108000"/>
           </a:xfrm>
           <a:prstGeom prst="rect">
             <a:avLst/>
@@ -4841,7 +7095,7 @@
       </p:sp>
       <p:sp>
         <p:nvSpPr>
-          <p:cNvPr id="43" name="PlaceHolder 3"/>
+          <p:cNvPr id="42" name="PlaceHolder 3"/>
           <p:cNvSpPr>
             <a:spLocks noGrp="1"/>
           </p:cNvSpPr>
@@ -4851,80 +7105,31 @@
         </p:nvSpPr>
         <p:spPr>
           <a:xfrm>
-            <a:off x="98280" y="16200"/>
-            <a:ext cx="8826120" cy="602280"/>
-          </a:xfrm>
-          <a:prstGeom prst="rect">
-            <a:avLst/>
-          </a:prstGeom>
-        </p:spPr>
-        <p:txBody>
-          <a:bodyPr tIns="91440" bIns="91440" anchor="ctr"/>
+            <a:off x="460800" y="2065320"/>
+            <a:ext cx="8221320" cy="1011960"/>
+          </a:xfrm>
+          <a:prstGeom prst="rect">
+            <a:avLst/>
+          </a:prstGeom>
+        </p:spPr>
+        <p:txBody>
+          <a:bodyPr lIns="0" rIns="0" tIns="0" bIns="0" anchor="ctr"/>
           <a:p>
             <a:r>
               <a:rPr b="0" lang="en-US" sz="1800" spc="-1" strike="noStrike">
-                <a:solidFill>
-                  <a:srgbClr val="000000"/>
-                </a:solidFill>
                 <a:latin typeface="Arial"/>
               </a:rPr>
               <a:t>Click to edit the title text format</a:t>
             </a:r>
             <a:endParaRPr b="0" lang="en-US" sz="1800" spc="-1" strike="noStrike">
-              <a:solidFill>
-                <a:srgbClr val="000000"/>
-              </a:solidFill>
-              <a:latin typeface="Arial"/>
-            </a:endParaRPr>
-          </a:p>
-        </p:txBody>
-      </p:sp>
-      <p:sp>
-        <p:nvSpPr>
-          <p:cNvPr id="44" name="PlaceHolder 4"/>
-          <p:cNvSpPr>
-            <a:spLocks noGrp="1"/>
-          </p:cNvSpPr>
-          <p:nvPr>
-            <p:ph type="sldNum"/>
-          </p:nvPr>
-        </p:nvSpPr>
-        <p:spPr>
-          <a:xfrm>
-            <a:off x="8523720" y="4695480"/>
-            <a:ext cx="548280" cy="393120"/>
-          </a:xfrm>
-          <a:prstGeom prst="rect">
-            <a:avLst/>
-          </a:prstGeom>
-        </p:spPr>
-        <p:txBody>
-          <a:bodyPr tIns="91440" bIns="91440" anchor="ctr"/>
-          <a:p>
-            <a:pPr algn="r">
-              <a:lnSpc>
-                <a:spcPct val="100000"/>
-              </a:lnSpc>
-            </a:pPr>
-            <a:fld id="{921965E6-9554-4361-9081-32EF110FF63A}" type="slidenum">
-              <a:rPr b="0" lang="en-US" sz="1000" spc="-1" strike="noStrike">
-                <a:solidFill>
-                  <a:srgbClr val="737373"/>
-                </a:solidFill>
-                <a:latin typeface="Comfortaa"/>
-                <a:ea typeface="Comfortaa"/>
-              </a:rPr>
-              <a:t>1</a:t>
-            </a:fld>
-            <a:endParaRPr b="0" lang="en-US" sz="1000" spc="-1" strike="noStrike">
-              <a:latin typeface="Times New Roman"/>
-            </a:endParaRPr>
-          </a:p>
-        </p:txBody>
-      </p:sp>
-      <p:sp>
-        <p:nvSpPr>
-          <p:cNvPr id="45" name="PlaceHolder 5"/>
+              <a:latin typeface="Arial"/>
+            </a:endParaRPr>
+          </a:p>
+        </p:txBody>
+      </p:sp>
+      <p:sp>
+        <p:nvSpPr>
+          <p:cNvPr id="43" name="PlaceHolder 4"/>
           <p:cNvSpPr>
             <a:spLocks noGrp="1"/>
           </p:cNvSpPr>
@@ -4958,18 +7163,12 @@
               <a:buChar char=""/>
             </a:pPr>
             <a:r>
-              <a:rPr b="0" lang="en-US" sz="1400" spc="-1" strike="noStrike">
-                <a:solidFill>
-                  <a:srgbClr val="000000"/>
-                </a:solidFill>
+              <a:rPr b="0" lang="en-US" sz="3200" spc="-1" strike="noStrike">
                 <a:latin typeface="Arial"/>
               </a:rPr>
               <a:t>Click to edit the outline text format</a:t>
             </a:r>
-            <a:endParaRPr b="0" lang="en-US" sz="1400" spc="-1" strike="noStrike">
-              <a:solidFill>
-                <a:srgbClr val="000000"/>
-              </a:solidFill>
+            <a:endParaRPr b="0" lang="en-US" sz="3200" spc="-1" strike="noStrike">
               <a:latin typeface="Arial"/>
             </a:endParaRPr>
           </a:p>
@@ -4986,18 +7185,12 @@
               <a:buChar char=""/>
             </a:pPr>
             <a:r>
-              <a:rPr b="0" lang="en-US" sz="1400" spc="-1" strike="noStrike">
-                <a:solidFill>
-                  <a:srgbClr val="000000"/>
-                </a:solidFill>
+              <a:rPr b="0" lang="en-US" sz="2800" spc="-1" strike="noStrike">
                 <a:latin typeface="Arial"/>
               </a:rPr>
               <a:t>Second Outline Level</a:t>
             </a:r>
-            <a:endParaRPr b="0" lang="en-US" sz="1400" spc="-1" strike="noStrike">
-              <a:solidFill>
-                <a:srgbClr val="000000"/>
-              </a:solidFill>
+            <a:endParaRPr b="0" lang="en-US" sz="2800" spc="-1" strike="noStrike">
               <a:latin typeface="Arial"/>
             </a:endParaRPr>
           </a:p>
@@ -5014,18 +7207,12 @@
               <a:buChar char=""/>
             </a:pPr>
             <a:r>
-              <a:rPr b="0" lang="en-US" sz="1400" spc="-1" strike="noStrike">
-                <a:solidFill>
-                  <a:srgbClr val="000000"/>
-                </a:solidFill>
+              <a:rPr b="0" lang="en-US" sz="2400" spc="-1" strike="noStrike">
                 <a:latin typeface="Arial"/>
               </a:rPr>
               <a:t>Third Outline Level</a:t>
             </a:r>
-            <a:endParaRPr b="0" lang="en-US" sz="1400" spc="-1" strike="noStrike">
-              <a:solidFill>
-                <a:srgbClr val="000000"/>
-              </a:solidFill>
+            <a:endParaRPr b="0" lang="en-US" sz="2400" spc="-1" strike="noStrike">
               <a:latin typeface="Arial"/>
             </a:endParaRPr>
           </a:p>
@@ -5042,18 +7229,12 @@
               <a:buChar char=""/>
             </a:pPr>
             <a:r>
-              <a:rPr b="0" lang="en-US" sz="1400" spc="-1" strike="noStrike">
-                <a:solidFill>
-                  <a:srgbClr val="000000"/>
-                </a:solidFill>
+              <a:rPr b="0" lang="en-US" sz="2000" spc="-1" strike="noStrike">
                 <a:latin typeface="Arial"/>
               </a:rPr>
               <a:t>Fourth Outline Level</a:t>
             </a:r>
-            <a:endParaRPr b="0" lang="en-US" sz="1400" spc="-1" strike="noStrike">
-              <a:solidFill>
-                <a:srgbClr val="000000"/>
-              </a:solidFill>
+            <a:endParaRPr b="0" lang="en-US" sz="2000" spc="-1" strike="noStrike">
               <a:latin typeface="Arial"/>
             </a:endParaRPr>
           </a:p>
@@ -5071,17 +7252,11 @@
             </a:pPr>
             <a:r>
               <a:rPr b="0" lang="en-US" sz="2000" spc="-1" strike="noStrike">
-                <a:solidFill>
-                  <a:srgbClr val="000000"/>
-                </a:solidFill>
                 <a:latin typeface="Arial"/>
               </a:rPr>
               <a:t>Fifth Outline Level</a:t>
             </a:r>
             <a:endParaRPr b="0" lang="en-US" sz="2000" spc="-1" strike="noStrike">
-              <a:solidFill>
-                <a:srgbClr val="000000"/>
-              </a:solidFill>
               <a:latin typeface="Arial"/>
             </a:endParaRPr>
           </a:p>
@@ -5099,17 +7274,11 @@
             </a:pPr>
             <a:r>
               <a:rPr b="0" lang="en-US" sz="2000" spc="-1" strike="noStrike">
-                <a:solidFill>
-                  <a:srgbClr val="000000"/>
-                </a:solidFill>
                 <a:latin typeface="Arial"/>
               </a:rPr>
               <a:t>Sixth Outline Level</a:t>
             </a:r>
             <a:endParaRPr b="0" lang="en-US" sz="2000" spc="-1" strike="noStrike">
-              <a:solidFill>
-                <a:srgbClr val="000000"/>
-              </a:solidFill>
               <a:latin typeface="Arial"/>
             </a:endParaRPr>
           </a:p>
@@ -5127,17 +7296,11 @@
             </a:pPr>
             <a:r>
               <a:rPr b="0" lang="en-US" sz="2000" spc="-1" strike="noStrike">
-                <a:solidFill>
-                  <a:srgbClr val="000000"/>
-                </a:solidFill>
                 <a:latin typeface="Arial"/>
               </a:rPr>
               <a:t>Seventh Outline Level</a:t>
             </a:r>
             <a:endParaRPr b="0" lang="en-US" sz="2000" spc="-1" strike="noStrike">
-              <a:solidFill>
-                <a:srgbClr val="000000"/>
-              </a:solidFill>
               <a:latin typeface="Arial"/>
             </a:endParaRPr>
           </a:p>
@@ -5189,7 +7352,77 @@
       </p:grpSpPr>
       <p:sp>
         <p:nvSpPr>
-          <p:cNvPr id="82" name="PlaceHolder 1"/>
+          <p:cNvPr id="80" name="CustomShape 1"/>
+          <p:cNvSpPr/>
+          <p:nvPr/>
+        </p:nvSpPr>
+        <p:spPr>
+          <a:xfrm flipH="1" rot="10800000">
+            <a:off x="0" y="9630360"/>
+            <a:ext cx="9143280" cy="4486320"/>
+          </a:xfrm>
+          <a:prstGeom prst="rect">
+            <a:avLst/>
+          </a:prstGeom>
+          <a:solidFill>
+            <a:schemeClr val="accent4"/>
+          </a:solidFill>
+          <a:ln>
+            <a:noFill/>
+          </a:ln>
+        </p:spPr>
+        <p:style>
+          <a:lnRef idx="0"/>
+          <a:fillRef idx="0"/>
+          <a:effectRef idx="0"/>
+          <a:fontRef idx="minor"/>
+        </p:style>
+      </p:sp>
+      <p:sp>
+        <p:nvSpPr>
+          <p:cNvPr id="81" name="CustomShape 2"/>
+          <p:cNvSpPr/>
+          <p:nvPr/>
+        </p:nvSpPr>
+        <p:spPr>
+          <a:xfrm>
+            <a:off x="0" y="656280"/>
+            <a:ext cx="9143280" cy="108000"/>
+          </a:xfrm>
+          <a:prstGeom prst="rect">
+            <a:avLst/>
+          </a:prstGeom>
+          <a:gradFill rotWithShape="0">
+            <a:gsLst>
+              <a:gs pos="0">
+                <a:srgbClr val="f9f9f9"/>
+              </a:gs>
+              <a:gs pos="36000">
+                <a:srgbClr val="f9f9f9"/>
+              </a:gs>
+              <a:gs pos="80000">
+                <a:srgbClr val="dedede"/>
+              </a:gs>
+              <a:gs pos="100000">
+                <a:srgbClr val="999999"/>
+              </a:gs>
+            </a:gsLst>
+            <a:lin ang="16200000"/>
+          </a:gradFill>
+          <a:ln>
+            <a:noFill/>
+          </a:ln>
+        </p:spPr>
+        <p:style>
+          <a:lnRef idx="0"/>
+          <a:fillRef idx="0"/>
+          <a:effectRef idx="0"/>
+          <a:fontRef idx="minor"/>
+        </p:style>
+      </p:sp>
+      <p:sp>
+        <p:nvSpPr>
+          <p:cNvPr id="82" name="PlaceHolder 3"/>
           <p:cNvSpPr>
             <a:spLocks noGrp="1"/>
           </p:cNvSpPr>
@@ -5200,79 +7433,30 @@
         <p:spPr>
           <a:xfrm>
             <a:off x="460800" y="2065320"/>
-            <a:ext cx="8221680" cy="1012320"/>
-          </a:xfrm>
-          <a:prstGeom prst="rect">
-            <a:avLst/>
-          </a:prstGeom>
-        </p:spPr>
-        <p:txBody>
-          <a:bodyPr tIns="91440" bIns="91440" anchor="ctr"/>
+            <a:ext cx="8221320" cy="1011960"/>
+          </a:xfrm>
+          <a:prstGeom prst="rect">
+            <a:avLst/>
+          </a:prstGeom>
+        </p:spPr>
+        <p:txBody>
+          <a:bodyPr lIns="0" rIns="0" tIns="0" bIns="0" anchor="ctr"/>
           <a:p>
             <a:r>
-              <a:rPr b="0" lang="en-US" sz="4200" spc="-1" strike="noStrike">
-                <a:solidFill>
-                  <a:srgbClr val="000000"/>
-                </a:solidFill>
+              <a:rPr b="0" lang="en-US" sz="1800" spc="-1" strike="noStrike">
                 <a:latin typeface="Arial"/>
               </a:rPr>
               <a:t>Click to edit the title text format</a:t>
             </a:r>
-            <a:endParaRPr b="0" lang="en-US" sz="4200" spc="-1" strike="noStrike">
-              <a:solidFill>
-                <a:srgbClr val="000000"/>
-              </a:solidFill>
-              <a:latin typeface="Arial"/>
-            </a:endParaRPr>
-          </a:p>
-        </p:txBody>
-      </p:sp>
-      <p:sp>
-        <p:nvSpPr>
-          <p:cNvPr id="83" name="PlaceHolder 2"/>
-          <p:cNvSpPr>
-            <a:spLocks noGrp="1"/>
-          </p:cNvSpPr>
-          <p:nvPr>
-            <p:ph type="sldNum"/>
-          </p:nvPr>
-        </p:nvSpPr>
-        <p:spPr>
-          <a:xfrm>
-            <a:off x="8523720" y="4695480"/>
-            <a:ext cx="548280" cy="393120"/>
-          </a:xfrm>
-          <a:prstGeom prst="rect">
-            <a:avLst/>
-          </a:prstGeom>
-        </p:spPr>
-        <p:txBody>
-          <a:bodyPr tIns="91440" bIns="91440" anchor="ctr"/>
-          <a:p>
-            <a:pPr algn="r">
-              <a:lnSpc>
-                <a:spcPct val="100000"/>
-              </a:lnSpc>
-            </a:pPr>
-            <a:fld id="{EC65221E-614B-44C7-95B7-780D6A7160E2}" type="slidenum">
-              <a:rPr b="0" lang="en-US" sz="1000" spc="-1" strike="noStrike">
-                <a:solidFill>
-                  <a:srgbClr val="ffffff"/>
-                </a:solidFill>
-                <a:latin typeface="Comfortaa"/>
-                <a:ea typeface="Comfortaa"/>
-              </a:rPr>
-              <a:t>1</a:t>
-            </a:fld>
-            <a:endParaRPr b="0" lang="en-US" sz="1000" spc="-1" strike="noStrike">
-              <a:latin typeface="Times New Roman"/>
-            </a:endParaRPr>
-          </a:p>
-        </p:txBody>
-      </p:sp>
-      <p:sp>
-        <p:nvSpPr>
-          <p:cNvPr id="84" name="PlaceHolder 3"/>
+            <a:endParaRPr b="0" lang="en-US" sz="1800" spc="-1" strike="noStrike">
+              <a:latin typeface="Arial"/>
+            </a:endParaRPr>
+          </a:p>
+        </p:txBody>
+      </p:sp>
+      <p:sp>
+        <p:nvSpPr>
+          <p:cNvPr id="83" name="PlaceHolder 4"/>
           <p:cNvSpPr>
             <a:spLocks noGrp="1"/>
           </p:cNvSpPr>
@@ -5283,7 +7467,7 @@
         <p:spPr>
           <a:xfrm>
             <a:off x="457200" y="1203480"/>
-            <a:ext cx="8229240" cy="2982960"/>
+            <a:ext cx="4015440" cy="2982600"/>
           </a:xfrm>
           <a:prstGeom prst="rect">
             <a:avLst/>
@@ -5306,18 +7490,12 @@
               <a:buChar char=""/>
             </a:pPr>
             <a:r>
-              <a:rPr b="0" lang="en-US" sz="1400" spc="-1" strike="noStrike">
-                <a:solidFill>
-                  <a:srgbClr val="000000"/>
-                </a:solidFill>
+              <a:rPr b="0" lang="en-US" sz="1800" spc="-1" strike="noStrike">
                 <a:latin typeface="Arial"/>
               </a:rPr>
               <a:t>Click to edit the outline text format</a:t>
             </a:r>
-            <a:endParaRPr b="0" lang="en-US" sz="1400" spc="-1" strike="noStrike">
-              <a:solidFill>
-                <a:srgbClr val="000000"/>
-              </a:solidFill>
+            <a:endParaRPr b="0" lang="en-US" sz="1800" spc="-1" strike="noStrike">
               <a:latin typeface="Arial"/>
             </a:endParaRPr>
           </a:p>
@@ -5334,18 +7512,12 @@
               <a:buChar char=""/>
             </a:pPr>
             <a:r>
-              <a:rPr b="0" lang="en-US" sz="1400" spc="-1" strike="noStrike">
-                <a:solidFill>
-                  <a:srgbClr val="000000"/>
-                </a:solidFill>
+              <a:rPr b="0" lang="en-US" sz="1800" spc="-1" strike="noStrike">
                 <a:latin typeface="Arial"/>
               </a:rPr>
               <a:t>Second Outline Level</a:t>
             </a:r>
-            <a:endParaRPr b="0" lang="en-US" sz="1400" spc="-1" strike="noStrike">
-              <a:solidFill>
-                <a:srgbClr val="000000"/>
-              </a:solidFill>
+            <a:endParaRPr b="0" lang="en-US" sz="1800" spc="-1" strike="noStrike">
               <a:latin typeface="Arial"/>
             </a:endParaRPr>
           </a:p>
@@ -5362,18 +7534,12 @@
               <a:buChar char=""/>
             </a:pPr>
             <a:r>
-              <a:rPr b="0" lang="en-US" sz="1400" spc="-1" strike="noStrike">
-                <a:solidFill>
-                  <a:srgbClr val="000000"/>
-                </a:solidFill>
+              <a:rPr b="0" lang="en-US" sz="1800" spc="-1" strike="noStrike">
                 <a:latin typeface="Arial"/>
               </a:rPr>
               <a:t>Third Outline Level</a:t>
             </a:r>
-            <a:endParaRPr b="0" lang="en-US" sz="1400" spc="-1" strike="noStrike">
-              <a:solidFill>
-                <a:srgbClr val="000000"/>
-              </a:solidFill>
+            <a:endParaRPr b="0" lang="en-US" sz="1800" spc="-1" strike="noStrike">
               <a:latin typeface="Arial"/>
             </a:endParaRPr>
           </a:p>
@@ -5390,18 +7556,12 @@
               <a:buChar char=""/>
             </a:pPr>
             <a:r>
-              <a:rPr b="0" lang="en-US" sz="1400" spc="-1" strike="noStrike">
-                <a:solidFill>
-                  <a:srgbClr val="000000"/>
-                </a:solidFill>
+              <a:rPr b="0" lang="en-US" sz="1800" spc="-1" strike="noStrike">
                 <a:latin typeface="Arial"/>
               </a:rPr>
               <a:t>Fourth Outline Level</a:t>
             </a:r>
-            <a:endParaRPr b="0" lang="en-US" sz="1400" spc="-1" strike="noStrike">
-              <a:solidFill>
-                <a:srgbClr val="000000"/>
-              </a:solidFill>
+            <a:endParaRPr b="0" lang="en-US" sz="1800" spc="-1" strike="noStrike">
               <a:latin typeface="Arial"/>
             </a:endParaRPr>
           </a:p>
@@ -5418,18 +7578,12 @@
               <a:buChar char=""/>
             </a:pPr>
             <a:r>
-              <a:rPr b="0" lang="en-US" sz="2000" spc="-1" strike="noStrike">
-                <a:solidFill>
-                  <a:srgbClr val="000000"/>
-                </a:solidFill>
+              <a:rPr b="0" lang="en-US" sz="1800" spc="-1" strike="noStrike">
                 <a:latin typeface="Arial"/>
               </a:rPr>
               <a:t>Fifth Outline Level</a:t>
             </a:r>
-            <a:endParaRPr b="0" lang="en-US" sz="2000" spc="-1" strike="noStrike">
-              <a:solidFill>
-                <a:srgbClr val="000000"/>
-              </a:solidFill>
+            <a:endParaRPr b="0" lang="en-US" sz="1800" spc="-1" strike="noStrike">
               <a:latin typeface="Arial"/>
             </a:endParaRPr>
           </a:p>
@@ -5446,18 +7600,12 @@
               <a:buChar char=""/>
             </a:pPr>
             <a:r>
-              <a:rPr b="0" lang="en-US" sz="2000" spc="-1" strike="noStrike">
-                <a:solidFill>
-                  <a:srgbClr val="000000"/>
-                </a:solidFill>
+              <a:rPr b="0" lang="en-US" sz="1800" spc="-1" strike="noStrike">
                 <a:latin typeface="Arial"/>
               </a:rPr>
               <a:t>Sixth Outline Level</a:t>
             </a:r>
-            <a:endParaRPr b="0" lang="en-US" sz="2000" spc="-1" strike="noStrike">
-              <a:solidFill>
-                <a:srgbClr val="000000"/>
-              </a:solidFill>
+            <a:endParaRPr b="0" lang="en-US" sz="1800" spc="-1" strike="noStrike">
               <a:latin typeface="Arial"/>
             </a:endParaRPr>
           </a:p>
@@ -5474,18 +7622,191 @@
               <a:buChar char=""/>
             </a:pPr>
             <a:r>
-              <a:rPr b="0" lang="en-US" sz="2000" spc="-1" strike="noStrike">
-                <a:solidFill>
-                  <a:srgbClr val="000000"/>
-                </a:solidFill>
+              <a:rPr b="0" lang="en-US" sz="1800" spc="-1" strike="noStrike">
                 <a:latin typeface="Arial"/>
               </a:rPr>
               <a:t>Seventh Outline Level</a:t>
             </a:r>
-            <a:endParaRPr b="0" lang="en-US" sz="2000" spc="-1" strike="noStrike">
-              <a:solidFill>
+            <a:endParaRPr b="0" lang="en-US" sz="1800" spc="-1" strike="noStrike">
+              <a:latin typeface="Arial"/>
+            </a:endParaRPr>
+          </a:p>
+        </p:txBody>
+      </p:sp>
+      <p:sp>
+        <p:nvSpPr>
+          <p:cNvPr id="84" name="PlaceHolder 5"/>
+          <p:cNvSpPr>
+            <a:spLocks noGrp="1"/>
+          </p:cNvSpPr>
+          <p:nvPr>
+            <p:ph type="body"/>
+          </p:nvPr>
+        </p:nvSpPr>
+        <p:spPr>
+          <a:xfrm>
+            <a:off x="4674240" y="1203480"/>
+            <a:ext cx="4015440" cy="2982600"/>
+          </a:xfrm>
+          <a:prstGeom prst="rect">
+            <a:avLst/>
+          </a:prstGeom>
+        </p:spPr>
+        <p:txBody>
+          <a:bodyPr lIns="0" rIns="0" tIns="0" bIns="0">
+            <a:normAutofit/>
+          </a:bodyPr>
+          <a:p>
+            <a:pPr marL="432000" indent="-324000">
+              <a:spcBef>
+                <a:spcPts val="1417"/>
+              </a:spcBef>
+              <a:buClr>
                 <a:srgbClr val="000000"/>
-              </a:solidFill>
+              </a:buClr>
+              <a:buSzPct val="45000"/>
+              <a:buFont typeface="Wingdings" charset="2"/>
+              <a:buChar char=""/>
+            </a:pPr>
+            <a:r>
+              <a:rPr b="0" lang="en-US" sz="1800" spc="-1" strike="noStrike">
+                <a:latin typeface="Arial"/>
+              </a:rPr>
+              <a:t>Click to edit the outline text format</a:t>
+            </a:r>
+            <a:endParaRPr b="0" lang="en-US" sz="1800" spc="-1" strike="noStrike">
+              <a:latin typeface="Arial"/>
+            </a:endParaRPr>
+          </a:p>
+          <a:p>
+            <a:pPr lvl="1" marL="864000" indent="-324000">
+              <a:spcBef>
+                <a:spcPts val="1134"/>
+              </a:spcBef>
+              <a:buClr>
+                <a:srgbClr val="000000"/>
+              </a:buClr>
+              <a:buSzPct val="75000"/>
+              <a:buFont typeface="Symbol" charset="2"/>
+              <a:buChar char=""/>
+            </a:pPr>
+            <a:r>
+              <a:rPr b="0" lang="en-US" sz="1800" spc="-1" strike="noStrike">
+                <a:latin typeface="Arial"/>
+              </a:rPr>
+              <a:t>Second Outline Level</a:t>
+            </a:r>
+            <a:endParaRPr b="0" lang="en-US" sz="1800" spc="-1" strike="noStrike">
+              <a:latin typeface="Arial"/>
+            </a:endParaRPr>
+          </a:p>
+          <a:p>
+            <a:pPr lvl="2" marL="1296000" indent="-288000">
+              <a:spcBef>
+                <a:spcPts val="850"/>
+              </a:spcBef>
+              <a:buClr>
+                <a:srgbClr val="000000"/>
+              </a:buClr>
+              <a:buSzPct val="45000"/>
+              <a:buFont typeface="Wingdings" charset="2"/>
+              <a:buChar char=""/>
+            </a:pPr>
+            <a:r>
+              <a:rPr b="0" lang="en-US" sz="1800" spc="-1" strike="noStrike">
+                <a:latin typeface="Arial"/>
+              </a:rPr>
+              <a:t>Third Outline Level</a:t>
+            </a:r>
+            <a:endParaRPr b="0" lang="en-US" sz="1800" spc="-1" strike="noStrike">
+              <a:latin typeface="Arial"/>
+            </a:endParaRPr>
+          </a:p>
+          <a:p>
+            <a:pPr lvl="3" marL="1728000" indent="-216000">
+              <a:spcBef>
+                <a:spcPts val="567"/>
+              </a:spcBef>
+              <a:buClr>
+                <a:srgbClr val="000000"/>
+              </a:buClr>
+              <a:buSzPct val="75000"/>
+              <a:buFont typeface="Symbol" charset="2"/>
+              <a:buChar char=""/>
+            </a:pPr>
+            <a:r>
+              <a:rPr b="0" lang="en-US" sz="1800" spc="-1" strike="noStrike">
+                <a:latin typeface="Arial"/>
+              </a:rPr>
+              <a:t>Fourth Outline Level</a:t>
+            </a:r>
+            <a:endParaRPr b="0" lang="en-US" sz="1800" spc="-1" strike="noStrike">
+              <a:latin typeface="Arial"/>
+            </a:endParaRPr>
+          </a:p>
+          <a:p>
+            <a:pPr lvl="4" marL="2160000" indent="-216000">
+              <a:spcBef>
+                <a:spcPts val="283"/>
+              </a:spcBef>
+              <a:buClr>
+                <a:srgbClr val="000000"/>
+              </a:buClr>
+              <a:buSzPct val="45000"/>
+              <a:buFont typeface="Wingdings" charset="2"/>
+              <a:buChar char=""/>
+            </a:pPr>
+            <a:r>
+              <a:rPr b="0" lang="en-US" sz="1800" spc="-1" strike="noStrike">
+                <a:latin typeface="Arial"/>
+              </a:rPr>
+              <a:t>Fifth Outline Level</a:t>
+            </a:r>
+            <a:endParaRPr b="0" lang="en-US" sz="1800" spc="-1" strike="noStrike">
+              <a:latin typeface="Arial"/>
+            </a:endParaRPr>
+          </a:p>
+          <a:p>
+            <a:pPr lvl="5" marL="2592000" indent="-216000">
+              <a:spcBef>
+                <a:spcPts val="283"/>
+              </a:spcBef>
+              <a:buClr>
+                <a:srgbClr val="000000"/>
+              </a:buClr>
+              <a:buSzPct val="45000"/>
+              <a:buFont typeface="Wingdings" charset="2"/>
+              <a:buChar char=""/>
+            </a:pPr>
+            <a:r>
+              <a:rPr b="0" lang="en-US" sz="1800" spc="-1" strike="noStrike">
+                <a:latin typeface="Arial"/>
+              </a:rPr>
+              <a:t>Sixth Outline Level</a:t>
+            </a:r>
+            <a:endParaRPr b="0" lang="en-US" sz="1800" spc="-1" strike="noStrike">
+              <a:latin typeface="Arial"/>
+            </a:endParaRPr>
+          </a:p>
+          <a:p>
+            <a:pPr lvl="6" marL="3024000" indent="-216000">
+              <a:spcBef>
+                <a:spcPts val="283"/>
+              </a:spcBef>
+              <a:buClr>
+                <a:srgbClr val="000000"/>
+              </a:buClr>
+              <a:buSzPct val="45000"/>
+              <a:buFont typeface="Wingdings" charset="2"/>
+              <a:buChar char=""/>
+            </a:pPr>
+            <a:r>
+              <a:rPr b="0" lang="en-US" sz="1800" spc="-1" strike="noStrike">
+                <a:latin typeface="Arial"/>
+              </a:rPr>
+              <a:t>Seventh Outline Level</a:t>
+            </a:r>
+            <a:endParaRPr b="0" lang="en-US" sz="1800" spc="-1" strike="noStrike">
               <a:latin typeface="Arial"/>
             </a:endParaRPr>
           </a:p>
@@ -5507,6 +7828,591 @@
     <p:sldLayoutId id="2147483684" r:id="rId11"/>
     <p:sldLayoutId id="2147483685" r:id="rId12"/>
     <p:sldLayoutId id="2147483686" r:id="rId13"/>
+  </p:sldLayoutIdLst>
+</p:sldMaster>
+</file>
+
+<file path=ppt/slideMasters/slideMaster4.xml><?xml version="1.0" encoding="utf-8"?>
+<p:sldMaster xmlns:a="http://schemas.openxmlformats.org/drawingml/2006/main" xmlns:p="http://schemas.openxmlformats.org/presentationml/2006/main" xmlns:r="http://schemas.openxmlformats.org/officeDocument/2006/relationships" xmlns:p14="http://schemas.microsoft.com/office/powerpoint/2010/main" xmlns:p15="http://schemas.microsoft.com/office/powerpoint/2012/main" xmlns:mc="http://schemas.openxmlformats.org/markup-compatibility/2006">
+  <p:cSld>
+    <p:bg>
+      <p:bgPr>
+        <a:solidFill>
+          <a:srgbClr val="53b9d9"/>
+        </a:solidFill>
+      </p:bgPr>
+    </p:bg>
+    <p:spTree>
+      <p:nvGrpSpPr>
+        <p:cNvPr id="1" name=""/>
+        <p:cNvGrpSpPr/>
+        <p:nvPr/>
+      </p:nvGrpSpPr>
+      <p:grpSpPr>
+        <a:xfrm>
+          <a:off x="0" y="0"/>
+          <a:ext cx="0" cy="0"/>
+          <a:chOff x="0" y="0"/>
+          <a:chExt cx="0" cy="0"/>
+        </a:xfrm>
+      </p:grpSpPr>
+      <p:sp>
+        <p:nvSpPr>
+          <p:cNvPr id="121" name="CustomShape 1"/>
+          <p:cNvSpPr/>
+          <p:nvPr/>
+        </p:nvSpPr>
+        <p:spPr>
+          <a:xfrm flipH="1" rot="10800000">
+            <a:off x="0" y="9630360"/>
+            <a:ext cx="9143280" cy="4486320"/>
+          </a:xfrm>
+          <a:prstGeom prst="rect">
+            <a:avLst/>
+          </a:prstGeom>
+          <a:solidFill>
+            <a:schemeClr val="accent4"/>
+          </a:solidFill>
+          <a:ln>
+            <a:noFill/>
+          </a:ln>
+        </p:spPr>
+        <p:style>
+          <a:lnRef idx="0"/>
+          <a:fillRef idx="0"/>
+          <a:effectRef idx="0"/>
+          <a:fontRef idx="minor"/>
+        </p:style>
+      </p:sp>
+      <p:sp>
+        <p:nvSpPr>
+          <p:cNvPr id="122" name="CustomShape 2"/>
+          <p:cNvSpPr/>
+          <p:nvPr/>
+        </p:nvSpPr>
+        <p:spPr>
+          <a:xfrm>
+            <a:off x="0" y="656280"/>
+            <a:ext cx="9143280" cy="108000"/>
+          </a:xfrm>
+          <a:prstGeom prst="rect">
+            <a:avLst/>
+          </a:prstGeom>
+          <a:gradFill rotWithShape="0">
+            <a:gsLst>
+              <a:gs pos="0">
+                <a:srgbClr val="f9f9f9"/>
+              </a:gs>
+              <a:gs pos="36000">
+                <a:srgbClr val="f9f9f9"/>
+              </a:gs>
+              <a:gs pos="80000">
+                <a:srgbClr val="dedede"/>
+              </a:gs>
+              <a:gs pos="100000">
+                <a:srgbClr val="999999"/>
+              </a:gs>
+            </a:gsLst>
+            <a:lin ang="16200000"/>
+          </a:gradFill>
+          <a:ln>
+            <a:noFill/>
+          </a:ln>
+        </p:spPr>
+        <p:style>
+          <a:lnRef idx="0"/>
+          <a:fillRef idx="0"/>
+          <a:effectRef idx="0"/>
+          <a:fontRef idx="minor"/>
+        </p:style>
+      </p:sp>
+      <p:sp>
+        <p:nvSpPr>
+          <p:cNvPr id="123" name="PlaceHolder 3"/>
+          <p:cNvSpPr>
+            <a:spLocks noGrp="1"/>
+          </p:cNvSpPr>
+          <p:nvPr>
+            <p:ph type="title"/>
+          </p:nvPr>
+        </p:nvSpPr>
+        <p:spPr>
+          <a:xfrm>
+            <a:off x="460800" y="2065320"/>
+            <a:ext cx="8221320" cy="1011960"/>
+          </a:xfrm>
+          <a:prstGeom prst="rect">
+            <a:avLst/>
+          </a:prstGeom>
+        </p:spPr>
+        <p:txBody>
+          <a:bodyPr lIns="0" rIns="0" tIns="0" bIns="0" anchor="ctr"/>
+          <a:p>
+            <a:r>
+              <a:rPr b="0" lang="en-US" sz="1800" spc="-1" strike="noStrike">
+                <a:latin typeface="Arial"/>
+              </a:rPr>
+              <a:t>Click to edit the title text format</a:t>
+            </a:r>
+            <a:endParaRPr b="0" lang="en-US" sz="1800" spc="-1" strike="noStrike">
+              <a:latin typeface="Arial"/>
+            </a:endParaRPr>
+          </a:p>
+        </p:txBody>
+      </p:sp>
+      <p:sp>
+        <p:nvSpPr>
+          <p:cNvPr id="124" name="PlaceHolder 4"/>
+          <p:cNvSpPr>
+            <a:spLocks noGrp="1"/>
+          </p:cNvSpPr>
+          <p:nvPr>
+            <p:ph type="body"/>
+          </p:nvPr>
+        </p:nvSpPr>
+        <p:spPr>
+          <a:xfrm>
+            <a:off x="457200" y="1203480"/>
+            <a:ext cx="8229240" cy="2982960"/>
+          </a:xfrm>
+          <a:prstGeom prst="rect">
+            <a:avLst/>
+          </a:prstGeom>
+        </p:spPr>
+        <p:txBody>
+          <a:bodyPr lIns="0" rIns="0" tIns="0" bIns="0">
+            <a:normAutofit/>
+          </a:bodyPr>
+          <a:p>
+            <a:pPr marL="432000" indent="-324000">
+              <a:spcBef>
+                <a:spcPts val="1417"/>
+              </a:spcBef>
+              <a:buClr>
+                <a:srgbClr val="000000"/>
+              </a:buClr>
+              <a:buSzPct val="45000"/>
+              <a:buFont typeface="Wingdings" charset="2"/>
+              <a:buChar char=""/>
+            </a:pPr>
+            <a:r>
+              <a:rPr b="0" lang="en-US" sz="3200" spc="-1" strike="noStrike">
+                <a:latin typeface="Arial"/>
+              </a:rPr>
+              <a:t>Click to edit the outline text format</a:t>
+            </a:r>
+            <a:endParaRPr b="0" lang="en-US" sz="3200" spc="-1" strike="noStrike">
+              <a:latin typeface="Arial"/>
+            </a:endParaRPr>
+          </a:p>
+          <a:p>
+            <a:pPr lvl="1" marL="864000" indent="-324000">
+              <a:spcBef>
+                <a:spcPts val="1134"/>
+              </a:spcBef>
+              <a:buClr>
+                <a:srgbClr val="000000"/>
+              </a:buClr>
+              <a:buSzPct val="75000"/>
+              <a:buFont typeface="Symbol" charset="2"/>
+              <a:buChar char=""/>
+            </a:pPr>
+            <a:r>
+              <a:rPr b="0" lang="en-US" sz="2800" spc="-1" strike="noStrike">
+                <a:latin typeface="Arial"/>
+              </a:rPr>
+              <a:t>Second Outline Level</a:t>
+            </a:r>
+            <a:endParaRPr b="0" lang="en-US" sz="2800" spc="-1" strike="noStrike">
+              <a:latin typeface="Arial"/>
+            </a:endParaRPr>
+          </a:p>
+          <a:p>
+            <a:pPr lvl="2" marL="1296000" indent="-288000">
+              <a:spcBef>
+                <a:spcPts val="850"/>
+              </a:spcBef>
+              <a:buClr>
+                <a:srgbClr val="000000"/>
+              </a:buClr>
+              <a:buSzPct val="45000"/>
+              <a:buFont typeface="Wingdings" charset="2"/>
+              <a:buChar char=""/>
+            </a:pPr>
+            <a:r>
+              <a:rPr b="0" lang="en-US" sz="2400" spc="-1" strike="noStrike">
+                <a:latin typeface="Arial"/>
+              </a:rPr>
+              <a:t>Third Outline Level</a:t>
+            </a:r>
+            <a:endParaRPr b="0" lang="en-US" sz="2400" spc="-1" strike="noStrike">
+              <a:latin typeface="Arial"/>
+            </a:endParaRPr>
+          </a:p>
+          <a:p>
+            <a:pPr lvl="3" marL="1728000" indent="-216000">
+              <a:spcBef>
+                <a:spcPts val="567"/>
+              </a:spcBef>
+              <a:buClr>
+                <a:srgbClr val="000000"/>
+              </a:buClr>
+              <a:buSzPct val="75000"/>
+              <a:buFont typeface="Symbol" charset="2"/>
+              <a:buChar char=""/>
+            </a:pPr>
+            <a:r>
+              <a:rPr b="0" lang="en-US" sz="2000" spc="-1" strike="noStrike">
+                <a:latin typeface="Arial"/>
+              </a:rPr>
+              <a:t>Fourth Outline Level</a:t>
+            </a:r>
+            <a:endParaRPr b="0" lang="en-US" sz="2000" spc="-1" strike="noStrike">
+              <a:latin typeface="Arial"/>
+            </a:endParaRPr>
+          </a:p>
+          <a:p>
+            <a:pPr lvl="4" marL="2160000" indent="-216000">
+              <a:spcBef>
+                <a:spcPts val="283"/>
+              </a:spcBef>
+              <a:buClr>
+                <a:srgbClr val="000000"/>
+              </a:buClr>
+              <a:buSzPct val="45000"/>
+              <a:buFont typeface="Wingdings" charset="2"/>
+              <a:buChar char=""/>
+            </a:pPr>
+            <a:r>
+              <a:rPr b="0" lang="en-US" sz="2000" spc="-1" strike="noStrike">
+                <a:latin typeface="Arial"/>
+              </a:rPr>
+              <a:t>Fifth Outline Level</a:t>
+            </a:r>
+            <a:endParaRPr b="0" lang="en-US" sz="2000" spc="-1" strike="noStrike">
+              <a:latin typeface="Arial"/>
+            </a:endParaRPr>
+          </a:p>
+          <a:p>
+            <a:pPr lvl="5" marL="2592000" indent="-216000">
+              <a:spcBef>
+                <a:spcPts val="283"/>
+              </a:spcBef>
+              <a:buClr>
+                <a:srgbClr val="000000"/>
+              </a:buClr>
+              <a:buSzPct val="45000"/>
+              <a:buFont typeface="Wingdings" charset="2"/>
+              <a:buChar char=""/>
+            </a:pPr>
+            <a:r>
+              <a:rPr b="0" lang="en-US" sz="2000" spc="-1" strike="noStrike">
+                <a:latin typeface="Arial"/>
+              </a:rPr>
+              <a:t>Sixth Outline Level</a:t>
+            </a:r>
+            <a:endParaRPr b="0" lang="en-US" sz="2000" spc="-1" strike="noStrike">
+              <a:latin typeface="Arial"/>
+            </a:endParaRPr>
+          </a:p>
+          <a:p>
+            <a:pPr lvl="6" marL="3024000" indent="-216000">
+              <a:spcBef>
+                <a:spcPts val="283"/>
+              </a:spcBef>
+              <a:buClr>
+                <a:srgbClr val="000000"/>
+              </a:buClr>
+              <a:buSzPct val="45000"/>
+              <a:buFont typeface="Wingdings" charset="2"/>
+              <a:buChar char=""/>
+            </a:pPr>
+            <a:r>
+              <a:rPr b="0" lang="en-US" sz="2000" spc="-1" strike="noStrike">
+                <a:latin typeface="Arial"/>
+              </a:rPr>
+              <a:t>Seventh Outline Level</a:t>
+            </a:r>
+            <a:endParaRPr b="0" lang="en-US" sz="2000" spc="-1" strike="noStrike">
+              <a:latin typeface="Arial"/>
+            </a:endParaRPr>
+          </a:p>
+        </p:txBody>
+      </p:sp>
+    </p:spTree>
+  </p:cSld>
+  <p:clrMap bg1="lt1" bg2="lt2" tx1="dk1" tx2="dk2" accent1="accent1" accent2="accent2" accent3="accent3" accent4="accent4" accent5="accent5" accent6="accent6" hlink="hlink" folHlink="folHlink"/>
+  <p:sldLayoutIdLst>
+    <p:sldLayoutId id="2147483688" r:id="rId2"/>
+    <p:sldLayoutId id="2147483689" r:id="rId3"/>
+    <p:sldLayoutId id="2147483690" r:id="rId4"/>
+    <p:sldLayoutId id="2147483691" r:id="rId5"/>
+    <p:sldLayoutId id="2147483692" r:id="rId6"/>
+    <p:sldLayoutId id="2147483693" r:id="rId7"/>
+    <p:sldLayoutId id="2147483694" r:id="rId8"/>
+    <p:sldLayoutId id="2147483695" r:id="rId9"/>
+    <p:sldLayoutId id="2147483696" r:id="rId10"/>
+    <p:sldLayoutId id="2147483697" r:id="rId11"/>
+    <p:sldLayoutId id="2147483698" r:id="rId12"/>
+    <p:sldLayoutId id="2147483699" r:id="rId13"/>
+  </p:sldLayoutIdLst>
+</p:sldMaster>
+</file>
+
+<file path=ppt/slideMasters/slideMaster5.xml><?xml version="1.0" encoding="utf-8"?>
+<p:sldMaster xmlns:a="http://schemas.openxmlformats.org/drawingml/2006/main" xmlns:p="http://schemas.openxmlformats.org/presentationml/2006/main" xmlns:r="http://schemas.openxmlformats.org/officeDocument/2006/relationships" xmlns:p14="http://schemas.microsoft.com/office/powerpoint/2010/main" xmlns:p15="http://schemas.microsoft.com/office/powerpoint/2012/main" xmlns:mc="http://schemas.openxmlformats.org/markup-compatibility/2006">
+  <p:cSld>
+    <p:bg>
+      <p:bgPr>
+        <a:solidFill>
+          <a:srgbClr val="53b9d9"/>
+        </a:solidFill>
+      </p:bgPr>
+    </p:bg>
+    <p:spTree>
+      <p:nvGrpSpPr>
+        <p:cNvPr id="1" name=""/>
+        <p:cNvGrpSpPr/>
+        <p:nvPr/>
+      </p:nvGrpSpPr>
+      <p:grpSpPr>
+        <a:xfrm>
+          <a:off x="0" y="0"/>
+          <a:ext cx="0" cy="0"/>
+          <a:chOff x="0" y="0"/>
+          <a:chExt cx="0" cy="0"/>
+        </a:xfrm>
+      </p:grpSpPr>
+      <p:sp>
+        <p:nvSpPr>
+          <p:cNvPr id="161" name="PlaceHolder 1"/>
+          <p:cNvSpPr>
+            <a:spLocks noGrp="1"/>
+          </p:cNvSpPr>
+          <p:nvPr>
+            <p:ph type="title"/>
+          </p:nvPr>
+        </p:nvSpPr>
+        <p:spPr>
+          <a:xfrm>
+            <a:off x="457200" y="205200"/>
+            <a:ext cx="8229240" cy="858600"/>
+          </a:xfrm>
+          <a:prstGeom prst="rect">
+            <a:avLst/>
+          </a:prstGeom>
+        </p:spPr>
+        <p:txBody>
+          <a:bodyPr lIns="0" rIns="0" tIns="0" bIns="0" anchor="ctr"/>
+          <a:p>
+            <a:pPr algn="ctr"/>
+            <a:r>
+              <a:rPr b="0" lang="en-US" sz="4400" spc="-1" strike="noStrike">
+                <a:latin typeface="Arial"/>
+              </a:rPr>
+              <a:t>Click to edit the title text format</a:t>
+            </a:r>
+            <a:endParaRPr b="0" lang="en-US" sz="4400" spc="-1" strike="noStrike">
+              <a:latin typeface="Arial"/>
+            </a:endParaRPr>
+          </a:p>
+        </p:txBody>
+      </p:sp>
+      <p:sp>
+        <p:nvSpPr>
+          <p:cNvPr id="162" name="PlaceHolder 2"/>
+          <p:cNvSpPr>
+            <a:spLocks noGrp="1"/>
+          </p:cNvSpPr>
+          <p:nvPr>
+            <p:ph type="body"/>
+          </p:nvPr>
+        </p:nvSpPr>
+        <p:spPr>
+          <a:xfrm>
+            <a:off x="457200" y="1203480"/>
+            <a:ext cx="8229240" cy="2982960"/>
+          </a:xfrm>
+          <a:prstGeom prst="rect">
+            <a:avLst/>
+          </a:prstGeom>
+        </p:spPr>
+        <p:txBody>
+          <a:bodyPr lIns="0" rIns="0" tIns="0" bIns="0">
+            <a:normAutofit/>
+          </a:bodyPr>
+          <a:p>
+            <a:pPr marL="432000" indent="-324000">
+              <a:spcBef>
+                <a:spcPts val="1417"/>
+              </a:spcBef>
+              <a:buClr>
+                <a:srgbClr val="000000"/>
+              </a:buClr>
+              <a:buSzPct val="45000"/>
+              <a:buFont typeface="Wingdings" charset="2"/>
+              <a:buChar char=""/>
+            </a:pPr>
+            <a:r>
+              <a:rPr b="0" lang="en-US" sz="3200" spc="-1" strike="noStrike">
+                <a:latin typeface="Arial"/>
+              </a:rPr>
+              <a:t>Click to edit the outline text format</a:t>
+            </a:r>
+            <a:endParaRPr b="0" lang="en-US" sz="3200" spc="-1" strike="noStrike">
+              <a:latin typeface="Arial"/>
+            </a:endParaRPr>
+          </a:p>
+          <a:p>
+            <a:pPr lvl="1" marL="864000" indent="-324000">
+              <a:spcBef>
+                <a:spcPts val="1134"/>
+              </a:spcBef>
+              <a:buClr>
+                <a:srgbClr val="000000"/>
+              </a:buClr>
+              <a:buSzPct val="75000"/>
+              <a:buFont typeface="Symbol" charset="2"/>
+              <a:buChar char=""/>
+            </a:pPr>
+            <a:r>
+              <a:rPr b="0" lang="en-US" sz="2800" spc="-1" strike="noStrike">
+                <a:latin typeface="Arial"/>
+              </a:rPr>
+              <a:t>Second Outline Level</a:t>
+            </a:r>
+            <a:endParaRPr b="0" lang="en-US" sz="2800" spc="-1" strike="noStrike">
+              <a:latin typeface="Arial"/>
+            </a:endParaRPr>
+          </a:p>
+          <a:p>
+            <a:pPr lvl="2" marL="1296000" indent="-288000">
+              <a:spcBef>
+                <a:spcPts val="850"/>
+              </a:spcBef>
+              <a:buClr>
+                <a:srgbClr val="000000"/>
+              </a:buClr>
+              <a:buSzPct val="45000"/>
+              <a:buFont typeface="Wingdings" charset="2"/>
+              <a:buChar char=""/>
+            </a:pPr>
+            <a:r>
+              <a:rPr b="0" lang="en-US" sz="2400" spc="-1" strike="noStrike">
+                <a:latin typeface="Arial"/>
+              </a:rPr>
+              <a:t>Third Outline Level</a:t>
+            </a:r>
+            <a:endParaRPr b="0" lang="en-US" sz="2400" spc="-1" strike="noStrike">
+              <a:latin typeface="Arial"/>
+            </a:endParaRPr>
+          </a:p>
+          <a:p>
+            <a:pPr lvl="3" marL="1728000" indent="-216000">
+              <a:spcBef>
+                <a:spcPts val="567"/>
+              </a:spcBef>
+              <a:buClr>
+                <a:srgbClr val="000000"/>
+              </a:buClr>
+              <a:buSzPct val="75000"/>
+              <a:buFont typeface="Symbol" charset="2"/>
+              <a:buChar char=""/>
+            </a:pPr>
+            <a:r>
+              <a:rPr b="0" lang="en-US" sz="2000" spc="-1" strike="noStrike">
+                <a:latin typeface="Arial"/>
+              </a:rPr>
+              <a:t>Fourth Outline Level</a:t>
+            </a:r>
+            <a:endParaRPr b="0" lang="en-US" sz="2000" spc="-1" strike="noStrike">
+              <a:latin typeface="Arial"/>
+            </a:endParaRPr>
+          </a:p>
+          <a:p>
+            <a:pPr lvl="4" marL="2160000" indent="-216000">
+              <a:spcBef>
+                <a:spcPts val="283"/>
+              </a:spcBef>
+              <a:buClr>
+                <a:srgbClr val="000000"/>
+              </a:buClr>
+              <a:buSzPct val="45000"/>
+              <a:buFont typeface="Wingdings" charset="2"/>
+              <a:buChar char=""/>
+            </a:pPr>
+            <a:r>
+              <a:rPr b="0" lang="en-US" sz="2000" spc="-1" strike="noStrike">
+                <a:latin typeface="Arial"/>
+              </a:rPr>
+              <a:t>Fifth Outline Level</a:t>
+            </a:r>
+            <a:endParaRPr b="0" lang="en-US" sz="2000" spc="-1" strike="noStrike">
+              <a:latin typeface="Arial"/>
+            </a:endParaRPr>
+          </a:p>
+          <a:p>
+            <a:pPr lvl="5" marL="2592000" indent="-216000">
+              <a:spcBef>
+                <a:spcPts val="283"/>
+              </a:spcBef>
+              <a:buClr>
+                <a:srgbClr val="000000"/>
+              </a:buClr>
+              <a:buSzPct val="45000"/>
+              <a:buFont typeface="Wingdings" charset="2"/>
+              <a:buChar char=""/>
+            </a:pPr>
+            <a:r>
+              <a:rPr b="0" lang="en-US" sz="2000" spc="-1" strike="noStrike">
+                <a:latin typeface="Arial"/>
+              </a:rPr>
+              <a:t>Sixth Outline Level</a:t>
+            </a:r>
+            <a:endParaRPr b="0" lang="en-US" sz="2000" spc="-1" strike="noStrike">
+              <a:latin typeface="Arial"/>
+            </a:endParaRPr>
+          </a:p>
+          <a:p>
+            <a:pPr lvl="6" marL="3024000" indent="-216000">
+              <a:spcBef>
+                <a:spcPts val="283"/>
+              </a:spcBef>
+              <a:buClr>
+                <a:srgbClr val="000000"/>
+              </a:buClr>
+              <a:buSzPct val="45000"/>
+              <a:buFont typeface="Wingdings" charset="2"/>
+              <a:buChar char=""/>
+            </a:pPr>
+            <a:r>
+              <a:rPr b="0" lang="en-US" sz="2000" spc="-1" strike="noStrike">
+                <a:latin typeface="Arial"/>
+              </a:rPr>
+              <a:t>Seventh Outline Level</a:t>
+            </a:r>
+            <a:endParaRPr b="0" lang="en-US" sz="2000" spc="-1" strike="noStrike">
+              <a:latin typeface="Arial"/>
+            </a:endParaRPr>
+          </a:p>
+        </p:txBody>
+      </p:sp>
+    </p:spTree>
+  </p:cSld>
+  <p:clrMap bg1="lt1" bg2="lt2" tx1="dk1" tx2="dk2" accent1="accent1" accent2="accent2" accent3="accent3" accent4="accent4" accent5="accent5" accent6="accent6" hlink="hlink" folHlink="folHlink"/>
+  <p:sldLayoutIdLst>
+    <p:sldLayoutId id="2147483701" r:id="rId2"/>
+    <p:sldLayoutId id="2147483702" r:id="rId3"/>
+    <p:sldLayoutId id="2147483703" r:id="rId4"/>
+    <p:sldLayoutId id="2147483704" r:id="rId5"/>
+    <p:sldLayoutId id="2147483705" r:id="rId6"/>
+    <p:sldLayoutId id="2147483706" r:id="rId7"/>
+    <p:sldLayoutId id="2147483707" r:id="rId8"/>
+    <p:sldLayoutId id="2147483708" r:id="rId9"/>
+    <p:sldLayoutId id="2147483709" r:id="rId10"/>
+    <p:sldLayoutId id="2147483710" r:id="rId11"/>
+    <p:sldLayoutId id="2147483711" r:id="rId12"/>
+    <p:sldLayoutId id="2147483712" r:id="rId13"/>
   </p:sldLayoutIdLst>
 </p:sldMaster>
 </file>
@@ -5537,14 +8443,14 @@
       </p:grpSpPr>
       <p:sp>
         <p:nvSpPr>
-          <p:cNvPr id="121" name="TextShape 1"/>
-          <p:cNvSpPr txBox="1"/>
+          <p:cNvPr id="199" name="CustomShape 1"/>
+          <p:cNvSpPr/>
           <p:nvPr/>
         </p:nvSpPr>
         <p:spPr>
           <a:xfrm>
             <a:off x="390600" y="1819440"/>
-            <a:ext cx="8221680" cy="933120"/>
+            <a:ext cx="8221320" cy="932760"/>
           </a:xfrm>
           <a:prstGeom prst="rect">
             <a:avLst/>
@@ -5554,28 +8460,23 @@
             <a:noFill/>
           </a:ln>
         </p:spPr>
-        <p:txBody>
-          <a:bodyPr tIns="91440" bIns="91440" anchor="b"/>
-          <a:p>
-            <a:endParaRPr b="0" lang="en-US" sz="1400" spc="-1" strike="noStrike">
-              <a:solidFill>
-                <a:srgbClr val="000000"/>
-              </a:solidFill>
-              <a:latin typeface="Arial"/>
-            </a:endParaRPr>
-          </a:p>
-        </p:txBody>
-      </p:sp>
-      <p:sp>
-        <p:nvSpPr>
-          <p:cNvPr id="122" name="TextShape 2"/>
-          <p:cNvSpPr txBox="1"/>
+        <p:style>
+          <a:lnRef idx="0"/>
+          <a:fillRef idx="0"/>
+          <a:effectRef idx="0"/>
+          <a:fontRef idx="minor"/>
+        </p:style>
+      </p:sp>
+      <p:sp>
+        <p:nvSpPr>
+          <p:cNvPr id="200" name="CustomShape 2"/>
+          <p:cNvSpPr/>
           <p:nvPr/>
         </p:nvSpPr>
         <p:spPr>
           <a:xfrm>
             <a:off x="390600" y="2789280"/>
-            <a:ext cx="8221680" cy="432720"/>
+            <a:ext cx="8221320" cy="432360"/>
           </a:xfrm>
           <a:prstGeom prst="rect">
             <a:avLst/>
@@ -5585,19 +8486,16 @@
             <a:noFill/>
           </a:ln>
         </p:spPr>
-        <p:txBody>
-          <a:bodyPr tIns="91440" bIns="91440"/>
-          <a:p>
-            <a:pPr algn="ctr"/>
-            <a:endParaRPr b="0" lang="en-US" sz="3200" spc="-1" strike="noStrike">
-              <a:latin typeface="Arial"/>
-            </a:endParaRPr>
-          </a:p>
-        </p:txBody>
+        <p:style>
+          <a:lnRef idx="0"/>
+          <a:fillRef idx="0"/>
+          <a:effectRef idx="0"/>
+          <a:fontRef idx="minor"/>
+        </p:style>
       </p:sp>
       <p:pic>
         <p:nvPicPr>
-          <p:cNvPr id="123" name="Google Shape;69;p13" descr=""/>
+          <p:cNvPr id="201" name="Google Shape;69;p13" descr=""/>
           <p:cNvPicPr/>
           <p:nvPr/>
         </p:nvPicPr>
@@ -5608,7 +8506,7 @@
         <p:spPr>
           <a:xfrm>
             <a:off x="0" y="-10080"/>
-            <a:ext cx="9213480" cy="5181120"/>
+            <a:ext cx="9213120" cy="5180760"/>
           </a:xfrm>
           <a:prstGeom prst="rect">
             <a:avLst/>
@@ -5620,14 +8518,14 @@
       </p:pic>
       <p:sp>
         <p:nvSpPr>
-          <p:cNvPr id="124" name="CustomShape 3"/>
+          <p:cNvPr id="202" name="CustomShape 3"/>
           <p:cNvSpPr/>
           <p:nvPr/>
         </p:nvSpPr>
         <p:spPr>
           <a:xfrm>
             <a:off x="284400" y="915120"/>
-            <a:ext cx="8520120" cy="1324080"/>
+            <a:ext cx="8519760" cy="1323720"/>
           </a:xfrm>
           <a:prstGeom prst="rect">
             <a:avLst/>
@@ -5644,7 +8542,7 @@
           <a:fontRef idx="minor"/>
         </p:style>
         <p:txBody>
-          <a:bodyPr tIns="91440" bIns="91440" anchor="b"/>
+          <a:bodyPr lIns="90000" rIns="90000" tIns="91440" bIns="91440" anchor="b"/>
           <a:p>
             <a:pPr marL="457200">
               <a:lnSpc>
@@ -5669,14 +8567,14 @@
       </p:sp>
       <p:sp>
         <p:nvSpPr>
-          <p:cNvPr id="125" name="CustomShape 4"/>
+          <p:cNvPr id="203" name="CustomShape 4"/>
           <p:cNvSpPr/>
           <p:nvPr/>
         </p:nvSpPr>
         <p:spPr>
           <a:xfrm>
             <a:off x="762480" y="2315880"/>
-            <a:ext cx="6800040" cy="1026000"/>
+            <a:ext cx="6799680" cy="1025640"/>
           </a:xfrm>
           <a:prstGeom prst="rect">
             <a:avLst/>
@@ -5693,7 +8591,7 @@
           <a:fontRef idx="minor"/>
         </p:style>
         <p:txBody>
-          <a:bodyPr tIns="91440" bIns="91440"/>
+          <a:bodyPr lIns="90000" rIns="90000" tIns="91440" bIns="91440"/>
           <a:p>
             <a:pPr>
               <a:lnSpc>
@@ -5718,7 +8616,7 @@
       </p:sp>
       <p:pic>
         <p:nvPicPr>
-          <p:cNvPr id="126" name="Google Shape;72;p13" descr=""/>
+          <p:cNvPr id="204" name="Google Shape;72;p13" descr=""/>
           <p:cNvPicPr/>
           <p:nvPr/>
         </p:nvPicPr>
@@ -5729,7 +8627,7 @@
         <p:spPr>
           <a:xfrm>
             <a:off x="807480" y="280440"/>
-            <a:ext cx="1552320" cy="542520"/>
+            <a:ext cx="1551960" cy="542160"/>
           </a:xfrm>
           <a:prstGeom prst="rect">
             <a:avLst/>
@@ -5741,7 +8639,7 @@
       </p:pic>
       <p:pic>
         <p:nvPicPr>
-          <p:cNvPr id="127" name="Google Shape;73;p13" descr=""/>
+          <p:cNvPr id="205" name="Google Shape;73;p13" descr=""/>
           <p:cNvPicPr/>
           <p:nvPr/>
         </p:nvPicPr>
@@ -5752,7 +8650,7 @@
         <p:spPr>
           <a:xfrm>
             <a:off x="6114240" y="2755080"/>
-            <a:ext cx="2903400" cy="2363040"/>
+            <a:ext cx="2903040" cy="2362680"/>
           </a:xfrm>
           <a:prstGeom prst="rect">
             <a:avLst/>
@@ -5813,14 +8711,14 @@
       </p:grpSpPr>
       <p:sp>
         <p:nvSpPr>
-          <p:cNvPr id="128" name="TextShape 1"/>
-          <p:cNvSpPr txBox="1"/>
+          <p:cNvPr id="206" name="CustomShape 1"/>
+          <p:cNvSpPr/>
           <p:nvPr/>
         </p:nvSpPr>
         <p:spPr>
           <a:xfrm>
             <a:off x="98280" y="16200"/>
-            <a:ext cx="8826120" cy="602280"/>
+            <a:ext cx="8825760" cy="601920"/>
           </a:xfrm>
           <a:prstGeom prst="rect">
             <a:avLst/>
@@ -5830,8 +8728,14 @@
             <a:noFill/>
           </a:ln>
         </p:spPr>
-        <p:txBody>
-          <a:bodyPr tIns="91440" bIns="91440" anchor="ctr"/>
+        <p:style>
+          <a:lnRef idx="0"/>
+          <a:fillRef idx="0"/>
+          <a:effectRef idx="0"/>
+          <a:fontRef idx="minor"/>
+        </p:style>
+        <p:txBody>
+          <a:bodyPr lIns="90000" rIns="90000" tIns="91440" bIns="91440" anchor="ctr"/>
           <a:p>
             <a:pPr>
               <a:lnSpc>
@@ -5849,24 +8753,21 @@
               <a:t>TEAM LIST</a:t>
             </a:r>
             <a:endParaRPr b="0" lang="en-US" sz="1800" spc="-1" strike="noStrike">
-              <a:solidFill>
-                <a:srgbClr val="000000"/>
-              </a:solidFill>
-              <a:latin typeface="Arial"/>
-            </a:endParaRPr>
-          </a:p>
-        </p:txBody>
-      </p:sp>
-      <p:sp>
-        <p:nvSpPr>
-          <p:cNvPr id="129" name="TextShape 2"/>
-          <p:cNvSpPr txBox="1"/>
+              <a:latin typeface="Arial"/>
+            </a:endParaRPr>
+          </a:p>
+        </p:txBody>
+      </p:sp>
+      <p:sp>
+        <p:nvSpPr>
+          <p:cNvPr id="207" name="CustomShape 2"/>
+          <p:cNvSpPr/>
           <p:nvPr/>
         </p:nvSpPr>
         <p:spPr>
           <a:xfrm>
             <a:off x="457200" y="1203480"/>
-            <a:ext cx="8229240" cy="2982960"/>
+            <a:ext cx="8228880" cy="2982600"/>
           </a:xfrm>
           <a:prstGeom prst="rect">
             <a:avLst/>
@@ -5876,6 +8777,12 @@
             <a:noFill/>
           </a:ln>
         </p:spPr>
+        <p:style>
+          <a:lnRef idx="0"/>
+          <a:fillRef idx="0"/>
+          <a:effectRef idx="0"/>
+          <a:fontRef idx="minor"/>
+        </p:style>
         <p:txBody>
           <a:bodyPr lIns="0" rIns="0" tIns="0" bIns="0" anchor="ctr"/>
           <a:p>
@@ -5921,7 +8828,11 @@
             </a:endParaRPr>
           </a:p>
           <a:p>
-            <a:pPr algn="ctr"/>
+            <a:pPr algn="ctr">
+              <a:lnSpc>
+                <a:spcPct val="100000"/>
+              </a:lnSpc>
+            </a:pPr>
             <a:r>
               <a:rPr b="0" lang="en-US" sz="3200" spc="-1" strike="noStrike">
                 <a:latin typeface="Arial"/>
@@ -5985,14 +8896,14 @@
       </p:grpSpPr>
       <p:sp>
         <p:nvSpPr>
-          <p:cNvPr id="130" name="TextShape 1"/>
-          <p:cNvSpPr txBox="1"/>
+          <p:cNvPr id="208" name="CustomShape 1"/>
+          <p:cNvSpPr/>
           <p:nvPr/>
         </p:nvSpPr>
         <p:spPr>
           <a:xfrm>
             <a:off x="98280" y="16200"/>
-            <a:ext cx="8826120" cy="602280"/>
+            <a:ext cx="8825760" cy="601920"/>
           </a:xfrm>
           <a:prstGeom prst="rect">
             <a:avLst/>
@@ -6002,8 +8913,14 @@
             <a:noFill/>
           </a:ln>
         </p:spPr>
-        <p:txBody>
-          <a:bodyPr tIns="91440" bIns="91440" anchor="ctr"/>
+        <p:style>
+          <a:lnRef idx="0"/>
+          <a:fillRef idx="0"/>
+          <a:effectRef idx="0"/>
+          <a:fontRef idx="minor"/>
+        </p:style>
+        <p:txBody>
+          <a:bodyPr lIns="90000" rIns="90000" tIns="91440" bIns="91440" anchor="ctr"/>
           <a:p>
             <a:pPr>
               <a:lnSpc>
@@ -6021,24 +8938,21 @@
               <a:t>PROJECT PREPARATION - Analisa Project</a:t>
             </a:r>
             <a:endParaRPr b="0" lang="en-US" sz="1800" spc="-1" strike="noStrike">
-              <a:solidFill>
-                <a:srgbClr val="000000"/>
-              </a:solidFill>
-              <a:latin typeface="Arial"/>
-            </a:endParaRPr>
-          </a:p>
-        </p:txBody>
-      </p:sp>
-      <p:sp>
-        <p:nvSpPr>
-          <p:cNvPr id="131" name="TextShape 2"/>
-          <p:cNvSpPr txBox="1"/>
+              <a:latin typeface="Arial"/>
+            </a:endParaRPr>
+          </a:p>
+        </p:txBody>
+      </p:sp>
+      <p:sp>
+        <p:nvSpPr>
+          <p:cNvPr id="209" name="CustomShape 2"/>
+          <p:cNvSpPr/>
           <p:nvPr/>
         </p:nvSpPr>
         <p:spPr>
           <a:xfrm>
             <a:off x="457200" y="3566160"/>
-            <a:ext cx="8503920" cy="1371600"/>
+            <a:ext cx="8503560" cy="1371240"/>
           </a:xfrm>
           <a:prstGeom prst="rect">
             <a:avLst/>
@@ -6048,6 +8962,12 @@
             <a:noFill/>
           </a:ln>
         </p:spPr>
+        <p:style>
+          <a:lnRef idx="0"/>
+          <a:fillRef idx="0"/>
+          <a:effectRef idx="0"/>
+          <a:fontRef idx="minor"/>
+        </p:style>
         <p:txBody>
           <a:bodyPr lIns="0" rIns="0" tIns="0" bIns="0">
             <a:normAutofit/>
@@ -6072,9 +8992,6 @@
               <a:t>Web ini dapat menampilkan daftar Mall dan Park </a:t>
             </a:r>
             <a:endParaRPr b="0" lang="en-US" sz="1400" spc="-1" strike="noStrike">
-              <a:solidFill>
-                <a:srgbClr val="000000"/>
-              </a:solidFill>
               <a:latin typeface="Arial"/>
             </a:endParaRPr>
           </a:p>
@@ -6098,9 +9015,6 @@
               <a:t>Untuk detail tempat disediakan deskripsi, gambar, lokasi, fasilitas tempatnya dan lokasi dalam bentuk map. </a:t>
             </a:r>
             <a:endParaRPr b="0" lang="en-US" sz="1400" spc="-1" strike="noStrike">
-              <a:solidFill>
-                <a:srgbClr val="000000"/>
-              </a:solidFill>
               <a:latin typeface="Arial"/>
             </a:endParaRPr>
           </a:p>
@@ -6121,12 +9035,9 @@
                 <a:latin typeface="Arial"/>
                 <a:ea typeface="Arial"/>
               </a:rPr>
-              <a:t>Form yang digunakan untuk menambah data baru menggunakan fitu modal.</a:t>
+              <a:t>Form yang digunakan untuk menambah data baru menggunakan fitur Bootstrap Modal.</a:t>
             </a:r>
             <a:endParaRPr b="0" lang="en-US" sz="1400" spc="-1" strike="noStrike">
-              <a:solidFill>
-                <a:srgbClr val="000000"/>
-              </a:solidFill>
               <a:latin typeface="Arial"/>
             </a:endParaRPr>
           </a:p>
@@ -6134,7 +9045,7 @@
       </p:sp>
       <p:pic>
         <p:nvPicPr>
-          <p:cNvPr id="132" name="" descr=""/>
+          <p:cNvPr id="210" name="" descr=""/>
           <p:cNvPicPr/>
           <p:nvPr/>
         </p:nvPicPr>
@@ -6144,8 +9055,8 @@
         </p:blipFill>
         <p:spPr>
           <a:xfrm>
-            <a:off x="1196640" y="1029240"/>
-            <a:ext cx="4349880" cy="2445480"/>
+            <a:off x="1196640" y="885240"/>
+            <a:ext cx="4349520" cy="2445120"/>
           </a:xfrm>
           <a:prstGeom prst="rect">
             <a:avLst/>
@@ -6157,7 +9068,7 @@
       </p:pic>
       <p:pic>
         <p:nvPicPr>
-          <p:cNvPr id="133" name="" descr=""/>
+          <p:cNvPr id="211" name="" descr=""/>
           <p:cNvPicPr/>
           <p:nvPr/>
         </p:nvPicPr>
@@ -6167,8 +9078,8 @@
         </p:blipFill>
         <p:spPr>
           <a:xfrm>
-            <a:off x="5785200" y="1064880"/>
-            <a:ext cx="2223720" cy="2409840"/>
+            <a:off x="5785200" y="920880"/>
+            <a:ext cx="2223360" cy="2409480"/>
           </a:xfrm>
           <a:prstGeom prst="rect">
             <a:avLst/>
@@ -6229,14 +9140,14 @@
       </p:grpSpPr>
       <p:sp>
         <p:nvSpPr>
-          <p:cNvPr id="134" name="TextShape 1"/>
-          <p:cNvSpPr txBox="1"/>
+          <p:cNvPr id="212" name="CustomShape 1"/>
+          <p:cNvSpPr/>
           <p:nvPr/>
         </p:nvSpPr>
         <p:spPr>
           <a:xfrm>
             <a:off x="98280" y="16200"/>
-            <a:ext cx="8826120" cy="602280"/>
+            <a:ext cx="8825760" cy="601920"/>
           </a:xfrm>
           <a:prstGeom prst="rect">
             <a:avLst/>
@@ -6246,8 +9157,14 @@
             <a:noFill/>
           </a:ln>
         </p:spPr>
-        <p:txBody>
-          <a:bodyPr tIns="91440" bIns="91440" anchor="ctr"/>
+        <p:style>
+          <a:lnRef idx="0"/>
+          <a:fillRef idx="0"/>
+          <a:effectRef idx="0"/>
+          <a:fontRef idx="minor"/>
+        </p:style>
+        <p:txBody>
+          <a:bodyPr lIns="90000" rIns="90000" tIns="91440" bIns="91440" anchor="ctr"/>
           <a:p>
             <a:pPr>
               <a:lnSpc>
@@ -6265,9 +9182,6 @@
               <a:t>PROJECT PREPARATION - Database Model</a:t>
             </a:r>
             <a:endParaRPr b="0" lang="en-US" sz="1800" spc="-1" strike="noStrike">
-              <a:solidFill>
-                <a:srgbClr val="000000"/>
-              </a:solidFill>
               <a:latin typeface="Arial"/>
             </a:endParaRPr>
           </a:p>
@@ -6275,27 +9189,32 @@
       </p:sp>
       <p:graphicFrame>
         <p:nvGraphicFramePr>
-          <p:cNvPr id="135" name="Table 2"/>
+          <p:cNvPr id="213" name="Table 2"/>
           <p:cNvGraphicFramePr/>
           <p:nvPr/>
         </p:nvGraphicFramePr>
         <p:xfrm>
-          <a:off x="2034360" y="1828800"/>
-          <a:ext cx="5075280" cy="1794600"/>
+          <a:off x="914400" y="1828800"/>
+          <a:ext cx="7406640" cy="1794240"/>
         </p:xfrm>
         <a:graphic>
           <a:graphicData uri="http://schemas.openxmlformats.org/drawingml/2006/table">
             <a:tbl>
               <a:tblPr/>
               <a:tblGrid>
-                <a:gridCol w="2537640"/>
-                <a:gridCol w="2538000"/>
+                <a:gridCol w="3702240"/>
+                <a:gridCol w="3704400"/>
               </a:tblGrid>
               <a:tr h="411120">
                 <a:tc>
                   <a:txBody>
-                    <a:bodyPr lIns="90000" rIns="90000" tIns="46800" bIns="46800" anchor="ctr"/>
+                    <a:bodyPr lIns="90000" rIns="90000"/>
                     <a:p>
+                      <a:pPr>
+                        <a:lnSpc>
+                          <a:spcPct val="100000"/>
+                        </a:lnSpc>
+                      </a:pPr>
                       <a:r>
                         <a:rPr b="0" lang="en-US" sz="1800" spc="-1" strike="noStrike">
                           <a:latin typeface="Arial"/>
@@ -6335,8 +9254,13 @@
                 </a:tc>
                 <a:tc>
                   <a:txBody>
-                    <a:bodyPr lIns="90000" rIns="90000" tIns="46800" bIns="46800" anchor="ctr"/>
+                    <a:bodyPr lIns="90000" rIns="90000"/>
                     <a:p>
+                      <a:pPr>
+                        <a:lnSpc>
+                          <a:spcPct val="100000"/>
+                        </a:lnSpc>
+                      </a:pPr>
                       <a:r>
                         <a:rPr b="0" lang="en-US" sz="1800" spc="-1" strike="noStrike">
                           <a:latin typeface="Arial"/>
@@ -6378,68 +9302,105 @@
               <a:tr h="1383480">
                 <a:tc>
                   <a:txBody>
-                    <a:bodyPr lIns="90000" rIns="90000" tIns="46800" bIns="46800" anchor="ctr"/>
+                    <a:bodyPr lIns="90000" rIns="90000"/>
                     <a:p>
+                      <a:pPr>
+                        <a:lnSpc>
+                          <a:spcPct val="100000"/>
+                        </a:lnSpc>
+                      </a:pPr>
                       <a:r>
                         <a:rPr b="0" lang="en-US" sz="1800" spc="-1" strike="noStrike">
                           <a:latin typeface="Arial"/>
                         </a:rPr>
-                        <a:t>Nama</a:t>
+                        <a:t>Nama (CharField)</a:t>
                       </a:r>
                       <a:endParaRPr b="0" lang="en-US" sz="1800" spc="-1" strike="noStrike">
                         <a:latin typeface="Arial"/>
                       </a:endParaRPr>
                     </a:p>
                     <a:p>
+                      <a:pPr>
+                        <a:lnSpc>
+                          <a:spcPct val="100000"/>
+                        </a:lnSpc>
+                      </a:pPr>
+                      <a:r>
+                        <a:rPr b="0" lang="en-US" sz="1800" spc="-1" strike="noStrike">
+                          <a:latin typeface="Arial"/>
+                          <a:ea typeface="Noto Sans CJK SC Regular"/>
+                        </a:rPr>
+                        <a:t>Lokasi </a:t>
+                      </a:r>
                       <a:r>
                         <a:rPr b="0" lang="en-US" sz="1800" spc="-1" strike="noStrike">
                           <a:latin typeface="Arial"/>
                         </a:rPr>
-                        <a:t>Lokasi</a:t>
+                        <a:t>(CharField)</a:t>
                       </a:r>
                       <a:endParaRPr b="0" lang="en-US" sz="1800" spc="-1" strike="noStrike">
                         <a:latin typeface="Arial"/>
                       </a:endParaRPr>
                     </a:p>
                     <a:p>
+                      <a:pPr>
+                        <a:lnSpc>
+                          <a:spcPct val="100000"/>
+                        </a:lnSpc>
+                      </a:pPr>
                       <a:r>
                         <a:rPr b="0" lang="en-US" sz="1800" spc="-1" strike="noStrike">
                           <a:latin typeface="Arial"/>
                         </a:rPr>
-                        <a:t>Gambar</a:t>
+                        <a:t>Gambar (ImageField - Pillow)</a:t>
                       </a:r>
                       <a:endParaRPr b="0" lang="en-US" sz="1800" spc="-1" strike="noStrike">
                         <a:latin typeface="Arial"/>
                       </a:endParaRPr>
                     </a:p>
                     <a:p>
+                      <a:pPr>
+                        <a:lnSpc>
+                          <a:spcPct val="100000"/>
+                        </a:lnSpc>
+                      </a:pPr>
                       <a:r>
                         <a:rPr b="0" lang="en-US" sz="1800" spc="-1" strike="noStrike">
                           <a:latin typeface="Arial"/>
                         </a:rPr>
-                        <a:t>Dekripsi</a:t>
+                        <a:t>Deskripsi (Text)</a:t>
                       </a:r>
                       <a:endParaRPr b="0" lang="en-US" sz="1800" spc="-1" strike="noStrike">
                         <a:latin typeface="Arial"/>
                       </a:endParaRPr>
                     </a:p>
                     <a:p>
+                      <a:pPr>
+                        <a:lnSpc>
+                          <a:spcPct val="100000"/>
+                        </a:lnSpc>
+                      </a:pPr>
                       <a:r>
                         <a:rPr b="0" lang="en-US" sz="1800" spc="-1" strike="noStrike">
                           <a:latin typeface="Arial"/>
                         </a:rPr>
-                        <a:t>Map_park</a:t>
+                        <a:t>Map_park (Text - embed gmaps)</a:t>
                       </a:r>
                       <a:endParaRPr b="0" lang="en-US" sz="1800" spc="-1" strike="noStrike">
                         <a:latin typeface="Arial"/>
                       </a:endParaRPr>
                     </a:p>
                     <a:p>
+                      <a:pPr>
+                        <a:lnSpc>
+                          <a:spcPct val="100000"/>
+                        </a:lnSpc>
+                      </a:pPr>
                       <a:r>
                         <a:rPr b="0" lang="en-US" sz="1800" spc="-1" strike="noStrike">
                           <a:latin typeface="Arial"/>
                         </a:rPr>
-                        <a:t>fasilitas_(1-4)</a:t>
+                        <a:t>Fasilitas_(1-4) (CharField)</a:t>
                       </a:r>
                       <a:endParaRPr b="0" lang="en-US" sz="1800" spc="-1" strike="noStrike">
                         <a:latin typeface="Arial"/>
@@ -6474,8 +9435,13 @@
                 </a:tc>
                 <a:tc>
                   <a:txBody>
-                    <a:bodyPr lIns="90000" rIns="90000" tIns="46800" bIns="46800" anchor="ctr"/>
+                    <a:bodyPr lIns="90000" rIns="90000"/>
                     <a:p>
+                      <a:pPr>
+                        <a:lnSpc>
+                          <a:spcPct val="100000"/>
+                        </a:lnSpc>
+                      </a:pPr>
                       <a:r>
                         <a:rPr b="0" lang="en-US" sz="1800" spc="-1" strike="noStrike">
                           <a:latin typeface="Arial"/>
@@ -6487,6 +9453,11 @@
                       </a:endParaRPr>
                     </a:p>
                     <a:p>
+                      <a:pPr>
+                        <a:lnSpc>
+                          <a:spcPct val="100000"/>
+                        </a:lnSpc>
+                      </a:pPr>
                       <a:r>
                         <a:rPr b="0" lang="en-US" sz="1800" spc="-1" strike="noStrike">
                           <a:latin typeface="Arial"/>
@@ -6498,6 +9469,11 @@
                       </a:endParaRPr>
                     </a:p>
                     <a:p>
+                      <a:pPr>
+                        <a:lnSpc>
+                          <a:spcPct val="100000"/>
+                        </a:lnSpc>
+                      </a:pPr>
                       <a:r>
                         <a:rPr b="0" lang="en-US" sz="1800" spc="-1" strike="noStrike">
                           <a:latin typeface="Arial"/>
@@ -6509,6 +9485,11 @@
                       </a:endParaRPr>
                     </a:p>
                     <a:p>
+                      <a:pPr>
+                        <a:lnSpc>
+                          <a:spcPct val="100000"/>
+                        </a:lnSpc>
+                      </a:pPr>
                       <a:r>
                         <a:rPr b="0" lang="en-US" sz="1800" spc="-1" strike="noStrike">
                           <a:latin typeface="Arial"/>
@@ -6520,6 +9501,11 @@
                       </a:endParaRPr>
                     </a:p>
                     <a:p>
+                      <a:pPr>
+                        <a:lnSpc>
+                          <a:spcPct val="100000"/>
+                        </a:lnSpc>
+                      </a:pPr>
                       <a:r>
                         <a:rPr b="0" lang="en-US" sz="1800" spc="-1" strike="noStrike">
                           <a:latin typeface="Arial"/>
@@ -6531,6 +9517,11 @@
                       </a:endParaRPr>
                     </a:p>
                     <a:p>
+                      <a:pPr>
+                        <a:lnSpc>
+                          <a:spcPct val="100000"/>
+                        </a:lnSpc>
+                      </a:pPr>
                       <a:r>
                         <a:rPr b="0" lang="en-US" sz="1800" spc="-1" strike="noStrike">
                           <a:latin typeface="Arial"/>
@@ -6624,14 +9615,14 @@
       </p:grpSpPr>
       <p:sp>
         <p:nvSpPr>
-          <p:cNvPr id="136" name="TextShape 1"/>
-          <p:cNvSpPr txBox="1"/>
+          <p:cNvPr id="214" name="CustomShape 1"/>
+          <p:cNvSpPr/>
           <p:nvPr/>
         </p:nvSpPr>
         <p:spPr>
           <a:xfrm>
             <a:off x="98280" y="16200"/>
-            <a:ext cx="8826120" cy="602280"/>
+            <a:ext cx="8825760" cy="601920"/>
           </a:xfrm>
           <a:prstGeom prst="rect">
             <a:avLst/>
@@ -6641,8 +9632,14 @@
             <a:noFill/>
           </a:ln>
         </p:spPr>
-        <p:txBody>
-          <a:bodyPr tIns="91440" bIns="91440" anchor="ctr"/>
+        <p:style>
+          <a:lnRef idx="0"/>
+          <a:fillRef idx="0"/>
+          <a:effectRef idx="0"/>
+          <a:fontRef idx="minor"/>
+        </p:style>
+        <p:txBody>
+          <a:bodyPr lIns="90000" rIns="90000" tIns="91440" bIns="91440" anchor="ctr"/>
           <a:p>
             <a:pPr>
               <a:lnSpc>
@@ -6660,24 +9657,21 @@
               <a:t>PROJECT PREPARATION - Views &amp; URL</a:t>
             </a:r>
             <a:endParaRPr b="0" lang="en-US" sz="1800" spc="-1" strike="noStrike">
-              <a:solidFill>
-                <a:srgbClr val="000000"/>
-              </a:solidFill>
-              <a:latin typeface="Arial"/>
-            </a:endParaRPr>
-          </a:p>
-        </p:txBody>
-      </p:sp>
-      <p:sp>
-        <p:nvSpPr>
-          <p:cNvPr id="137" name="TextShape 2"/>
-          <p:cNvSpPr txBox="1"/>
+              <a:latin typeface="Arial"/>
+            </a:endParaRPr>
+          </a:p>
+        </p:txBody>
+      </p:sp>
+      <p:sp>
+        <p:nvSpPr>
+          <p:cNvPr id="215" name="CustomShape 2"/>
+          <p:cNvSpPr/>
           <p:nvPr/>
         </p:nvSpPr>
         <p:spPr>
           <a:xfrm>
             <a:off x="457200" y="1203480"/>
-            <a:ext cx="4015800" cy="2982960"/>
+            <a:ext cx="4015440" cy="2982600"/>
           </a:xfrm>
           <a:prstGeom prst="rect">
             <a:avLst/>
@@ -6687,12 +9681,21 @@
             <a:noFill/>
           </a:ln>
         </p:spPr>
-        <p:txBody>
-          <a:bodyPr lIns="0" rIns="0" tIns="0" bIns="0">
-            <a:normAutofit/>
-          </a:bodyPr>
-          <a:p>
-            <a:pPr marL="432000" indent="-324000">
+        <p:style>
+          <a:lnRef idx="0"/>
+          <a:fillRef idx="0"/>
+          <a:effectRef idx="0"/>
+          <a:fontRef idx="minor"/>
+        </p:style>
+        <p:txBody>
+          <a:bodyPr lIns="0" rIns="0" tIns="0" bIns="0">
+            <a:normAutofit/>
+          </a:bodyPr>
+          <a:p>
+            <a:pPr marL="432000" indent="-323640">
+              <a:lnSpc>
+                <a:spcPct val="100000"/>
+              </a:lnSpc>
               <a:spcBef>
                 <a:spcPts val="1417"/>
               </a:spcBef>
@@ -6713,14 +9716,14 @@
               <a:t>Pada setiap halaman terdapat fungsi memanggil detail mall dan fungsi untuk menampilkan halaman awal dan form</a:t>
             </a:r>
             <a:endParaRPr b="0" lang="en-US" sz="1400" spc="-1" strike="noStrike">
-              <a:solidFill>
-                <a:srgbClr val="000000"/>
-              </a:solidFill>
-              <a:latin typeface="Arial"/>
-            </a:endParaRPr>
-          </a:p>
-          <a:p>
-            <a:pPr marL="432000" indent="-324000">
+              <a:latin typeface="Arial"/>
+            </a:endParaRPr>
+          </a:p>
+          <a:p>
+            <a:pPr marL="432000" indent="-323640">
+              <a:lnSpc>
+                <a:spcPct val="100000"/>
+              </a:lnSpc>
               <a:spcBef>
                 <a:spcPts val="1417"/>
               </a:spcBef>
@@ -6741,24 +9744,21 @@
               <a:t>Terdapat halaman untuk download file laporan</a:t>
             </a:r>
             <a:endParaRPr b="0" lang="en-US" sz="1400" spc="-1" strike="noStrike">
-              <a:solidFill>
-                <a:srgbClr val="000000"/>
-              </a:solidFill>
-              <a:latin typeface="Arial"/>
-            </a:endParaRPr>
-          </a:p>
-        </p:txBody>
-      </p:sp>
-      <p:sp>
-        <p:nvSpPr>
-          <p:cNvPr id="138" name="TextShape 3"/>
-          <p:cNvSpPr txBox="1"/>
+              <a:latin typeface="Arial"/>
+            </a:endParaRPr>
+          </a:p>
+        </p:txBody>
+      </p:sp>
+      <p:sp>
+        <p:nvSpPr>
+          <p:cNvPr id="216" name="CustomShape 3"/>
+          <p:cNvSpPr/>
           <p:nvPr/>
         </p:nvSpPr>
         <p:spPr>
           <a:xfrm>
             <a:off x="4674240" y="1203480"/>
-            <a:ext cx="4015800" cy="2982960"/>
+            <a:ext cx="4015440" cy="2982600"/>
           </a:xfrm>
           <a:prstGeom prst="rect">
             <a:avLst/>
@@ -6768,23 +9768,16 @@
             <a:noFill/>
           </a:ln>
         </p:spPr>
-        <p:txBody>
-          <a:bodyPr lIns="0" rIns="0" tIns="0" bIns="0">
-            <a:normAutofit/>
-          </a:bodyPr>
-          <a:p>
-            <a:endParaRPr b="0" lang="en-US" sz="1400" spc="-1" strike="noStrike">
-              <a:solidFill>
-                <a:srgbClr val="000000"/>
-              </a:solidFill>
-              <a:latin typeface="Arial"/>
-            </a:endParaRPr>
-          </a:p>
-        </p:txBody>
+        <p:style>
+          <a:lnRef idx="0"/>
+          <a:fillRef idx="0"/>
+          <a:effectRef idx="0"/>
+          <a:fontRef idx="minor"/>
+        </p:style>
       </p:sp>
       <p:pic>
         <p:nvPicPr>
-          <p:cNvPr id="139" name="" descr=""/>
+          <p:cNvPr id="217" name="" descr=""/>
           <p:cNvPicPr/>
           <p:nvPr/>
         </p:nvPicPr>
@@ -6794,8 +9787,8 @@
         </p:blipFill>
         <p:spPr>
           <a:xfrm>
-            <a:off x="4674240" y="1220040"/>
-            <a:ext cx="4015800" cy="2257560"/>
+            <a:off x="4926240" y="3034440"/>
+            <a:ext cx="3541680" cy="1990800"/>
           </a:xfrm>
           <a:prstGeom prst="rect">
             <a:avLst/>
@@ -6807,7 +9800,7 @@
       </p:pic>
       <p:pic>
         <p:nvPicPr>
-          <p:cNvPr id="140" name="" descr=""/>
+          <p:cNvPr id="218" name="" descr=""/>
           <p:cNvPicPr/>
           <p:nvPr/>
         </p:nvPicPr>
@@ -6818,7 +9811,30 @@
         <p:spPr>
           <a:xfrm>
             <a:off x="587520" y="2576880"/>
-            <a:ext cx="3840480" cy="2159280"/>
+            <a:ext cx="3840120" cy="2158920"/>
+          </a:xfrm>
+          <a:prstGeom prst="rect">
+            <a:avLst/>
+          </a:prstGeom>
+          <a:ln>
+            <a:noFill/>
+          </a:ln>
+        </p:spPr>
+      </p:pic>
+      <p:pic>
+        <p:nvPicPr>
+          <p:cNvPr id="219" name="" descr=""/>
+          <p:cNvPicPr/>
+          <p:nvPr/>
+        </p:nvPicPr>
+        <p:blipFill>
+          <a:blip r:embed="rId3"/>
+          <a:stretch/>
+        </p:blipFill>
+        <p:spPr>
+          <a:xfrm>
+            <a:off x="4937760" y="979560"/>
+            <a:ext cx="3526560" cy="1982520"/>
           </a:xfrm>
           <a:prstGeom prst="rect">
             <a:avLst/>
@@ -6879,14 +9895,14 @@
       </p:grpSpPr>
       <p:sp>
         <p:nvSpPr>
-          <p:cNvPr id="141" name="TextShape 1"/>
-          <p:cNvSpPr txBox="1"/>
+          <p:cNvPr id="220" name="CustomShape 1"/>
+          <p:cNvSpPr/>
           <p:nvPr/>
         </p:nvSpPr>
         <p:spPr>
           <a:xfrm>
             <a:off x="98280" y="16200"/>
-            <a:ext cx="8826120" cy="602280"/>
+            <a:ext cx="8825760" cy="601920"/>
           </a:xfrm>
           <a:prstGeom prst="rect">
             <a:avLst/>
@@ -6896,8 +9912,14 @@
             <a:noFill/>
           </a:ln>
         </p:spPr>
-        <p:txBody>
-          <a:bodyPr tIns="91440" bIns="91440" anchor="ctr"/>
+        <p:style>
+          <a:lnRef idx="0"/>
+          <a:fillRef idx="0"/>
+          <a:effectRef idx="0"/>
+          <a:fontRef idx="minor"/>
+        </p:style>
+        <p:txBody>
+          <a:bodyPr lIns="90000" rIns="90000" tIns="91440" bIns="91440" anchor="ctr"/>
           <a:p>
             <a:pPr>
               <a:lnSpc>
@@ -6915,24 +9937,21 @@
               <a:t>PROJECT PREPARATION - Extra Preparation</a:t>
             </a:r>
             <a:endParaRPr b="0" lang="en-US" sz="1800" spc="-1" strike="noStrike">
-              <a:solidFill>
-                <a:srgbClr val="000000"/>
-              </a:solidFill>
-              <a:latin typeface="Arial"/>
-            </a:endParaRPr>
-          </a:p>
-        </p:txBody>
-      </p:sp>
-      <p:sp>
-        <p:nvSpPr>
-          <p:cNvPr id="142" name="CustomShape 2"/>
+              <a:latin typeface="Arial"/>
+            </a:endParaRPr>
+          </a:p>
+        </p:txBody>
+      </p:sp>
+      <p:sp>
+        <p:nvSpPr>
+          <p:cNvPr id="221" name="CustomShape 2"/>
           <p:cNvSpPr/>
           <p:nvPr/>
         </p:nvSpPr>
         <p:spPr>
           <a:xfrm>
             <a:off x="348480" y="1017720"/>
-            <a:ext cx="8338320" cy="458640"/>
+            <a:ext cx="8337960" cy="458280"/>
           </a:xfrm>
           <a:prstGeom prst="rect">
             <a:avLst/>
@@ -6949,9 +9968,9 @@
           <a:fontRef idx="minor"/>
         </p:style>
         <p:txBody>
-          <a:bodyPr tIns="91440" bIns="91440"/>
-          <a:p>
-            <a:pPr marL="457200" indent="-317160">
+          <a:bodyPr lIns="90000" rIns="90000" tIns="91440" bIns="91440"/>
+          <a:p>
+            <a:pPr marL="457200" indent="-316800">
               <a:lnSpc>
                 <a:spcPct val="100000"/>
               </a:lnSpc>
@@ -6976,7 +9995,7 @@
             </a:endParaRPr>
           </a:p>
           <a:p>
-            <a:pPr lvl="2" marL="648000" indent="-216000">
+            <a:pPr lvl="2" marL="648000" indent="-215640">
               <a:lnSpc>
                 <a:spcPct val="100000"/>
               </a:lnSpc>
@@ -7002,7 +10021,7 @@
             </a:endParaRPr>
           </a:p>
           <a:p>
-            <a:pPr lvl="2" marL="648000" indent="-216000">
+            <a:pPr lvl="2" marL="648000" indent="-215640">
               <a:lnSpc>
                 <a:spcPct val="100000"/>
               </a:lnSpc>
@@ -7028,7 +10047,7 @@
             </a:endParaRPr>
           </a:p>
           <a:p>
-            <a:pPr lvl="2" marL="648000" indent="-216000">
+            <a:pPr lvl="2" marL="648000" indent="-215640">
               <a:lnSpc>
                 <a:spcPct val="100000"/>
               </a:lnSpc>
@@ -7054,23 +10073,17 @@
             </a:endParaRPr>
           </a:p>
           <a:p>
-            <a:pPr lvl="2" marL="648000" indent="-216000">
+            <a:pPr>
               <a:lnSpc>
                 <a:spcPct val="100000"/>
               </a:lnSpc>
-              <a:buClr>
-                <a:srgbClr val="000000"/>
-              </a:buClr>
-              <a:buSzPct val="45000"/>
-              <a:buFont typeface="Wingdings" charset="2"/>
-              <a:buChar char=""/>
             </a:pPr>
             <a:endParaRPr b="0" lang="en-US" sz="1400" spc="-1" strike="noStrike">
               <a:latin typeface="Arial"/>
             </a:endParaRPr>
           </a:p>
           <a:p>
-            <a:pPr marL="457200" indent="-317160">
+            <a:pPr marL="457200" indent="-316800">
               <a:lnSpc>
                 <a:spcPct val="100000"/>
               </a:lnSpc>
@@ -7095,7 +10108,7 @@
             </a:endParaRPr>
           </a:p>
           <a:p>
-            <a:pPr lvl="2" marL="648000" indent="-216000">
+            <a:pPr lvl="2" marL="648000" indent="-215640">
               <a:lnSpc>
                 <a:spcPct val="100000"/>
               </a:lnSpc>
@@ -7121,15 +10134,10 @@
             </a:endParaRPr>
           </a:p>
           <a:p>
-            <a:pPr marL="457200" indent="-317160">
+            <a:pPr>
               <a:lnSpc>
                 <a:spcPct val="100000"/>
               </a:lnSpc>
-              <a:buClr>
-                <a:srgbClr val="000000"/>
-              </a:buClr>
-              <a:buFont typeface="Comfortaa"/>
-              <a:buChar char="-"/>
             </a:pPr>
             <a:endParaRPr b="0" lang="en-US" sz="1400" spc="-1" strike="noStrike">
               <a:latin typeface="Arial"/>
@@ -7188,14 +10196,14 @@
       </p:grpSpPr>
       <p:sp>
         <p:nvSpPr>
-          <p:cNvPr id="143" name="TextShape 1"/>
-          <p:cNvSpPr txBox="1"/>
+          <p:cNvPr id="222" name="CustomShape 1"/>
+          <p:cNvSpPr/>
           <p:nvPr/>
         </p:nvSpPr>
         <p:spPr>
           <a:xfrm>
             <a:off x="460800" y="2065320"/>
-            <a:ext cx="8221680" cy="1012320"/>
+            <a:ext cx="8221320" cy="1011960"/>
           </a:xfrm>
           <a:prstGeom prst="rect">
             <a:avLst/>
@@ -7205,8 +10213,14 @@
             <a:noFill/>
           </a:ln>
         </p:spPr>
-        <p:txBody>
-          <a:bodyPr tIns="91440" bIns="91440" anchor="ctr"/>
+        <p:style>
+          <a:lnRef idx="0"/>
+          <a:fillRef idx="0"/>
+          <a:effectRef idx="0"/>
+          <a:fontRef idx="minor"/>
+        </p:style>
+        <p:txBody>
+          <a:bodyPr lIns="90000" rIns="90000" tIns="91440" bIns="91440" anchor="ctr"/>
           <a:p>
             <a:pPr>
               <a:lnSpc>
@@ -7224,9 +10238,6 @@
               <a:t>PROJECT DEMO</a:t>
             </a:r>
             <a:endParaRPr b="0" lang="en-US" sz="4200" spc="-1" strike="noStrike">
-              <a:solidFill>
-                <a:srgbClr val="000000"/>
-              </a:solidFill>
               <a:latin typeface="Arial"/>
             </a:endParaRPr>
           </a:p>
@@ -7931,4 +10942,450 @@
     </a:fmtScheme>
   </a:themeElements>
 </a:theme>
+</file>
+
+<file path=ppt/theme/theme4.xml><?xml version="1.0" encoding="utf-8"?>
+<a:theme xmlns:a="http://schemas.openxmlformats.org/drawingml/2006/main" name="Office Theme">
+  <a:themeElements>
+    <a:clrScheme name="Office">
+      <a:dk1>
+        <a:sysClr val="windowText" lastClr="000000"/>
+      </a:dk1>
+      <a:lt1>
+        <a:sysClr val="window" lastClr="FFFFFF"/>
+      </a:lt1>
+      <a:dk2>
+        <a:srgbClr val="1f497d"/>
+      </a:dk2>
+      <a:lt2>
+        <a:srgbClr val="eeece1"/>
+      </a:lt2>
+      <a:accent1>
+        <a:srgbClr val="4f81bd"/>
+      </a:accent1>
+      <a:accent2>
+        <a:srgbClr val="c0504d"/>
+      </a:accent2>
+      <a:accent3>
+        <a:srgbClr val="9bbb59"/>
+      </a:accent3>
+      <a:accent4>
+        <a:srgbClr val="8064a2"/>
+      </a:accent4>
+      <a:accent5>
+        <a:srgbClr val="4bacc6"/>
+      </a:accent5>
+      <a:accent6>
+        <a:srgbClr val="f79646"/>
+      </a:accent6>
+      <a:hlink>
+        <a:srgbClr val="0000ff"/>
+      </a:hlink>
+      <a:folHlink>
+        <a:srgbClr val="800080"/>
+      </a:folHlink>
+    </a:clrScheme>
+    <a:fontScheme name="Office">
+      <a:majorFont>
+        <a:latin typeface="Arial"/>
+        <a:ea typeface="DejaVu Sans"/>
+        <a:cs typeface="DejaVu Sans"/>
+      </a:majorFont>
+      <a:minorFont>
+        <a:latin typeface="Arial"/>
+        <a:ea typeface="DejaVu Sans"/>
+        <a:cs typeface="DejaVu Sans"/>
+      </a:minorFont>
+    </a:fontScheme>
+    <a:fmtScheme name="Office">
+      <a:fillStyleLst>
+        <a:solidFill>
+          <a:schemeClr val="phClr"/>
+        </a:solidFill>
+        <a:gradFill rotWithShape="1">
+          <a:gsLst>
+            <a:gs pos="0">
+              <a:schemeClr val="phClr">
+                <a:tint val="50000"/>
+                <a:satMod val="300000"/>
+              </a:schemeClr>
+            </a:gs>
+            <a:gs pos="35000">
+              <a:schemeClr val="phClr">
+                <a:tint val="37000"/>
+                <a:satMod val="300000"/>
+              </a:schemeClr>
+            </a:gs>
+            <a:gs pos="100000">
+              <a:schemeClr val="phClr">
+                <a:tint val="15000"/>
+                <a:satMod val="350000"/>
+              </a:schemeClr>
+            </a:gs>
+          </a:gsLst>
+          <a:lin ang="16200000" scaled="1"/>
+        </a:gradFill>
+        <a:gradFill rotWithShape="1">
+          <a:gsLst>
+            <a:gs pos="0">
+              <a:schemeClr val="phClr">
+                <a:shade val="51000"/>
+                <a:satMod val="130000"/>
+              </a:schemeClr>
+            </a:gs>
+            <a:gs pos="80000">
+              <a:schemeClr val="phClr">
+                <a:shade val="93000"/>
+                <a:satMod val="130000"/>
+              </a:schemeClr>
+            </a:gs>
+            <a:gs pos="100000">
+              <a:schemeClr val="phClr">
+                <a:shade val="94000"/>
+                <a:satMod val="135000"/>
+              </a:schemeClr>
+            </a:gs>
+          </a:gsLst>
+          <a:lin ang="16200000" scaled="0"/>
+        </a:gradFill>
+      </a:fillStyleLst>
+      <a:lnStyleLst>
+        <a:ln w="9525" cap="flat" cmpd="sng" algn="ctr">
+          <a:solidFill>
+            <a:schemeClr val="phClr">
+              <a:shade val="95000"/>
+              <a:satMod val="105000"/>
+            </a:schemeClr>
+          </a:solidFill>
+          <a:prstDash val="solid"/>
+        </a:ln>
+        <a:ln w="25400" cap="flat" cmpd="sng" algn="ctr">
+          <a:solidFill>
+            <a:schemeClr val="phClr"/>
+          </a:solidFill>
+          <a:prstDash val="solid"/>
+        </a:ln>
+        <a:ln w="38100" cap="flat" cmpd="sng" algn="ctr">
+          <a:solidFill>
+            <a:schemeClr val="phClr"/>
+          </a:solidFill>
+          <a:prstDash val="solid"/>
+        </a:ln>
+      </a:lnStyleLst>
+      <a:effectStyleLst>
+        <a:effectStyle>
+          <a:effectLst>
+            <a:outerShdw blurRad="40000" dist="20000" dir="5400000" rotWithShape="0">
+              <a:srgbClr val="000000">
+                <a:alpha val="38000"/>
+              </a:srgbClr>
+            </a:outerShdw>
+          </a:effectLst>
+        </a:effectStyle>
+        <a:effectStyle>
+          <a:effectLst>
+            <a:outerShdw blurRad="40000" dist="23000" dir="5400000" rotWithShape="0">
+              <a:srgbClr val="000000">
+                <a:alpha val="35000"/>
+              </a:srgbClr>
+            </a:outerShdw>
+          </a:effectLst>
+        </a:effectStyle>
+        <a:effectStyle>
+          <a:effectLst>
+            <a:outerShdw blurRad="40000" dist="23000" dir="5400000" rotWithShape="0">
+              <a:srgbClr val="000000">
+                <a:alpha val="35000"/>
+              </a:srgbClr>
+            </a:outerShdw>
+          </a:effectLst>
+          <a:scene3d>
+            <a:camera prst="orthographicFront">
+              <a:rot lat="0" lon="0" rev="0"/>
+            </a:camera>
+            <a:lightRig rig="threePt" dir="t">
+              <a:rot lat="0" lon="0" rev="1200000"/>
+            </a:lightRig>
+          </a:scene3d>
+          <a:sp3d>
+            <a:bevelT w="63500" h="25400"/>
+          </a:sp3d>
+        </a:effectStyle>
+      </a:effectStyleLst>
+      <a:bgFillStyleLst>
+        <a:solidFill>
+          <a:schemeClr val="phClr"/>
+        </a:solidFill>
+        <a:gradFill rotWithShape="1">
+          <a:gsLst>
+            <a:gs pos="0">
+              <a:schemeClr val="phClr">
+                <a:tint val="40000"/>
+                <a:satMod val="350000"/>
+              </a:schemeClr>
+            </a:gs>
+            <a:gs pos="40000">
+              <a:schemeClr val="phClr">
+                <a:tint val="45000"/>
+                <a:shade val="99000"/>
+                <a:satMod val="350000"/>
+              </a:schemeClr>
+            </a:gs>
+            <a:gs pos="100000">
+              <a:schemeClr val="phClr">
+                <a:shade val="20000"/>
+                <a:satMod val="255000"/>
+              </a:schemeClr>
+            </a:gs>
+          </a:gsLst>
+          <a:path path="circle">
+            <a:fillToRect l="50000" t="-80000" r="50000" b="180000"/>
+          </a:path>
+        </a:gradFill>
+        <a:gradFill rotWithShape="1">
+          <a:gsLst>
+            <a:gs pos="0">
+              <a:schemeClr val="phClr">
+                <a:tint val="80000"/>
+                <a:satMod val="300000"/>
+              </a:schemeClr>
+            </a:gs>
+            <a:gs pos="100000">
+              <a:schemeClr val="phClr">
+                <a:shade val="30000"/>
+                <a:satMod val="200000"/>
+              </a:schemeClr>
+            </a:gs>
+          </a:gsLst>
+          <a:path path="circle">
+            <a:fillToRect l="50000" t="50000" r="50000" b="50000"/>
+          </a:path>
+        </a:gradFill>
+      </a:bgFillStyleLst>
+    </a:fmtScheme>
+  </a:themeElements>
+</a:theme>
+</file>
+
+<file path=ppt/theme/theme5.xml><?xml version="1.0" encoding="utf-8"?>
+<a:theme xmlns:a="http://schemas.openxmlformats.org/drawingml/2006/main" name="Office Theme">
+  <a:themeElements>
+    <a:clrScheme name="Office">
+      <a:dk1>
+        <a:sysClr val="windowText" lastClr="000000"/>
+      </a:dk1>
+      <a:lt1>
+        <a:sysClr val="window" lastClr="FFFFFF"/>
+      </a:lt1>
+      <a:dk2>
+        <a:srgbClr val="1f497d"/>
+      </a:dk2>
+      <a:lt2>
+        <a:srgbClr val="eeece1"/>
+      </a:lt2>
+      <a:accent1>
+        <a:srgbClr val="4f81bd"/>
+      </a:accent1>
+      <a:accent2>
+        <a:srgbClr val="c0504d"/>
+      </a:accent2>
+      <a:accent3>
+        <a:srgbClr val="9bbb59"/>
+      </a:accent3>
+      <a:accent4>
+        <a:srgbClr val="8064a2"/>
+      </a:accent4>
+      <a:accent5>
+        <a:srgbClr val="4bacc6"/>
+      </a:accent5>
+      <a:accent6>
+        <a:srgbClr val="f79646"/>
+      </a:accent6>
+      <a:hlink>
+        <a:srgbClr val="0000ff"/>
+      </a:hlink>
+      <a:folHlink>
+        <a:srgbClr val="800080"/>
+      </a:folHlink>
+    </a:clrScheme>
+    <a:fontScheme name="Office">
+      <a:majorFont>
+        <a:latin typeface="Arial"/>
+        <a:ea typeface="DejaVu Sans"/>
+        <a:cs typeface="DejaVu Sans"/>
+      </a:majorFont>
+      <a:minorFont>
+        <a:latin typeface="Arial"/>
+        <a:ea typeface="DejaVu Sans"/>
+        <a:cs typeface="DejaVu Sans"/>
+      </a:minorFont>
+    </a:fontScheme>
+    <a:fmtScheme name="Office">
+      <a:fillStyleLst>
+        <a:solidFill>
+          <a:schemeClr val="phClr"/>
+        </a:solidFill>
+        <a:gradFill rotWithShape="1">
+          <a:gsLst>
+            <a:gs pos="0">
+              <a:schemeClr val="phClr">
+                <a:tint val="50000"/>
+                <a:satMod val="300000"/>
+              </a:schemeClr>
+            </a:gs>
+            <a:gs pos="35000">
+              <a:schemeClr val="phClr">
+                <a:tint val="37000"/>
+                <a:satMod val="300000"/>
+              </a:schemeClr>
+            </a:gs>
+            <a:gs pos="100000">
+              <a:schemeClr val="phClr">
+                <a:tint val="15000"/>
+                <a:satMod val="350000"/>
+              </a:schemeClr>
+            </a:gs>
+          </a:gsLst>
+          <a:lin ang="16200000" scaled="1"/>
+        </a:gradFill>
+        <a:gradFill rotWithShape="1">
+          <a:gsLst>
+            <a:gs pos="0">
+              <a:schemeClr val="phClr">
+                <a:shade val="51000"/>
+                <a:satMod val="130000"/>
+              </a:schemeClr>
+            </a:gs>
+            <a:gs pos="80000">
+              <a:schemeClr val="phClr">
+                <a:shade val="93000"/>
+                <a:satMod val="130000"/>
+              </a:schemeClr>
+            </a:gs>
+            <a:gs pos="100000">
+              <a:schemeClr val="phClr">
+                <a:shade val="94000"/>
+                <a:satMod val="135000"/>
+              </a:schemeClr>
+            </a:gs>
+          </a:gsLst>
+          <a:lin ang="16200000" scaled="0"/>
+        </a:gradFill>
+      </a:fillStyleLst>
+      <a:lnStyleLst>
+        <a:ln w="9525" cap="flat" cmpd="sng" algn="ctr">
+          <a:solidFill>
+            <a:schemeClr val="phClr">
+              <a:shade val="95000"/>
+              <a:satMod val="105000"/>
+            </a:schemeClr>
+          </a:solidFill>
+          <a:prstDash val="solid"/>
+        </a:ln>
+        <a:ln w="25400" cap="flat" cmpd="sng" algn="ctr">
+          <a:solidFill>
+            <a:schemeClr val="phClr"/>
+          </a:solidFill>
+          <a:prstDash val="solid"/>
+        </a:ln>
+        <a:ln w="38100" cap="flat" cmpd="sng" algn="ctr">
+          <a:solidFill>
+            <a:schemeClr val="phClr"/>
+          </a:solidFill>
+          <a:prstDash val="solid"/>
+        </a:ln>
+      </a:lnStyleLst>
+      <a:effectStyleLst>
+        <a:effectStyle>
+          <a:effectLst>
+            <a:outerShdw blurRad="40000" dist="20000" dir="5400000" rotWithShape="0">
+              <a:srgbClr val="000000">
+                <a:alpha val="38000"/>
+              </a:srgbClr>
+            </a:outerShdw>
+          </a:effectLst>
+        </a:effectStyle>
+        <a:effectStyle>
+          <a:effectLst>
+            <a:outerShdw blurRad="40000" dist="23000" dir="5400000" rotWithShape="0">
+              <a:srgbClr val="000000">
+                <a:alpha val="35000"/>
+              </a:srgbClr>
+            </a:outerShdw>
+          </a:effectLst>
+        </a:effectStyle>
+        <a:effectStyle>
+          <a:effectLst>
+            <a:outerShdw blurRad="40000" dist="23000" dir="5400000" rotWithShape="0">
+              <a:srgbClr val="000000">
+                <a:alpha val="35000"/>
+              </a:srgbClr>
+            </a:outerShdw>
+          </a:effectLst>
+          <a:scene3d>
+            <a:camera prst="orthographicFront">
+              <a:rot lat="0" lon="0" rev="0"/>
+            </a:camera>
+            <a:lightRig rig="threePt" dir="t">
+              <a:rot lat="0" lon="0" rev="1200000"/>
+            </a:lightRig>
+          </a:scene3d>
+          <a:sp3d>
+            <a:bevelT w="63500" h="25400"/>
+          </a:sp3d>
+        </a:effectStyle>
+      </a:effectStyleLst>
+      <a:bgFillStyleLst>
+        <a:solidFill>
+          <a:schemeClr val="phClr"/>
+        </a:solidFill>
+        <a:gradFill rotWithShape="1">
+          <a:gsLst>
+            <a:gs pos="0">
+              <a:schemeClr val="phClr">
+                <a:tint val="40000"/>
+                <a:satMod val="350000"/>
+              </a:schemeClr>
+            </a:gs>
+            <a:gs pos="40000">
+              <a:schemeClr val="phClr">
+                <a:tint val="45000"/>
+                <a:shade val="99000"/>
+                <a:satMod val="350000"/>
+              </a:schemeClr>
+            </a:gs>
+            <a:gs pos="100000">
+              <a:schemeClr val="phClr">
+                <a:shade val="20000"/>
+                <a:satMod val="255000"/>
+              </a:schemeClr>
+            </a:gs>
+          </a:gsLst>
+          <a:path path="circle">
+            <a:fillToRect l="50000" t="-80000" r="50000" b="180000"/>
+          </a:path>
+        </a:gradFill>
+        <a:gradFill rotWithShape="1">
+          <a:gsLst>
+            <a:gs pos="0">
+              <a:schemeClr val="phClr">
+                <a:tint val="80000"/>
+                <a:satMod val="300000"/>
+              </a:schemeClr>
+            </a:gs>
+            <a:gs pos="100000">
+              <a:schemeClr val="phClr">
+                <a:shade val="30000"/>
+                <a:satMod val="200000"/>
+              </a:schemeClr>
+            </a:gs>
+          </a:gsLst>
+          <a:path path="circle">
+            <a:fillToRect l="50000" t="50000" r="50000" b="50000"/>
+          </a:path>
+        </a:gradFill>
+      </a:bgFillStyleLst>
+    </a:fmtScheme>
+  </a:themeElements>
+</a:theme>
 </file>